--- a/Case study.pptx
+++ b/Case study.pptx
@@ -1,41 +1,41 @@
 
 <file path=ppt/presentation.xml><?xml version="1.0" encoding="utf-8"?>
-<p:presentation xmlns:a="http://schemas.openxmlformats.org/drawingml/2006/main" xmlns:r="http://schemas.openxmlformats.org/officeDocument/2006/relationships" xmlns:mc="http://schemas.openxmlformats.org/markup-compatibility/2006" xmlns:mv="urn:schemas-microsoft-com:mac:vml" xmlns:p="http://schemas.openxmlformats.org/presentationml/2006/main" xmlns:c="http://schemas.openxmlformats.org/drawingml/2006/chart" xmlns:dgm="http://schemas.openxmlformats.org/drawingml/2006/diagram" xmlns:o="urn:schemas-microsoft-com:office:office" xmlns:v="urn:schemas-microsoft-com:vml" xmlns:pvml="urn:schemas-microsoft-com:office:powerpoint" xmlns:com="http://schemas.openxmlformats.org/drawingml/2006/compatibility" xmlns:p14="http://schemas.microsoft.com/office/powerpoint/2010/main" xmlns:p15="http://schemas.microsoft.com/office/powerpoint/2012/main" xmlns:ahyp="http://schemas.microsoft.com/office/drawing/2018/hyperlinkcolor" autoCompressPictures="0" embedTrueTypeFonts="1" strictFirstAndLastChars="0" saveSubsetFonts="1">
+<p:presentation xmlns:a="http://schemas.openxmlformats.org/drawingml/2006/main" xmlns:r="http://schemas.openxmlformats.org/officeDocument/2006/relationships" xmlns:p="http://schemas.openxmlformats.org/presentationml/2006/main" strictFirstAndLastChars="0" embedTrueTypeFonts="1" saveSubsetFonts="1" autoCompressPictures="0">
   <p:sldMasterIdLst>
-    <p:sldMasterId id="2147483659" r:id="rId4"/>
+    <p:sldMasterId id="2147483659" r:id="rId1"/>
   </p:sldMasterIdLst>
   <p:notesMasterIdLst>
-    <p:notesMasterId r:id="rId5"/>
+    <p:notesMasterId r:id="rId16"/>
   </p:notesMasterIdLst>
   <p:sldIdLst>
-    <p:sldId id="256" r:id="rId6"/>
-    <p:sldId id="257" r:id="rId7"/>
-    <p:sldId id="258" r:id="rId8"/>
-    <p:sldId id="259" r:id="rId9"/>
-    <p:sldId id="260" r:id="rId10"/>
-    <p:sldId id="261" r:id="rId11"/>
-    <p:sldId id="262" r:id="rId12"/>
-    <p:sldId id="263" r:id="rId13"/>
-    <p:sldId id="264" r:id="rId14"/>
-    <p:sldId id="265" r:id="rId15"/>
-    <p:sldId id="266" r:id="rId16"/>
-    <p:sldId id="267" r:id="rId17"/>
-    <p:sldId id="268" r:id="rId18"/>
-    <p:sldId id="269" r:id="rId19"/>
+    <p:sldId id="256" r:id="rId2"/>
+    <p:sldId id="257" r:id="rId3"/>
+    <p:sldId id="258" r:id="rId4"/>
+    <p:sldId id="259" r:id="rId5"/>
+    <p:sldId id="260" r:id="rId6"/>
+    <p:sldId id="261" r:id="rId7"/>
+    <p:sldId id="262" r:id="rId8"/>
+    <p:sldId id="263" r:id="rId9"/>
+    <p:sldId id="264" r:id="rId10"/>
+    <p:sldId id="265" r:id="rId11"/>
+    <p:sldId id="266" r:id="rId12"/>
+    <p:sldId id="267" r:id="rId13"/>
+    <p:sldId id="268" r:id="rId14"/>
+    <p:sldId id="269" r:id="rId15"/>
   </p:sldIdLst>
-  <p:sldSz cy="5143500" cx="9144000"/>
+  <p:sldSz cx="9144000" cy="5143500" type="screen16x9"/>
   <p:notesSz cx="6858000" cy="9144000"/>
   <p:embeddedFontLst>
     <p:embeddedFont>
-      <p:font typeface="Roboto"/>
-      <p:regular r:id="rId20"/>
-      <p:bold r:id="rId21"/>
-      <p:italic r:id="rId22"/>
-      <p:boldItalic r:id="rId23"/>
+      <p:font typeface="Roboto" panose="02000000000000000000" pitchFamily="2" charset="0"/>
+      <p:regular r:id="rId17"/>
+      <p:bold r:id="rId18"/>
+      <p:italic r:id="rId19"/>
+      <p:boldItalic r:id="rId20"/>
     </p:embeddedFont>
   </p:embeddedFontLst>
   <p:defaultTextStyle>
-    <a:defPPr lvl="0" marR="0" rtl="0" algn="l">
+    <a:defPPr marR="0" lvl="0" algn="l" rtl="0">
       <a:lnSpc>
         <a:spcPct val="100000"/>
       </a:lnSpc>
@@ -46,7 +46,7 @@
         <a:spcPts val="0"/>
       </a:spcAft>
     </a:defPPr>
-    <a:lvl1pPr lvl="0" marR="0" rtl="0" algn="l">
+    <a:lvl1pPr marR="0" lvl="0" algn="l" rtl="0">
       <a:lnSpc>
         <a:spcPct val="100000"/>
       </a:lnSpc>
@@ -60,7 +60,7 @@
         <a:srgbClr val="000000"/>
       </a:buClr>
       <a:buFont typeface="Arial"/>
-      <a:defRPr b="0" i="0" sz="1400" u="none" cap="none" strike="noStrike">
+      <a:defRPr sz="1400" b="0" i="0" u="none" strike="noStrike" cap="none">
         <a:solidFill>
           <a:srgbClr val="000000"/>
         </a:solidFill>
@@ -70,7 +70,7 @@
         <a:sym typeface="Arial"/>
       </a:defRPr>
     </a:lvl1pPr>
-    <a:lvl2pPr lvl="1" marR="0" rtl="0" algn="l">
+    <a:lvl2pPr marR="0" lvl="1" algn="l" rtl="0">
       <a:lnSpc>
         <a:spcPct val="100000"/>
       </a:lnSpc>
@@ -84,7 +84,7 @@
         <a:srgbClr val="000000"/>
       </a:buClr>
       <a:buFont typeface="Arial"/>
-      <a:defRPr b="0" i="0" sz="1400" u="none" cap="none" strike="noStrike">
+      <a:defRPr sz="1400" b="0" i="0" u="none" strike="noStrike" cap="none">
         <a:solidFill>
           <a:srgbClr val="000000"/>
         </a:solidFill>
@@ -94,7 +94,7 @@
         <a:sym typeface="Arial"/>
       </a:defRPr>
     </a:lvl2pPr>
-    <a:lvl3pPr lvl="2" marR="0" rtl="0" algn="l">
+    <a:lvl3pPr marR="0" lvl="2" algn="l" rtl="0">
       <a:lnSpc>
         <a:spcPct val="100000"/>
       </a:lnSpc>
@@ -108,7 +108,7 @@
         <a:srgbClr val="000000"/>
       </a:buClr>
       <a:buFont typeface="Arial"/>
-      <a:defRPr b="0" i="0" sz="1400" u="none" cap="none" strike="noStrike">
+      <a:defRPr sz="1400" b="0" i="0" u="none" strike="noStrike" cap="none">
         <a:solidFill>
           <a:srgbClr val="000000"/>
         </a:solidFill>
@@ -118,7 +118,7 @@
         <a:sym typeface="Arial"/>
       </a:defRPr>
     </a:lvl3pPr>
-    <a:lvl4pPr lvl="3" marR="0" rtl="0" algn="l">
+    <a:lvl4pPr marR="0" lvl="3" algn="l" rtl="0">
       <a:lnSpc>
         <a:spcPct val="100000"/>
       </a:lnSpc>
@@ -132,7 +132,7 @@
         <a:srgbClr val="000000"/>
       </a:buClr>
       <a:buFont typeface="Arial"/>
-      <a:defRPr b="0" i="0" sz="1400" u="none" cap="none" strike="noStrike">
+      <a:defRPr sz="1400" b="0" i="0" u="none" strike="noStrike" cap="none">
         <a:solidFill>
           <a:srgbClr val="000000"/>
         </a:solidFill>
@@ -142,7 +142,7 @@
         <a:sym typeface="Arial"/>
       </a:defRPr>
     </a:lvl4pPr>
-    <a:lvl5pPr lvl="4" marR="0" rtl="0" algn="l">
+    <a:lvl5pPr marR="0" lvl="4" algn="l" rtl="0">
       <a:lnSpc>
         <a:spcPct val="100000"/>
       </a:lnSpc>
@@ -156,7 +156,7 @@
         <a:srgbClr val="000000"/>
       </a:buClr>
       <a:buFont typeface="Arial"/>
-      <a:defRPr b="0" i="0" sz="1400" u="none" cap="none" strike="noStrike">
+      <a:defRPr sz="1400" b="0" i="0" u="none" strike="noStrike" cap="none">
         <a:solidFill>
           <a:srgbClr val="000000"/>
         </a:solidFill>
@@ -166,7 +166,7 @@
         <a:sym typeface="Arial"/>
       </a:defRPr>
     </a:lvl5pPr>
-    <a:lvl6pPr lvl="5" marR="0" rtl="0" algn="l">
+    <a:lvl6pPr marR="0" lvl="5" algn="l" rtl="0">
       <a:lnSpc>
         <a:spcPct val="100000"/>
       </a:lnSpc>
@@ -180,7 +180,7 @@
         <a:srgbClr val="000000"/>
       </a:buClr>
       <a:buFont typeface="Arial"/>
-      <a:defRPr b="0" i="0" sz="1400" u="none" cap="none" strike="noStrike">
+      <a:defRPr sz="1400" b="0" i="0" u="none" strike="noStrike" cap="none">
         <a:solidFill>
           <a:srgbClr val="000000"/>
         </a:solidFill>
@@ -190,7 +190,7 @@
         <a:sym typeface="Arial"/>
       </a:defRPr>
     </a:lvl6pPr>
-    <a:lvl7pPr lvl="6" marR="0" rtl="0" algn="l">
+    <a:lvl7pPr marR="0" lvl="6" algn="l" rtl="0">
       <a:lnSpc>
         <a:spcPct val="100000"/>
       </a:lnSpc>
@@ -204,7 +204,7 @@
         <a:srgbClr val="000000"/>
       </a:buClr>
       <a:buFont typeface="Arial"/>
-      <a:defRPr b="0" i="0" sz="1400" u="none" cap="none" strike="noStrike">
+      <a:defRPr sz="1400" b="0" i="0" u="none" strike="noStrike" cap="none">
         <a:solidFill>
           <a:srgbClr val="000000"/>
         </a:solidFill>
@@ -214,7 +214,7 @@
         <a:sym typeface="Arial"/>
       </a:defRPr>
     </a:lvl7pPr>
-    <a:lvl8pPr lvl="7" marR="0" rtl="0" algn="l">
+    <a:lvl8pPr marR="0" lvl="7" algn="l" rtl="0">
       <a:lnSpc>
         <a:spcPct val="100000"/>
       </a:lnSpc>
@@ -228,7 +228,7 @@
         <a:srgbClr val="000000"/>
       </a:buClr>
       <a:buFont typeface="Arial"/>
-      <a:defRPr b="0" i="0" sz="1400" u="none" cap="none" strike="noStrike">
+      <a:defRPr sz="1400" b="0" i="0" u="none" strike="noStrike" cap="none">
         <a:solidFill>
           <a:srgbClr val="000000"/>
         </a:solidFill>
@@ -238,7 +238,7 @@
         <a:sym typeface="Arial"/>
       </a:defRPr>
     </a:lvl8pPr>
-    <a:lvl9pPr lvl="8" marR="0" rtl="0" algn="l">
+    <a:lvl9pPr marR="0" lvl="8" algn="l" rtl="0">
       <a:lnSpc>
         <a:spcPct val="100000"/>
       </a:lnSpc>
@@ -252,7 +252,7 @@
         <a:srgbClr val="000000"/>
       </a:buClr>
       <a:buFont typeface="Arial"/>
-      <a:defRPr b="0" i="0" sz="1400" u="none" cap="none" strike="noStrike">
+      <a:defRPr sz="1400" b="0" i="0" u="none" strike="noStrike" cap="none">
         <a:solidFill>
           <a:srgbClr val="000000"/>
         </a:solidFill>
@@ -265,7 +265,7 @@
   </p:defaultTextStyle>
   <p:extLst>
     <p:ext uri="{EFAFB233-063F-42B5-8137-9DF3F51BA10A}">
-      <p15:sldGuideLst>
+      <p15:sldGuideLst xmlns:p15="http://schemas.microsoft.com/office/powerpoint/2012/main">
         <p15:guide id="1" orient="horz" pos="1620">
           <p15:clr>
             <a:srgbClr val="A4A3A4"/>
@@ -283,11 +283,16 @@
 </file>
 
 <file path=ppt/notesMasters/notesMaster1.xml><?xml version="1.0" encoding="utf-8"?>
-<p:notesMaster xmlns:a="http://schemas.openxmlformats.org/drawingml/2006/main" xmlns:r="http://schemas.openxmlformats.org/officeDocument/2006/relationships" xmlns:mc="http://schemas.openxmlformats.org/markup-compatibility/2006" xmlns:mv="urn:schemas-microsoft-com:mac:vml" xmlns:p="http://schemas.openxmlformats.org/presentationml/2006/main" xmlns:c="http://schemas.openxmlformats.org/drawingml/2006/chart" xmlns:dgm="http://schemas.openxmlformats.org/drawingml/2006/diagram" xmlns:o="urn:schemas-microsoft-com:office:office" xmlns:v="urn:schemas-microsoft-com:vml" xmlns:pvml="urn:schemas-microsoft-com:office:powerpoint" xmlns:com="http://schemas.openxmlformats.org/drawingml/2006/compatibility" xmlns:p14="http://schemas.microsoft.com/office/powerpoint/2010/main" xmlns:p15="http://schemas.microsoft.com/office/powerpoint/2012/main" xmlns:ahyp="http://schemas.microsoft.com/office/drawing/2018/hyperlinkcolor">
+<p:notesMaster xmlns:a="http://schemas.openxmlformats.org/drawingml/2006/main" xmlns:r="http://schemas.openxmlformats.org/officeDocument/2006/relationships" xmlns:p="http://schemas.openxmlformats.org/presentationml/2006/main">
   <p:cSld>
+    <p:bg>
+      <p:bgRef idx="1001">
+        <a:schemeClr val="bg1"/>
+      </p:bgRef>
+    </p:bg>
     <p:spTree>
       <p:nvGrpSpPr>
-        <p:cNvPr id="2" name="Shape 2"/>
+        <p:cNvPr id="1" name="Shape 2"/>
         <p:cNvGrpSpPr/>
         <p:nvPr/>
       </p:nvGrpSpPr>
@@ -302,9 +307,11 @@
       <p:sp>
         <p:nvSpPr>
           <p:cNvPr id="3" name="Google Shape;3;n"/>
-          <p:cNvSpPr/>
+          <p:cNvSpPr>
+            <a:spLocks noGrp="1" noRot="1" noChangeAspect="1"/>
+          </p:cNvSpPr>
           <p:nvPr>
-            <p:ph idx="2" type="sldImg"/>
+            <p:ph type="sldImg" idx="2"/>
           </p:nvPr>
         </p:nvSpPr>
         <p:spPr>
@@ -313,9 +320,13 @@
             <a:ext cx="6096075" cy="3429000"/>
           </a:xfrm>
           <a:custGeom>
-            <a:rect b="b" l="l" r="r" t="t"/>
+            <a:avLst/>
+            <a:gdLst/>
+            <a:ahLst/>
+            <a:cxnLst/>
+            <a:rect l="l" t="t" r="r" b="b"/>
             <a:pathLst>
-              <a:path extrusionOk="0" h="120000" w="120000">
+              <a:path w="120000" h="120000" extrusionOk="0">
                 <a:moveTo>
                   <a:pt x="0" y="0"/>
                 </a:moveTo>
@@ -333,23 +344,25 @@
             </a:pathLst>
           </a:custGeom>
           <a:noFill/>
-          <a:ln cap="flat" cmpd="sng" w="9525">
+          <a:ln w="9525" cap="flat" cmpd="sng">
             <a:solidFill>
               <a:srgbClr val="000000"/>
             </a:solidFill>
             <a:prstDash val="solid"/>
             <a:round/>
-            <a:headEnd len="sm" w="sm" type="none"/>
-            <a:tailEnd len="sm" w="sm" type="none"/>
+            <a:headEnd type="none" w="sm" len="sm"/>
+            <a:tailEnd type="none" w="sm" len="sm"/>
           </a:ln>
         </p:spPr>
       </p:sp>
       <p:sp>
         <p:nvSpPr>
           <p:cNvPr id="4" name="Google Shape;4;n"/>
-          <p:cNvSpPr txBox="1"/>
+          <p:cNvSpPr txBox="1">
+            <a:spLocks noGrp="1"/>
+          </p:cNvSpPr>
           <p:nvPr>
-            <p:ph idx="1" type="body"/>
+            <p:ph type="body" idx="1"/>
           </p:nvPr>
         </p:nvSpPr>
         <p:spPr>
@@ -366,11 +379,11 @@
           </a:ln>
         </p:spPr>
         <p:txBody>
-          <a:bodyPr anchorCtr="0" anchor="t" bIns="91425" lIns="91425" spcFirstLastPara="1" rIns="91425" wrap="square" tIns="91425">
+          <a:bodyPr spcFirstLastPara="1" wrap="square" lIns="91425" tIns="91425" rIns="91425" bIns="91425" anchor="t" anchorCtr="0">
             <a:noAutofit/>
           </a:bodyPr>
           <a:lstStyle>
-            <a:lvl1pPr indent="-317500" lvl="0" marL="457200">
+            <a:lvl1pPr marL="457200" lvl="0" indent="-317500">
               <a:spcBef>
                 <a:spcPts val="0"/>
               </a:spcBef>
@@ -381,7 +394,7 @@
               <a:buChar char="●"/>
               <a:defRPr sz="1100"/>
             </a:lvl1pPr>
-            <a:lvl2pPr indent="-317500" lvl="1" marL="914400">
+            <a:lvl2pPr marL="914400" lvl="1" indent="-317500">
               <a:spcBef>
                 <a:spcPts val="0"/>
               </a:spcBef>
@@ -392,7 +405,7 @@
               <a:buChar char="○"/>
               <a:defRPr sz="1100"/>
             </a:lvl2pPr>
-            <a:lvl3pPr indent="-317500" lvl="2" marL="1371600">
+            <a:lvl3pPr marL="1371600" lvl="2" indent="-317500">
               <a:spcBef>
                 <a:spcPts val="0"/>
               </a:spcBef>
@@ -403,7 +416,7 @@
               <a:buChar char="■"/>
               <a:defRPr sz="1100"/>
             </a:lvl3pPr>
-            <a:lvl4pPr indent="-317500" lvl="3" marL="1828800">
+            <a:lvl4pPr marL="1828800" lvl="3" indent="-317500">
               <a:spcBef>
                 <a:spcPts val="0"/>
               </a:spcBef>
@@ -414,7 +427,7 @@
               <a:buChar char="●"/>
               <a:defRPr sz="1100"/>
             </a:lvl4pPr>
-            <a:lvl5pPr indent="-317500" lvl="4" marL="2286000">
+            <a:lvl5pPr marL="2286000" lvl="4" indent="-317500">
               <a:spcBef>
                 <a:spcPts val="0"/>
               </a:spcBef>
@@ -425,7 +438,7 @@
               <a:buChar char="○"/>
               <a:defRPr sz="1100"/>
             </a:lvl5pPr>
-            <a:lvl6pPr indent="-317500" lvl="5" marL="2743200">
+            <a:lvl6pPr marL="2743200" lvl="5" indent="-317500">
               <a:spcBef>
                 <a:spcPts val="0"/>
               </a:spcBef>
@@ -436,7 +449,7 @@
               <a:buChar char="■"/>
               <a:defRPr sz="1100"/>
             </a:lvl6pPr>
-            <a:lvl7pPr indent="-317500" lvl="6" marL="3200400">
+            <a:lvl7pPr marL="3200400" lvl="6" indent="-317500">
               <a:spcBef>
                 <a:spcPts val="0"/>
               </a:spcBef>
@@ -447,7 +460,7 @@
               <a:buChar char="●"/>
               <a:defRPr sz="1100"/>
             </a:lvl7pPr>
-            <a:lvl8pPr indent="-317500" lvl="7" marL="3657600">
+            <a:lvl8pPr marL="3657600" lvl="7" indent="-317500">
               <a:spcBef>
                 <a:spcPts val="0"/>
               </a:spcBef>
@@ -458,7 +471,7 @@
               <a:buChar char="○"/>
               <a:defRPr sz="1100"/>
             </a:lvl8pPr>
-            <a:lvl9pPr indent="-317500" lvl="8" marL="4114800">
+            <a:lvl9pPr marL="4114800" lvl="8" indent="-317500">
               <a:spcBef>
                 <a:spcPts val="0"/>
               </a:spcBef>
@@ -470,14 +483,16 @@
               <a:defRPr sz="1100"/>
             </a:lvl9pPr>
           </a:lstStyle>
-          <a:p/>
+          <a:p>
+            <a:endParaRPr/>
+          </a:p>
         </p:txBody>
       </p:sp>
     </p:spTree>
   </p:cSld>
-  <p:clrMap accent1="accent1" accent2="accent2" accent3="accent3" accent4="accent4" accent5="accent5" accent6="accent6" bg1="lt1" bg2="dk2" tx1="dk1" tx2="lt2" folHlink="folHlink" hlink="hlink"/>
+  <p:clrMap bg1="lt1" tx1="dk1" bg2="dk2" tx2="lt2" accent1="accent1" accent2="accent2" accent3="accent3" accent4="accent4" accent5="accent5" accent6="accent6" hlink="hlink" folHlink="folHlink"/>
   <p:notesStyle>
-    <a:defPPr lvl="0" marR="0" rtl="0" algn="l">
+    <a:defPPr marR="0" lvl="0" algn="l" rtl="0">
       <a:lnSpc>
         <a:spcPct val="100000"/>
       </a:lnSpc>
@@ -488,7 +503,7 @@
         <a:spcPts val="0"/>
       </a:spcAft>
     </a:defPPr>
-    <a:lvl1pPr lvl="0" marR="0" rtl="0" algn="l">
+    <a:lvl1pPr marR="0" lvl="0" algn="l" rtl="0">
       <a:lnSpc>
         <a:spcPct val="100000"/>
       </a:lnSpc>
@@ -502,7 +517,7 @@
         <a:srgbClr val="000000"/>
       </a:buClr>
       <a:buFont typeface="Arial"/>
-      <a:defRPr b="0" i="0" sz="1400" u="none" cap="none" strike="noStrike">
+      <a:defRPr sz="1400" b="0" i="0" u="none" strike="noStrike" cap="none">
         <a:solidFill>
           <a:srgbClr val="000000"/>
         </a:solidFill>
@@ -512,7 +527,7 @@
         <a:sym typeface="Arial"/>
       </a:defRPr>
     </a:lvl1pPr>
-    <a:lvl2pPr lvl="1" marR="0" rtl="0" algn="l">
+    <a:lvl2pPr marR="0" lvl="1" algn="l" rtl="0">
       <a:lnSpc>
         <a:spcPct val="100000"/>
       </a:lnSpc>
@@ -526,7 +541,7 @@
         <a:srgbClr val="000000"/>
       </a:buClr>
       <a:buFont typeface="Arial"/>
-      <a:defRPr b="0" i="0" sz="1400" u="none" cap="none" strike="noStrike">
+      <a:defRPr sz="1400" b="0" i="0" u="none" strike="noStrike" cap="none">
         <a:solidFill>
           <a:srgbClr val="000000"/>
         </a:solidFill>
@@ -536,7 +551,7 @@
         <a:sym typeface="Arial"/>
       </a:defRPr>
     </a:lvl2pPr>
-    <a:lvl3pPr lvl="2" marR="0" rtl="0" algn="l">
+    <a:lvl3pPr marR="0" lvl="2" algn="l" rtl="0">
       <a:lnSpc>
         <a:spcPct val="100000"/>
       </a:lnSpc>
@@ -550,7 +565,7 @@
         <a:srgbClr val="000000"/>
       </a:buClr>
       <a:buFont typeface="Arial"/>
-      <a:defRPr b="0" i="0" sz="1400" u="none" cap="none" strike="noStrike">
+      <a:defRPr sz="1400" b="0" i="0" u="none" strike="noStrike" cap="none">
         <a:solidFill>
           <a:srgbClr val="000000"/>
         </a:solidFill>
@@ -560,7 +575,7 @@
         <a:sym typeface="Arial"/>
       </a:defRPr>
     </a:lvl3pPr>
-    <a:lvl4pPr lvl="3" marR="0" rtl="0" algn="l">
+    <a:lvl4pPr marR="0" lvl="3" algn="l" rtl="0">
       <a:lnSpc>
         <a:spcPct val="100000"/>
       </a:lnSpc>
@@ -574,7 +589,7 @@
         <a:srgbClr val="000000"/>
       </a:buClr>
       <a:buFont typeface="Arial"/>
-      <a:defRPr b="0" i="0" sz="1400" u="none" cap="none" strike="noStrike">
+      <a:defRPr sz="1400" b="0" i="0" u="none" strike="noStrike" cap="none">
         <a:solidFill>
           <a:srgbClr val="000000"/>
         </a:solidFill>
@@ -584,7 +599,7 @@
         <a:sym typeface="Arial"/>
       </a:defRPr>
     </a:lvl4pPr>
-    <a:lvl5pPr lvl="4" marR="0" rtl="0" algn="l">
+    <a:lvl5pPr marR="0" lvl="4" algn="l" rtl="0">
       <a:lnSpc>
         <a:spcPct val="100000"/>
       </a:lnSpc>
@@ -598,7 +613,7 @@
         <a:srgbClr val="000000"/>
       </a:buClr>
       <a:buFont typeface="Arial"/>
-      <a:defRPr b="0" i="0" sz="1400" u="none" cap="none" strike="noStrike">
+      <a:defRPr sz="1400" b="0" i="0" u="none" strike="noStrike" cap="none">
         <a:solidFill>
           <a:srgbClr val="000000"/>
         </a:solidFill>
@@ -608,7 +623,7 @@
         <a:sym typeface="Arial"/>
       </a:defRPr>
     </a:lvl5pPr>
-    <a:lvl6pPr lvl="5" marR="0" rtl="0" algn="l">
+    <a:lvl6pPr marR="0" lvl="5" algn="l" rtl="0">
       <a:lnSpc>
         <a:spcPct val="100000"/>
       </a:lnSpc>
@@ -622,7 +637,7 @@
         <a:srgbClr val="000000"/>
       </a:buClr>
       <a:buFont typeface="Arial"/>
-      <a:defRPr b="0" i="0" sz="1400" u="none" cap="none" strike="noStrike">
+      <a:defRPr sz="1400" b="0" i="0" u="none" strike="noStrike" cap="none">
         <a:solidFill>
           <a:srgbClr val="000000"/>
         </a:solidFill>
@@ -632,7 +647,7 @@
         <a:sym typeface="Arial"/>
       </a:defRPr>
     </a:lvl6pPr>
-    <a:lvl7pPr lvl="6" marR="0" rtl="0" algn="l">
+    <a:lvl7pPr marR="0" lvl="6" algn="l" rtl="0">
       <a:lnSpc>
         <a:spcPct val="100000"/>
       </a:lnSpc>
@@ -646,7 +661,7 @@
         <a:srgbClr val="000000"/>
       </a:buClr>
       <a:buFont typeface="Arial"/>
-      <a:defRPr b="0" i="0" sz="1400" u="none" cap="none" strike="noStrike">
+      <a:defRPr sz="1400" b="0" i="0" u="none" strike="noStrike" cap="none">
         <a:solidFill>
           <a:srgbClr val="000000"/>
         </a:solidFill>
@@ -656,7 +671,7 @@
         <a:sym typeface="Arial"/>
       </a:defRPr>
     </a:lvl7pPr>
-    <a:lvl8pPr lvl="7" marR="0" rtl="0" algn="l">
+    <a:lvl8pPr marR="0" lvl="7" algn="l" rtl="0">
       <a:lnSpc>
         <a:spcPct val="100000"/>
       </a:lnSpc>
@@ -670,7 +685,7 @@
         <a:srgbClr val="000000"/>
       </a:buClr>
       <a:buFont typeface="Arial"/>
-      <a:defRPr b="0" i="0" sz="1400" u="none" cap="none" strike="noStrike">
+      <a:defRPr sz="1400" b="0" i="0" u="none" strike="noStrike" cap="none">
         <a:solidFill>
           <a:srgbClr val="000000"/>
         </a:solidFill>
@@ -680,7 +695,7 @@
         <a:sym typeface="Arial"/>
       </a:defRPr>
     </a:lvl8pPr>
-    <a:lvl9pPr lvl="8" marR="0" rtl="0" algn="l">
+    <a:lvl9pPr marR="0" lvl="8" algn="l" rtl="0">
       <a:lnSpc>
         <a:spcPct val="100000"/>
       </a:lnSpc>
@@ -694,7 +709,7 @@
         <a:srgbClr val="000000"/>
       </a:buClr>
       <a:buFont typeface="Arial"/>
-      <a:defRPr b="0" i="0" sz="1400" u="none" cap="none" strike="noStrike">
+      <a:defRPr sz="1400" b="0" i="0" u="none" strike="noStrike" cap="none">
         <a:solidFill>
           <a:srgbClr val="000000"/>
         </a:solidFill>
@@ -709,11 +724,11 @@
 </file>
 
 <file path=ppt/notesSlides/notesSlide1.xml><?xml version="1.0" encoding="utf-8"?>
-<p:notes xmlns:a="http://schemas.openxmlformats.org/drawingml/2006/main" xmlns:r="http://schemas.openxmlformats.org/officeDocument/2006/relationships" xmlns:mc="http://schemas.openxmlformats.org/markup-compatibility/2006" xmlns:mv="urn:schemas-microsoft-com:mac:vml" xmlns:p="http://schemas.openxmlformats.org/presentationml/2006/main" xmlns:c="http://schemas.openxmlformats.org/drawingml/2006/chart" xmlns:dgm="http://schemas.openxmlformats.org/drawingml/2006/diagram" xmlns:o="urn:schemas-microsoft-com:office:office" xmlns:v="urn:schemas-microsoft-com:vml" xmlns:pvml="urn:schemas-microsoft-com:office:powerpoint" xmlns:com="http://schemas.openxmlformats.org/drawingml/2006/compatibility" xmlns:p14="http://schemas.microsoft.com/office/powerpoint/2010/main" xmlns:p15="http://schemas.microsoft.com/office/powerpoint/2012/main" xmlns:ahyp="http://schemas.microsoft.com/office/drawing/2018/hyperlinkcolor" showMasterPhAnim="0" showMasterSp="0">
+<p:notes xmlns:a="http://schemas.openxmlformats.org/drawingml/2006/main" xmlns:r="http://schemas.openxmlformats.org/officeDocument/2006/relationships" xmlns:p="http://schemas.openxmlformats.org/presentationml/2006/main" showMasterSp="0" showMasterPhAnim="0">
   <p:cSld>
     <p:spTree>
       <p:nvGrpSpPr>
-        <p:cNvPr id="81" name="Shape 81"/>
+        <p:cNvPr id="1" name="Shape 81"/>
         <p:cNvGrpSpPr/>
         <p:nvPr/>
       </p:nvGrpSpPr>
@@ -728,9 +743,11 @@
       <p:sp>
         <p:nvSpPr>
           <p:cNvPr id="82" name="Google Shape;82;gc6f9e470d_0_0:notes"/>
-          <p:cNvSpPr/>
+          <p:cNvSpPr>
+            <a:spLocks noGrp="1" noRot="1" noChangeAspect="1"/>
+          </p:cNvSpPr>
           <p:nvPr>
-            <p:ph idx="2" type="sldImg"/>
+            <p:ph type="sldImg" idx="2"/>
           </p:nvPr>
         </p:nvSpPr>
         <p:spPr>
@@ -739,9 +756,13 @@
             <a:ext cx="6096300" cy="3429000"/>
           </a:xfrm>
           <a:custGeom>
-            <a:rect b="b" l="l" r="r" t="t"/>
+            <a:avLst/>
+            <a:gdLst/>
+            <a:ahLst/>
+            <a:cxnLst/>
+            <a:rect l="l" t="t" r="r" b="b"/>
             <a:pathLst>
-              <a:path extrusionOk="0" h="120000" w="120000">
+              <a:path w="120000" h="120000" extrusionOk="0">
                 <a:moveTo>
                   <a:pt x="0" y="0"/>
                 </a:moveTo>
@@ -763,9 +784,11 @@
       <p:sp>
         <p:nvSpPr>
           <p:cNvPr id="83" name="Google Shape;83;gc6f9e470d_0_0:notes"/>
-          <p:cNvSpPr txBox="1"/>
+          <p:cNvSpPr txBox="1">
+            <a:spLocks noGrp="1"/>
+          </p:cNvSpPr>
           <p:nvPr>
-            <p:ph idx="1" type="body"/>
+            <p:ph type="body" idx="1"/>
           </p:nvPr>
         </p:nvSpPr>
         <p:spPr>
@@ -778,12 +801,12 @@
           </a:prstGeom>
         </p:spPr>
         <p:txBody>
-          <a:bodyPr anchorCtr="0" anchor="t" bIns="91425" lIns="91425" spcFirstLastPara="1" rIns="91425" wrap="square" tIns="91425">
+          <a:bodyPr spcFirstLastPara="1" wrap="square" lIns="91425" tIns="91425" rIns="91425" bIns="91425" anchor="t" anchorCtr="0">
             <a:noAutofit/>
           </a:bodyPr>
           <a:lstStyle/>
           <a:p>
-            <a:pPr indent="0" lvl="0" marL="0" rtl="0" algn="l">
+            <a:pPr marL="0" lvl="0" indent="0" algn="l" rtl="0">
               <a:spcBef>
                 <a:spcPts val="0"/>
               </a:spcBef>
@@ -792,9 +815,6 @@
               </a:spcAft>
               <a:buNone/>
             </a:pPr>
-            <a:r>
-              <a:t/>
-            </a:r>
             <a:endParaRPr/>
           </a:p>
         </p:txBody>
@@ -808,11 +828,11 @@
 </file>
 
 <file path=ppt/notesSlides/notesSlide10.xml><?xml version="1.0" encoding="utf-8"?>
-<p:notes xmlns:a="http://schemas.openxmlformats.org/drawingml/2006/main" xmlns:r="http://schemas.openxmlformats.org/officeDocument/2006/relationships" xmlns:mc="http://schemas.openxmlformats.org/markup-compatibility/2006" xmlns:mv="urn:schemas-microsoft-com:mac:vml" xmlns:p="http://schemas.openxmlformats.org/presentationml/2006/main" xmlns:c="http://schemas.openxmlformats.org/drawingml/2006/chart" xmlns:dgm="http://schemas.openxmlformats.org/drawingml/2006/diagram" xmlns:o="urn:schemas-microsoft-com:office:office" xmlns:v="urn:schemas-microsoft-com:vml" xmlns:pvml="urn:schemas-microsoft-com:office:powerpoint" xmlns:com="http://schemas.openxmlformats.org/drawingml/2006/compatibility" xmlns:p14="http://schemas.microsoft.com/office/powerpoint/2010/main" xmlns:p15="http://schemas.microsoft.com/office/powerpoint/2012/main" xmlns:ahyp="http://schemas.microsoft.com/office/drawing/2018/hyperlinkcolor" showMasterPhAnim="0" showMasterSp="0">
+<p:notes xmlns:a="http://schemas.openxmlformats.org/drawingml/2006/main" xmlns:r="http://schemas.openxmlformats.org/officeDocument/2006/relationships" xmlns:p="http://schemas.openxmlformats.org/presentationml/2006/main" showMasterSp="0" showMasterPhAnim="0">
   <p:cSld>
     <p:spTree>
       <p:nvGrpSpPr>
-        <p:cNvPr id="154" name="Shape 154"/>
+        <p:cNvPr id="1" name="Shape 154"/>
         <p:cNvGrpSpPr/>
         <p:nvPr/>
       </p:nvGrpSpPr>
@@ -827,9 +847,11 @@
       <p:sp>
         <p:nvSpPr>
           <p:cNvPr id="155" name="Google Shape;155;ge63df1ba86_0_93:notes"/>
-          <p:cNvSpPr/>
+          <p:cNvSpPr>
+            <a:spLocks noGrp="1" noRot="1" noChangeAspect="1"/>
+          </p:cNvSpPr>
           <p:nvPr>
-            <p:ph idx="2" type="sldImg"/>
+            <p:ph type="sldImg" idx="2"/>
           </p:nvPr>
         </p:nvSpPr>
         <p:spPr>
@@ -838,9 +860,13 @@
             <a:ext cx="6096000" cy="3429000"/>
           </a:xfrm>
           <a:custGeom>
-            <a:rect b="b" l="l" r="r" t="t"/>
+            <a:avLst/>
+            <a:gdLst/>
+            <a:ahLst/>
+            <a:cxnLst/>
+            <a:rect l="l" t="t" r="r" b="b"/>
             <a:pathLst>
-              <a:path extrusionOk="0" h="120000" w="120000">
+              <a:path w="120000" h="120000" extrusionOk="0">
                 <a:moveTo>
                   <a:pt x="0" y="0"/>
                 </a:moveTo>
@@ -862,9 +888,11 @@
       <p:sp>
         <p:nvSpPr>
           <p:cNvPr id="156" name="Google Shape;156;ge63df1ba86_0_93:notes"/>
-          <p:cNvSpPr txBox="1"/>
+          <p:cNvSpPr txBox="1">
+            <a:spLocks noGrp="1"/>
+          </p:cNvSpPr>
           <p:nvPr>
-            <p:ph idx="1" type="body"/>
+            <p:ph type="body" idx="1"/>
           </p:nvPr>
         </p:nvSpPr>
         <p:spPr>
@@ -877,12 +905,12 @@
           </a:prstGeom>
         </p:spPr>
         <p:txBody>
-          <a:bodyPr anchorCtr="0" anchor="t" bIns="91425" lIns="91425" spcFirstLastPara="1" rIns="91425" wrap="square" tIns="91425">
+          <a:bodyPr spcFirstLastPara="1" wrap="square" lIns="91425" tIns="91425" rIns="91425" bIns="91425" anchor="t" anchorCtr="0">
             <a:noAutofit/>
           </a:bodyPr>
           <a:lstStyle/>
           <a:p>
-            <a:pPr indent="0" lvl="0" marL="0" rtl="0" algn="l">
+            <a:pPr marL="0" lvl="0" indent="0" algn="l" rtl="0">
               <a:spcBef>
                 <a:spcPts val="0"/>
               </a:spcBef>
@@ -891,9 +919,6 @@
               </a:spcAft>
               <a:buNone/>
             </a:pPr>
-            <a:r>
-              <a:t/>
-            </a:r>
             <a:endParaRPr/>
           </a:p>
         </p:txBody>
@@ -907,11 +932,11 @@
 </file>
 
 <file path=ppt/notesSlides/notesSlide11.xml><?xml version="1.0" encoding="utf-8"?>
-<p:notes xmlns:a="http://schemas.openxmlformats.org/drawingml/2006/main" xmlns:r="http://schemas.openxmlformats.org/officeDocument/2006/relationships" xmlns:mc="http://schemas.openxmlformats.org/markup-compatibility/2006" xmlns:mv="urn:schemas-microsoft-com:mac:vml" xmlns:p="http://schemas.openxmlformats.org/presentationml/2006/main" xmlns:c="http://schemas.openxmlformats.org/drawingml/2006/chart" xmlns:dgm="http://schemas.openxmlformats.org/drawingml/2006/diagram" xmlns:o="urn:schemas-microsoft-com:office:office" xmlns:v="urn:schemas-microsoft-com:vml" xmlns:pvml="urn:schemas-microsoft-com:office:powerpoint" xmlns:com="http://schemas.openxmlformats.org/drawingml/2006/compatibility" xmlns:p14="http://schemas.microsoft.com/office/powerpoint/2010/main" xmlns:p15="http://schemas.microsoft.com/office/powerpoint/2012/main" xmlns:ahyp="http://schemas.microsoft.com/office/drawing/2018/hyperlinkcolor" showMasterPhAnim="0" showMasterSp="0">
+<p:notes xmlns:a="http://schemas.openxmlformats.org/drawingml/2006/main" xmlns:r="http://schemas.openxmlformats.org/officeDocument/2006/relationships" xmlns:p="http://schemas.openxmlformats.org/presentationml/2006/main" showMasterSp="0" showMasterPhAnim="0">
   <p:cSld>
     <p:spTree>
       <p:nvGrpSpPr>
-        <p:cNvPr id="161" name="Shape 161"/>
+        <p:cNvPr id="1" name="Shape 161"/>
         <p:cNvGrpSpPr/>
         <p:nvPr/>
       </p:nvGrpSpPr>
@@ -926,9 +951,11 @@
       <p:sp>
         <p:nvSpPr>
           <p:cNvPr id="162" name="Google Shape;162;ge63df1ba86_0_107:notes"/>
-          <p:cNvSpPr/>
+          <p:cNvSpPr>
+            <a:spLocks noGrp="1" noRot="1" noChangeAspect="1"/>
+          </p:cNvSpPr>
           <p:nvPr>
-            <p:ph idx="2" type="sldImg"/>
+            <p:ph type="sldImg" idx="2"/>
           </p:nvPr>
         </p:nvSpPr>
         <p:spPr>
@@ -937,9 +964,13 @@
             <a:ext cx="6096000" cy="3429000"/>
           </a:xfrm>
           <a:custGeom>
-            <a:rect b="b" l="l" r="r" t="t"/>
+            <a:avLst/>
+            <a:gdLst/>
+            <a:ahLst/>
+            <a:cxnLst/>
+            <a:rect l="l" t="t" r="r" b="b"/>
             <a:pathLst>
-              <a:path extrusionOk="0" h="120000" w="120000">
+              <a:path w="120000" h="120000" extrusionOk="0">
                 <a:moveTo>
                   <a:pt x="0" y="0"/>
                 </a:moveTo>
@@ -961,9 +992,11 @@
       <p:sp>
         <p:nvSpPr>
           <p:cNvPr id="163" name="Google Shape;163;ge63df1ba86_0_107:notes"/>
-          <p:cNvSpPr txBox="1"/>
+          <p:cNvSpPr txBox="1">
+            <a:spLocks noGrp="1"/>
+          </p:cNvSpPr>
           <p:nvPr>
-            <p:ph idx="1" type="body"/>
+            <p:ph type="body" idx="1"/>
           </p:nvPr>
         </p:nvSpPr>
         <p:spPr>
@@ -976,12 +1009,12 @@
           </a:prstGeom>
         </p:spPr>
         <p:txBody>
-          <a:bodyPr anchorCtr="0" anchor="t" bIns="91425" lIns="91425" spcFirstLastPara="1" rIns="91425" wrap="square" tIns="91425">
+          <a:bodyPr spcFirstLastPara="1" wrap="square" lIns="91425" tIns="91425" rIns="91425" bIns="91425" anchor="t" anchorCtr="0">
             <a:noAutofit/>
           </a:bodyPr>
           <a:lstStyle/>
           <a:p>
-            <a:pPr indent="0" lvl="0" marL="0" rtl="0" algn="l">
+            <a:pPr marL="0" lvl="0" indent="0" algn="l" rtl="0">
               <a:spcBef>
                 <a:spcPts val="0"/>
               </a:spcBef>
@@ -990,9 +1023,6 @@
               </a:spcAft>
               <a:buNone/>
             </a:pPr>
-            <a:r>
-              <a:t/>
-            </a:r>
             <a:endParaRPr/>
           </a:p>
         </p:txBody>
@@ -1006,11 +1036,11 @@
 </file>
 
 <file path=ppt/notesSlides/notesSlide12.xml><?xml version="1.0" encoding="utf-8"?>
-<p:notes xmlns:a="http://schemas.openxmlformats.org/drawingml/2006/main" xmlns:r="http://schemas.openxmlformats.org/officeDocument/2006/relationships" xmlns:mc="http://schemas.openxmlformats.org/markup-compatibility/2006" xmlns:mv="urn:schemas-microsoft-com:mac:vml" xmlns:p="http://schemas.openxmlformats.org/presentationml/2006/main" xmlns:c="http://schemas.openxmlformats.org/drawingml/2006/chart" xmlns:dgm="http://schemas.openxmlformats.org/drawingml/2006/diagram" xmlns:o="urn:schemas-microsoft-com:office:office" xmlns:v="urn:schemas-microsoft-com:vml" xmlns:pvml="urn:schemas-microsoft-com:office:powerpoint" xmlns:com="http://schemas.openxmlformats.org/drawingml/2006/compatibility" xmlns:p14="http://schemas.microsoft.com/office/powerpoint/2010/main" xmlns:p15="http://schemas.microsoft.com/office/powerpoint/2012/main" xmlns:ahyp="http://schemas.microsoft.com/office/drawing/2018/hyperlinkcolor" showMasterPhAnim="0" showMasterSp="0">
+<p:notes xmlns:a="http://schemas.openxmlformats.org/drawingml/2006/main" xmlns:r="http://schemas.openxmlformats.org/officeDocument/2006/relationships" xmlns:p="http://schemas.openxmlformats.org/presentationml/2006/main" showMasterSp="0" showMasterPhAnim="0">
   <p:cSld>
     <p:spTree>
       <p:nvGrpSpPr>
-        <p:cNvPr id="166" name="Shape 166"/>
+        <p:cNvPr id="1" name="Shape 166"/>
         <p:cNvGrpSpPr/>
         <p:nvPr/>
       </p:nvGrpSpPr>
@@ -1025,9 +1055,11 @@
       <p:sp>
         <p:nvSpPr>
           <p:cNvPr id="167" name="Google Shape;167;ge63df1ba86_0_116:notes"/>
-          <p:cNvSpPr/>
+          <p:cNvSpPr>
+            <a:spLocks noGrp="1" noRot="1" noChangeAspect="1"/>
+          </p:cNvSpPr>
           <p:nvPr>
-            <p:ph idx="2" type="sldImg"/>
+            <p:ph type="sldImg" idx="2"/>
           </p:nvPr>
         </p:nvSpPr>
         <p:spPr>
@@ -1036,9 +1068,13 @@
             <a:ext cx="6096300" cy="3429000"/>
           </a:xfrm>
           <a:custGeom>
-            <a:rect b="b" l="l" r="r" t="t"/>
+            <a:avLst/>
+            <a:gdLst/>
+            <a:ahLst/>
+            <a:cxnLst/>
+            <a:rect l="l" t="t" r="r" b="b"/>
             <a:pathLst>
-              <a:path extrusionOk="0" h="120000" w="120000">
+              <a:path w="120000" h="120000" extrusionOk="0">
                 <a:moveTo>
                   <a:pt x="0" y="0"/>
                 </a:moveTo>
@@ -1060,9 +1096,11 @@
       <p:sp>
         <p:nvSpPr>
           <p:cNvPr id="168" name="Google Shape;168;ge63df1ba86_0_116:notes"/>
-          <p:cNvSpPr txBox="1"/>
+          <p:cNvSpPr txBox="1">
+            <a:spLocks noGrp="1"/>
+          </p:cNvSpPr>
           <p:nvPr>
-            <p:ph idx="1" type="body"/>
+            <p:ph type="body" idx="1"/>
           </p:nvPr>
         </p:nvSpPr>
         <p:spPr>
@@ -1075,12 +1113,12 @@
           </a:prstGeom>
         </p:spPr>
         <p:txBody>
-          <a:bodyPr anchorCtr="0" anchor="t" bIns="91425" lIns="91425" spcFirstLastPara="1" rIns="91425" wrap="square" tIns="91425">
+          <a:bodyPr spcFirstLastPara="1" wrap="square" lIns="91425" tIns="91425" rIns="91425" bIns="91425" anchor="t" anchorCtr="0">
             <a:noAutofit/>
           </a:bodyPr>
           <a:lstStyle/>
           <a:p>
-            <a:pPr indent="0" lvl="0" marL="0" rtl="0" algn="l">
+            <a:pPr marL="0" lvl="0" indent="0" algn="l" rtl="0">
               <a:spcBef>
                 <a:spcPts val="0"/>
               </a:spcBef>
@@ -1089,9 +1127,6 @@
               </a:spcAft>
               <a:buNone/>
             </a:pPr>
-            <a:r>
-              <a:t/>
-            </a:r>
             <a:endParaRPr/>
           </a:p>
         </p:txBody>
@@ -1105,11 +1140,11 @@
 </file>
 
 <file path=ppt/notesSlides/notesSlide13.xml><?xml version="1.0" encoding="utf-8"?>
-<p:notes xmlns:a="http://schemas.openxmlformats.org/drawingml/2006/main" xmlns:r="http://schemas.openxmlformats.org/officeDocument/2006/relationships" xmlns:mc="http://schemas.openxmlformats.org/markup-compatibility/2006" xmlns:mv="urn:schemas-microsoft-com:mac:vml" xmlns:p="http://schemas.openxmlformats.org/presentationml/2006/main" xmlns:c="http://schemas.openxmlformats.org/drawingml/2006/chart" xmlns:dgm="http://schemas.openxmlformats.org/drawingml/2006/diagram" xmlns:o="urn:schemas-microsoft-com:office:office" xmlns:v="urn:schemas-microsoft-com:vml" xmlns:pvml="urn:schemas-microsoft-com:office:powerpoint" xmlns:com="http://schemas.openxmlformats.org/drawingml/2006/compatibility" xmlns:p14="http://schemas.microsoft.com/office/powerpoint/2010/main" xmlns:p15="http://schemas.microsoft.com/office/powerpoint/2012/main" xmlns:ahyp="http://schemas.microsoft.com/office/drawing/2018/hyperlinkcolor" showMasterPhAnim="0" showMasterSp="0">
+<p:notes xmlns:a="http://schemas.openxmlformats.org/drawingml/2006/main" xmlns:r="http://schemas.openxmlformats.org/officeDocument/2006/relationships" xmlns:p="http://schemas.openxmlformats.org/presentationml/2006/main" showMasterSp="0" showMasterPhAnim="0">
   <p:cSld>
     <p:spTree>
       <p:nvGrpSpPr>
-        <p:cNvPr id="173" name="Shape 173"/>
+        <p:cNvPr id="1" name="Shape 173"/>
         <p:cNvGrpSpPr/>
         <p:nvPr/>
       </p:nvGrpSpPr>
@@ -1124,9 +1159,11 @@
       <p:sp>
         <p:nvSpPr>
           <p:cNvPr id="174" name="Google Shape;174;ge63df1ba86_0_134:notes"/>
-          <p:cNvSpPr/>
+          <p:cNvSpPr>
+            <a:spLocks noGrp="1" noRot="1" noChangeAspect="1"/>
+          </p:cNvSpPr>
           <p:nvPr>
-            <p:ph idx="2" type="sldImg"/>
+            <p:ph type="sldImg" idx="2"/>
           </p:nvPr>
         </p:nvSpPr>
         <p:spPr>
@@ -1135,9 +1172,13 @@
             <a:ext cx="6096000" cy="3429000"/>
           </a:xfrm>
           <a:custGeom>
-            <a:rect b="b" l="l" r="r" t="t"/>
+            <a:avLst/>
+            <a:gdLst/>
+            <a:ahLst/>
+            <a:cxnLst/>
+            <a:rect l="l" t="t" r="r" b="b"/>
             <a:pathLst>
-              <a:path extrusionOk="0" h="120000" w="120000">
+              <a:path w="120000" h="120000" extrusionOk="0">
                 <a:moveTo>
                   <a:pt x="0" y="0"/>
                 </a:moveTo>
@@ -1159,9 +1200,11 @@
       <p:sp>
         <p:nvSpPr>
           <p:cNvPr id="175" name="Google Shape;175;ge63df1ba86_0_134:notes"/>
-          <p:cNvSpPr txBox="1"/>
+          <p:cNvSpPr txBox="1">
+            <a:spLocks noGrp="1"/>
+          </p:cNvSpPr>
           <p:nvPr>
-            <p:ph idx="1" type="body"/>
+            <p:ph type="body" idx="1"/>
           </p:nvPr>
         </p:nvSpPr>
         <p:spPr>
@@ -1174,12 +1217,12 @@
           </a:prstGeom>
         </p:spPr>
         <p:txBody>
-          <a:bodyPr anchorCtr="0" anchor="t" bIns="91425" lIns="91425" spcFirstLastPara="1" rIns="91425" wrap="square" tIns="91425">
+          <a:bodyPr spcFirstLastPara="1" wrap="square" lIns="91425" tIns="91425" rIns="91425" bIns="91425" anchor="t" anchorCtr="0">
             <a:noAutofit/>
           </a:bodyPr>
           <a:lstStyle/>
           <a:p>
-            <a:pPr indent="0" lvl="0" marL="0" rtl="0" algn="l">
+            <a:pPr marL="0" lvl="0" indent="0" algn="l" rtl="0">
               <a:spcBef>
                 <a:spcPts val="0"/>
               </a:spcBef>
@@ -1188,9 +1231,6 @@
               </a:spcAft>
               <a:buNone/>
             </a:pPr>
-            <a:r>
-              <a:t/>
-            </a:r>
             <a:endParaRPr/>
           </a:p>
         </p:txBody>
@@ -1204,11 +1244,11 @@
 </file>
 
 <file path=ppt/notesSlides/notesSlide14.xml><?xml version="1.0" encoding="utf-8"?>
-<p:notes xmlns:a="http://schemas.openxmlformats.org/drawingml/2006/main" xmlns:r="http://schemas.openxmlformats.org/officeDocument/2006/relationships" xmlns:mc="http://schemas.openxmlformats.org/markup-compatibility/2006" xmlns:mv="urn:schemas-microsoft-com:mac:vml" xmlns:p="http://schemas.openxmlformats.org/presentationml/2006/main" xmlns:c="http://schemas.openxmlformats.org/drawingml/2006/chart" xmlns:dgm="http://schemas.openxmlformats.org/drawingml/2006/diagram" xmlns:o="urn:schemas-microsoft-com:office:office" xmlns:v="urn:schemas-microsoft-com:vml" xmlns:pvml="urn:schemas-microsoft-com:office:powerpoint" xmlns:com="http://schemas.openxmlformats.org/drawingml/2006/compatibility" xmlns:p14="http://schemas.microsoft.com/office/powerpoint/2010/main" xmlns:p15="http://schemas.microsoft.com/office/powerpoint/2012/main" xmlns:ahyp="http://schemas.microsoft.com/office/drawing/2018/hyperlinkcolor" showMasterPhAnim="0" showMasterSp="0">
+<p:notes xmlns:a="http://schemas.openxmlformats.org/drawingml/2006/main" xmlns:r="http://schemas.openxmlformats.org/officeDocument/2006/relationships" xmlns:p="http://schemas.openxmlformats.org/presentationml/2006/main" showMasterSp="0" showMasterPhAnim="0">
   <p:cSld>
     <p:spTree>
       <p:nvGrpSpPr>
-        <p:cNvPr id="180" name="Shape 180"/>
+        <p:cNvPr id="1" name="Shape 180"/>
         <p:cNvGrpSpPr/>
         <p:nvPr/>
       </p:nvGrpSpPr>
@@ -1223,9 +1263,11 @@
       <p:sp>
         <p:nvSpPr>
           <p:cNvPr id="181" name="Google Shape;181;gc6f9e470d_0_126:notes"/>
-          <p:cNvSpPr/>
+          <p:cNvSpPr>
+            <a:spLocks noGrp="1" noRot="1" noChangeAspect="1"/>
+          </p:cNvSpPr>
           <p:nvPr>
-            <p:ph idx="2" type="sldImg"/>
+            <p:ph type="sldImg" idx="2"/>
           </p:nvPr>
         </p:nvSpPr>
         <p:spPr>
@@ -1234,9 +1276,13 @@
             <a:ext cx="6096300" cy="3429000"/>
           </a:xfrm>
           <a:custGeom>
-            <a:rect b="b" l="l" r="r" t="t"/>
+            <a:avLst/>
+            <a:gdLst/>
+            <a:ahLst/>
+            <a:cxnLst/>
+            <a:rect l="l" t="t" r="r" b="b"/>
             <a:pathLst>
-              <a:path extrusionOk="0" h="120000" w="120000">
+              <a:path w="120000" h="120000" extrusionOk="0">
                 <a:moveTo>
                   <a:pt x="0" y="0"/>
                 </a:moveTo>
@@ -1258,9 +1304,11 @@
       <p:sp>
         <p:nvSpPr>
           <p:cNvPr id="182" name="Google Shape;182;gc6f9e470d_0_126:notes"/>
-          <p:cNvSpPr txBox="1"/>
+          <p:cNvSpPr txBox="1">
+            <a:spLocks noGrp="1"/>
+          </p:cNvSpPr>
           <p:nvPr>
-            <p:ph idx="1" type="body"/>
+            <p:ph type="body" idx="1"/>
           </p:nvPr>
         </p:nvSpPr>
         <p:spPr>
@@ -1273,12 +1321,12 @@
           </a:prstGeom>
         </p:spPr>
         <p:txBody>
-          <a:bodyPr anchorCtr="0" anchor="t" bIns="91425" lIns="91425" spcFirstLastPara="1" rIns="91425" wrap="square" tIns="91425">
+          <a:bodyPr spcFirstLastPara="1" wrap="square" lIns="91425" tIns="91425" rIns="91425" bIns="91425" anchor="t" anchorCtr="0">
             <a:noAutofit/>
           </a:bodyPr>
           <a:lstStyle/>
           <a:p>
-            <a:pPr indent="0" lvl="0" marL="0" rtl="0" algn="l">
+            <a:pPr marL="0" lvl="0" indent="0" algn="l" rtl="0">
               <a:spcBef>
                 <a:spcPts val="0"/>
               </a:spcBef>
@@ -1287,9 +1335,6 @@
               </a:spcAft>
               <a:buNone/>
             </a:pPr>
-            <a:r>
-              <a:t/>
-            </a:r>
             <a:endParaRPr/>
           </a:p>
         </p:txBody>
@@ -1303,11 +1348,11 @@
 </file>
 
 <file path=ppt/notesSlides/notesSlide2.xml><?xml version="1.0" encoding="utf-8"?>
-<p:notes xmlns:a="http://schemas.openxmlformats.org/drawingml/2006/main" xmlns:r="http://schemas.openxmlformats.org/officeDocument/2006/relationships" xmlns:mc="http://schemas.openxmlformats.org/markup-compatibility/2006" xmlns:mv="urn:schemas-microsoft-com:mac:vml" xmlns:p="http://schemas.openxmlformats.org/presentationml/2006/main" xmlns:c="http://schemas.openxmlformats.org/drawingml/2006/chart" xmlns:dgm="http://schemas.openxmlformats.org/drawingml/2006/diagram" xmlns:o="urn:schemas-microsoft-com:office:office" xmlns:v="urn:schemas-microsoft-com:vml" xmlns:pvml="urn:schemas-microsoft-com:office:powerpoint" xmlns:com="http://schemas.openxmlformats.org/drawingml/2006/compatibility" xmlns:p14="http://schemas.microsoft.com/office/powerpoint/2010/main" xmlns:p15="http://schemas.microsoft.com/office/powerpoint/2012/main" xmlns:ahyp="http://schemas.microsoft.com/office/drawing/2018/hyperlinkcolor" showMasterPhAnim="0" showMasterSp="0">
+<p:notes xmlns:a="http://schemas.openxmlformats.org/drawingml/2006/main" xmlns:r="http://schemas.openxmlformats.org/officeDocument/2006/relationships" xmlns:p="http://schemas.openxmlformats.org/presentationml/2006/main" showMasterSp="0" showMasterPhAnim="0">
   <p:cSld>
     <p:spTree>
       <p:nvGrpSpPr>
-        <p:cNvPr id="87" name="Shape 87"/>
+        <p:cNvPr id="1" name="Shape 87"/>
         <p:cNvGrpSpPr/>
         <p:nvPr/>
       </p:nvGrpSpPr>
@@ -1322,20 +1367,26 @@
       <p:sp>
         <p:nvSpPr>
           <p:cNvPr id="88" name="Google Shape;88;gc6f9e470d_0_5:notes"/>
-          <p:cNvSpPr/>
+          <p:cNvSpPr>
+            <a:spLocks noGrp="1" noRot="1" noChangeAspect="1"/>
+          </p:cNvSpPr>
           <p:nvPr>
-            <p:ph idx="2" type="sldImg"/>
+            <p:ph type="sldImg" idx="2"/>
           </p:nvPr>
         </p:nvSpPr>
         <p:spPr>
           <a:xfrm>
-            <a:off x="381188" y="685800"/>
-            <a:ext cx="6096300" cy="3429000"/>
+            <a:off x="381000" y="685800"/>
+            <a:ext cx="6096000" cy="3429000"/>
           </a:xfrm>
           <a:custGeom>
-            <a:rect b="b" l="l" r="r" t="t"/>
+            <a:avLst/>
+            <a:gdLst/>
+            <a:ahLst/>
+            <a:cxnLst/>
+            <a:rect l="l" t="t" r="r" b="b"/>
             <a:pathLst>
-              <a:path extrusionOk="0" h="120000" w="120000">
+              <a:path w="120000" h="120000" extrusionOk="0">
                 <a:moveTo>
                   <a:pt x="0" y="0"/>
                 </a:moveTo>
@@ -1357,9 +1408,11 @@
       <p:sp>
         <p:nvSpPr>
           <p:cNvPr id="89" name="Google Shape;89;gc6f9e470d_0_5:notes"/>
-          <p:cNvSpPr txBox="1"/>
+          <p:cNvSpPr txBox="1">
+            <a:spLocks noGrp="1"/>
+          </p:cNvSpPr>
           <p:nvPr>
-            <p:ph idx="1" type="body"/>
+            <p:ph type="body" idx="1"/>
           </p:nvPr>
         </p:nvSpPr>
         <p:spPr>
@@ -1372,12 +1425,12 @@
           </a:prstGeom>
         </p:spPr>
         <p:txBody>
-          <a:bodyPr anchorCtr="0" anchor="t" bIns="91425" lIns="91425" spcFirstLastPara="1" rIns="91425" wrap="square" tIns="91425">
+          <a:bodyPr spcFirstLastPara="1" wrap="square" lIns="91425" tIns="91425" rIns="91425" bIns="91425" anchor="t" anchorCtr="0">
             <a:noAutofit/>
           </a:bodyPr>
           <a:lstStyle/>
           <a:p>
-            <a:pPr indent="0" lvl="0" marL="0" rtl="0" algn="l">
+            <a:pPr marL="0" lvl="0" indent="0" algn="l" rtl="0">
               <a:spcBef>
                 <a:spcPts val="0"/>
               </a:spcBef>
@@ -1386,9 +1439,6 @@
               </a:spcAft>
               <a:buNone/>
             </a:pPr>
-            <a:r>
-              <a:t/>
-            </a:r>
             <a:endParaRPr/>
           </a:p>
         </p:txBody>
@@ -1402,11 +1452,11 @@
 </file>
 
 <file path=ppt/notesSlides/notesSlide3.xml><?xml version="1.0" encoding="utf-8"?>
-<p:notes xmlns:a="http://schemas.openxmlformats.org/drawingml/2006/main" xmlns:r="http://schemas.openxmlformats.org/officeDocument/2006/relationships" xmlns:mc="http://schemas.openxmlformats.org/markup-compatibility/2006" xmlns:mv="urn:schemas-microsoft-com:mac:vml" xmlns:p="http://schemas.openxmlformats.org/presentationml/2006/main" xmlns:c="http://schemas.openxmlformats.org/drawingml/2006/chart" xmlns:dgm="http://schemas.openxmlformats.org/drawingml/2006/diagram" xmlns:o="urn:schemas-microsoft-com:office:office" xmlns:v="urn:schemas-microsoft-com:vml" xmlns:pvml="urn:schemas-microsoft-com:office:powerpoint" xmlns:com="http://schemas.openxmlformats.org/drawingml/2006/compatibility" xmlns:p14="http://schemas.microsoft.com/office/powerpoint/2010/main" xmlns:p15="http://schemas.microsoft.com/office/powerpoint/2012/main" xmlns:ahyp="http://schemas.microsoft.com/office/drawing/2018/hyperlinkcolor" showMasterPhAnim="0" showMasterSp="0">
+<p:notes xmlns:a="http://schemas.openxmlformats.org/drawingml/2006/main" xmlns:r="http://schemas.openxmlformats.org/officeDocument/2006/relationships" xmlns:p="http://schemas.openxmlformats.org/presentationml/2006/main" showMasterSp="0" showMasterPhAnim="0">
   <p:cSld>
     <p:spTree>
       <p:nvGrpSpPr>
-        <p:cNvPr id="107" name="Shape 107"/>
+        <p:cNvPr id="1" name="Shape 107"/>
         <p:cNvGrpSpPr/>
         <p:nvPr/>
       </p:nvGrpSpPr>
@@ -1421,9 +1471,11 @@
       <p:sp>
         <p:nvSpPr>
           <p:cNvPr id="108" name="Google Shape;108;gc6f9e470d_0_43:notes"/>
-          <p:cNvSpPr/>
+          <p:cNvSpPr>
+            <a:spLocks noGrp="1" noRot="1" noChangeAspect="1"/>
+          </p:cNvSpPr>
           <p:nvPr>
-            <p:ph idx="2" type="sldImg"/>
+            <p:ph type="sldImg" idx="2"/>
           </p:nvPr>
         </p:nvSpPr>
         <p:spPr>
@@ -1432,9 +1484,13 @@
             <a:ext cx="6096300" cy="3429000"/>
           </a:xfrm>
           <a:custGeom>
-            <a:rect b="b" l="l" r="r" t="t"/>
+            <a:avLst/>
+            <a:gdLst/>
+            <a:ahLst/>
+            <a:cxnLst/>
+            <a:rect l="l" t="t" r="r" b="b"/>
             <a:pathLst>
-              <a:path extrusionOk="0" h="120000" w="120000">
+              <a:path w="120000" h="120000" extrusionOk="0">
                 <a:moveTo>
                   <a:pt x="0" y="0"/>
                 </a:moveTo>
@@ -1456,9 +1512,11 @@
       <p:sp>
         <p:nvSpPr>
           <p:cNvPr id="109" name="Google Shape;109;gc6f9e470d_0_43:notes"/>
-          <p:cNvSpPr txBox="1"/>
+          <p:cNvSpPr txBox="1">
+            <a:spLocks noGrp="1"/>
+          </p:cNvSpPr>
           <p:nvPr>
-            <p:ph idx="1" type="body"/>
+            <p:ph type="body" idx="1"/>
           </p:nvPr>
         </p:nvSpPr>
         <p:spPr>
@@ -1471,12 +1529,12 @@
           </a:prstGeom>
         </p:spPr>
         <p:txBody>
-          <a:bodyPr anchorCtr="0" anchor="t" bIns="91425" lIns="91425" spcFirstLastPara="1" rIns="91425" wrap="square" tIns="91425">
+          <a:bodyPr spcFirstLastPara="1" wrap="square" lIns="91425" tIns="91425" rIns="91425" bIns="91425" anchor="t" anchorCtr="0">
             <a:noAutofit/>
           </a:bodyPr>
           <a:lstStyle/>
           <a:p>
-            <a:pPr indent="0" lvl="0" marL="0" rtl="0" algn="l">
+            <a:pPr marL="0" lvl="0" indent="0" algn="l" rtl="0">
               <a:spcBef>
                 <a:spcPts val="0"/>
               </a:spcBef>
@@ -1485,9 +1543,6 @@
               </a:spcAft>
               <a:buNone/>
             </a:pPr>
-            <a:r>
-              <a:t/>
-            </a:r>
             <a:endParaRPr/>
           </a:p>
         </p:txBody>
@@ -1501,11 +1556,11 @@
 </file>
 
 <file path=ppt/notesSlides/notesSlide4.xml><?xml version="1.0" encoding="utf-8"?>
-<p:notes xmlns:a="http://schemas.openxmlformats.org/drawingml/2006/main" xmlns:r="http://schemas.openxmlformats.org/officeDocument/2006/relationships" xmlns:mc="http://schemas.openxmlformats.org/markup-compatibility/2006" xmlns:mv="urn:schemas-microsoft-com:mac:vml" xmlns:p="http://schemas.openxmlformats.org/presentationml/2006/main" xmlns:c="http://schemas.openxmlformats.org/drawingml/2006/chart" xmlns:dgm="http://schemas.openxmlformats.org/drawingml/2006/diagram" xmlns:o="urn:schemas-microsoft-com:office:office" xmlns:v="urn:schemas-microsoft-com:vml" xmlns:pvml="urn:schemas-microsoft-com:office:powerpoint" xmlns:com="http://schemas.openxmlformats.org/drawingml/2006/compatibility" xmlns:p14="http://schemas.microsoft.com/office/powerpoint/2010/main" xmlns:p15="http://schemas.microsoft.com/office/powerpoint/2012/main" xmlns:ahyp="http://schemas.microsoft.com/office/drawing/2018/hyperlinkcolor" showMasterPhAnim="0" showMasterSp="0">
+<p:notes xmlns:a="http://schemas.openxmlformats.org/drawingml/2006/main" xmlns:r="http://schemas.openxmlformats.org/officeDocument/2006/relationships" xmlns:p="http://schemas.openxmlformats.org/presentationml/2006/main" showMasterSp="0" showMasterPhAnim="0">
   <p:cSld>
     <p:spTree>
       <p:nvGrpSpPr>
-        <p:cNvPr id="112" name="Shape 112"/>
+        <p:cNvPr id="1" name="Shape 112"/>
         <p:cNvGrpSpPr/>
         <p:nvPr/>
       </p:nvGrpSpPr>
@@ -1520,9 +1575,11 @@
       <p:sp>
         <p:nvSpPr>
           <p:cNvPr id="113" name="Google Shape;113;ge63df1ba86_0_54:notes"/>
-          <p:cNvSpPr/>
+          <p:cNvSpPr>
+            <a:spLocks noGrp="1" noRot="1" noChangeAspect="1"/>
+          </p:cNvSpPr>
           <p:nvPr>
-            <p:ph idx="2" type="sldImg"/>
+            <p:ph type="sldImg" idx="2"/>
           </p:nvPr>
         </p:nvSpPr>
         <p:spPr>
@@ -1531,9 +1588,13 @@
             <a:ext cx="6096000" cy="3429000"/>
           </a:xfrm>
           <a:custGeom>
-            <a:rect b="b" l="l" r="r" t="t"/>
+            <a:avLst/>
+            <a:gdLst/>
+            <a:ahLst/>
+            <a:cxnLst/>
+            <a:rect l="l" t="t" r="r" b="b"/>
             <a:pathLst>
-              <a:path extrusionOk="0" h="120000" w="120000">
+              <a:path w="120000" h="120000" extrusionOk="0">
                 <a:moveTo>
                   <a:pt x="0" y="0"/>
                 </a:moveTo>
@@ -1555,9 +1616,11 @@
       <p:sp>
         <p:nvSpPr>
           <p:cNvPr id="114" name="Google Shape;114;ge63df1ba86_0_54:notes"/>
-          <p:cNvSpPr txBox="1"/>
+          <p:cNvSpPr txBox="1">
+            <a:spLocks noGrp="1"/>
+          </p:cNvSpPr>
           <p:nvPr>
-            <p:ph idx="1" type="body"/>
+            <p:ph type="body" idx="1"/>
           </p:nvPr>
         </p:nvSpPr>
         <p:spPr>
@@ -1570,12 +1633,12 @@
           </a:prstGeom>
         </p:spPr>
         <p:txBody>
-          <a:bodyPr anchorCtr="0" anchor="t" bIns="91425" lIns="91425" spcFirstLastPara="1" rIns="91425" wrap="square" tIns="91425">
+          <a:bodyPr spcFirstLastPara="1" wrap="square" lIns="91425" tIns="91425" rIns="91425" bIns="91425" anchor="t" anchorCtr="0">
             <a:noAutofit/>
           </a:bodyPr>
           <a:lstStyle/>
           <a:p>
-            <a:pPr indent="0" lvl="0" marL="0" rtl="0" algn="l">
+            <a:pPr marL="0" lvl="0" indent="0" algn="l" rtl="0">
               <a:spcBef>
                 <a:spcPts val="0"/>
               </a:spcBef>
@@ -1584,9 +1647,6 @@
               </a:spcAft>
               <a:buNone/>
             </a:pPr>
-            <a:r>
-              <a:t/>
-            </a:r>
             <a:endParaRPr/>
           </a:p>
         </p:txBody>
@@ -1600,11 +1660,11 @@
 </file>
 
 <file path=ppt/notesSlides/notesSlide5.xml><?xml version="1.0" encoding="utf-8"?>
-<p:notes xmlns:a="http://schemas.openxmlformats.org/drawingml/2006/main" xmlns:r="http://schemas.openxmlformats.org/officeDocument/2006/relationships" xmlns:mc="http://schemas.openxmlformats.org/markup-compatibility/2006" xmlns:mv="urn:schemas-microsoft-com:mac:vml" xmlns:p="http://schemas.openxmlformats.org/presentationml/2006/main" xmlns:c="http://schemas.openxmlformats.org/drawingml/2006/chart" xmlns:dgm="http://schemas.openxmlformats.org/drawingml/2006/diagram" xmlns:o="urn:schemas-microsoft-com:office:office" xmlns:v="urn:schemas-microsoft-com:vml" xmlns:pvml="urn:schemas-microsoft-com:office:powerpoint" xmlns:com="http://schemas.openxmlformats.org/drawingml/2006/compatibility" xmlns:p14="http://schemas.microsoft.com/office/powerpoint/2010/main" xmlns:p15="http://schemas.microsoft.com/office/powerpoint/2012/main" xmlns:ahyp="http://schemas.microsoft.com/office/drawing/2018/hyperlinkcolor" showMasterPhAnim="0" showMasterSp="0">
+<p:notes xmlns:a="http://schemas.openxmlformats.org/drawingml/2006/main" xmlns:r="http://schemas.openxmlformats.org/officeDocument/2006/relationships" xmlns:p="http://schemas.openxmlformats.org/presentationml/2006/main" showMasterSp="0" showMasterPhAnim="0">
   <p:cSld>
     <p:spTree>
       <p:nvGrpSpPr>
-        <p:cNvPr id="119" name="Shape 119"/>
+        <p:cNvPr id="1" name="Shape 119"/>
         <p:cNvGrpSpPr/>
         <p:nvPr/>
       </p:nvGrpSpPr>
@@ -1619,9 +1679,11 @@
       <p:sp>
         <p:nvSpPr>
           <p:cNvPr id="120" name="Google Shape;120;ge63df1ba86_0_60:notes"/>
-          <p:cNvSpPr/>
+          <p:cNvSpPr>
+            <a:spLocks noGrp="1" noRot="1" noChangeAspect="1"/>
+          </p:cNvSpPr>
           <p:nvPr>
-            <p:ph idx="2" type="sldImg"/>
+            <p:ph type="sldImg" idx="2"/>
           </p:nvPr>
         </p:nvSpPr>
         <p:spPr>
@@ -1630,9 +1692,13 @@
             <a:ext cx="6096000" cy="3429000"/>
           </a:xfrm>
           <a:custGeom>
-            <a:rect b="b" l="l" r="r" t="t"/>
+            <a:avLst/>
+            <a:gdLst/>
+            <a:ahLst/>
+            <a:cxnLst/>
+            <a:rect l="l" t="t" r="r" b="b"/>
             <a:pathLst>
-              <a:path extrusionOk="0" h="120000" w="120000">
+              <a:path w="120000" h="120000" extrusionOk="0">
                 <a:moveTo>
                   <a:pt x="0" y="0"/>
                 </a:moveTo>
@@ -1654,9 +1720,11 @@
       <p:sp>
         <p:nvSpPr>
           <p:cNvPr id="121" name="Google Shape;121;ge63df1ba86_0_60:notes"/>
-          <p:cNvSpPr txBox="1"/>
+          <p:cNvSpPr txBox="1">
+            <a:spLocks noGrp="1"/>
+          </p:cNvSpPr>
           <p:nvPr>
-            <p:ph idx="1" type="body"/>
+            <p:ph type="body" idx="1"/>
           </p:nvPr>
         </p:nvSpPr>
         <p:spPr>
@@ -1669,12 +1737,12 @@
           </a:prstGeom>
         </p:spPr>
         <p:txBody>
-          <a:bodyPr anchorCtr="0" anchor="t" bIns="91425" lIns="91425" spcFirstLastPara="1" rIns="91425" wrap="square" tIns="91425">
+          <a:bodyPr spcFirstLastPara="1" wrap="square" lIns="91425" tIns="91425" rIns="91425" bIns="91425" anchor="t" anchorCtr="0">
             <a:noAutofit/>
           </a:bodyPr>
           <a:lstStyle/>
           <a:p>
-            <a:pPr indent="0" lvl="0" marL="0" rtl="0" algn="l">
+            <a:pPr marL="0" lvl="0" indent="0" algn="l" rtl="0">
               <a:spcBef>
                 <a:spcPts val="0"/>
               </a:spcBef>
@@ -1683,9 +1751,6 @@
               </a:spcAft>
               <a:buNone/>
             </a:pPr>
-            <a:r>
-              <a:t/>
-            </a:r>
             <a:endParaRPr/>
           </a:p>
         </p:txBody>
@@ -1699,11 +1764,11 @@
 </file>
 
 <file path=ppt/notesSlides/notesSlide6.xml><?xml version="1.0" encoding="utf-8"?>
-<p:notes xmlns:a="http://schemas.openxmlformats.org/drawingml/2006/main" xmlns:r="http://schemas.openxmlformats.org/officeDocument/2006/relationships" xmlns:mc="http://schemas.openxmlformats.org/markup-compatibility/2006" xmlns:mv="urn:schemas-microsoft-com:mac:vml" xmlns:p="http://schemas.openxmlformats.org/presentationml/2006/main" xmlns:c="http://schemas.openxmlformats.org/drawingml/2006/chart" xmlns:dgm="http://schemas.openxmlformats.org/drawingml/2006/diagram" xmlns:o="urn:schemas-microsoft-com:office:office" xmlns:v="urn:schemas-microsoft-com:vml" xmlns:pvml="urn:schemas-microsoft-com:office:powerpoint" xmlns:com="http://schemas.openxmlformats.org/drawingml/2006/compatibility" xmlns:p14="http://schemas.microsoft.com/office/powerpoint/2010/main" xmlns:p15="http://schemas.microsoft.com/office/powerpoint/2012/main" xmlns:ahyp="http://schemas.microsoft.com/office/drawing/2018/hyperlinkcolor" showMasterPhAnim="0" showMasterSp="0">
+<p:notes xmlns:a="http://schemas.openxmlformats.org/drawingml/2006/main" xmlns:r="http://schemas.openxmlformats.org/officeDocument/2006/relationships" xmlns:p="http://schemas.openxmlformats.org/presentationml/2006/main" showMasterSp="0" showMasterPhAnim="0">
   <p:cSld>
     <p:spTree>
       <p:nvGrpSpPr>
-        <p:cNvPr id="126" name="Shape 126"/>
+        <p:cNvPr id="1" name="Shape 126"/>
         <p:cNvGrpSpPr/>
         <p:nvPr/>
       </p:nvGrpSpPr>
@@ -1718,9 +1783,11 @@
       <p:sp>
         <p:nvSpPr>
           <p:cNvPr id="127" name="Google Shape;127;ge63df1ba86_0_79:notes"/>
-          <p:cNvSpPr/>
+          <p:cNvSpPr>
+            <a:spLocks noGrp="1" noRot="1" noChangeAspect="1"/>
+          </p:cNvSpPr>
           <p:nvPr>
-            <p:ph idx="2" type="sldImg"/>
+            <p:ph type="sldImg" idx="2"/>
           </p:nvPr>
         </p:nvSpPr>
         <p:spPr>
@@ -1729,9 +1796,13 @@
             <a:ext cx="6096000" cy="3429000"/>
           </a:xfrm>
           <a:custGeom>
-            <a:rect b="b" l="l" r="r" t="t"/>
+            <a:avLst/>
+            <a:gdLst/>
+            <a:ahLst/>
+            <a:cxnLst/>
+            <a:rect l="l" t="t" r="r" b="b"/>
             <a:pathLst>
-              <a:path extrusionOk="0" h="120000" w="120000">
+              <a:path w="120000" h="120000" extrusionOk="0">
                 <a:moveTo>
                   <a:pt x="0" y="0"/>
                 </a:moveTo>
@@ -1753,9 +1824,11 @@
       <p:sp>
         <p:nvSpPr>
           <p:cNvPr id="128" name="Google Shape;128;ge63df1ba86_0_79:notes"/>
-          <p:cNvSpPr txBox="1"/>
+          <p:cNvSpPr txBox="1">
+            <a:spLocks noGrp="1"/>
+          </p:cNvSpPr>
           <p:nvPr>
-            <p:ph idx="1" type="body"/>
+            <p:ph type="body" idx="1"/>
           </p:nvPr>
         </p:nvSpPr>
         <p:spPr>
@@ -1768,12 +1841,12 @@
           </a:prstGeom>
         </p:spPr>
         <p:txBody>
-          <a:bodyPr anchorCtr="0" anchor="t" bIns="91425" lIns="91425" spcFirstLastPara="1" rIns="91425" wrap="square" tIns="91425">
+          <a:bodyPr spcFirstLastPara="1" wrap="square" lIns="91425" tIns="91425" rIns="91425" bIns="91425" anchor="t" anchorCtr="0">
             <a:noAutofit/>
           </a:bodyPr>
           <a:lstStyle/>
           <a:p>
-            <a:pPr indent="0" lvl="0" marL="0" rtl="0" algn="l">
+            <a:pPr marL="0" lvl="0" indent="0" algn="l" rtl="0">
               <a:spcBef>
                 <a:spcPts val="0"/>
               </a:spcBef>
@@ -1782,9 +1855,6 @@
               </a:spcAft>
               <a:buNone/>
             </a:pPr>
-            <a:r>
-              <a:t/>
-            </a:r>
             <a:endParaRPr/>
           </a:p>
         </p:txBody>
@@ -1798,11 +1868,11 @@
 </file>
 
 <file path=ppt/notesSlides/notesSlide7.xml><?xml version="1.0" encoding="utf-8"?>
-<p:notes xmlns:a="http://schemas.openxmlformats.org/drawingml/2006/main" xmlns:r="http://schemas.openxmlformats.org/officeDocument/2006/relationships" xmlns:mc="http://schemas.openxmlformats.org/markup-compatibility/2006" xmlns:mv="urn:schemas-microsoft-com:mac:vml" xmlns:p="http://schemas.openxmlformats.org/presentationml/2006/main" xmlns:c="http://schemas.openxmlformats.org/drawingml/2006/chart" xmlns:dgm="http://schemas.openxmlformats.org/drawingml/2006/diagram" xmlns:o="urn:schemas-microsoft-com:office:office" xmlns:v="urn:schemas-microsoft-com:vml" xmlns:pvml="urn:schemas-microsoft-com:office:powerpoint" xmlns:com="http://schemas.openxmlformats.org/drawingml/2006/compatibility" xmlns:p14="http://schemas.microsoft.com/office/powerpoint/2010/main" xmlns:p15="http://schemas.microsoft.com/office/powerpoint/2012/main" xmlns:ahyp="http://schemas.microsoft.com/office/drawing/2018/hyperlinkcolor" showMasterPhAnim="0" showMasterSp="0">
+<p:notes xmlns:a="http://schemas.openxmlformats.org/drawingml/2006/main" xmlns:r="http://schemas.openxmlformats.org/officeDocument/2006/relationships" xmlns:p="http://schemas.openxmlformats.org/presentationml/2006/main" showMasterSp="0" showMasterPhAnim="0">
   <p:cSld>
     <p:spTree>
       <p:nvGrpSpPr>
-        <p:cNvPr id="133" name="Shape 133"/>
+        <p:cNvPr id="1" name="Shape 133"/>
         <p:cNvGrpSpPr/>
         <p:nvPr/>
       </p:nvGrpSpPr>
@@ -1817,9 +1887,11 @@
       <p:sp>
         <p:nvSpPr>
           <p:cNvPr id="134" name="Google Shape;134;ge63df1ba86_0_68:notes"/>
-          <p:cNvSpPr/>
+          <p:cNvSpPr>
+            <a:spLocks noGrp="1" noRot="1" noChangeAspect="1"/>
+          </p:cNvSpPr>
           <p:nvPr>
-            <p:ph idx="2" type="sldImg"/>
+            <p:ph type="sldImg" idx="2"/>
           </p:nvPr>
         </p:nvSpPr>
         <p:spPr>
@@ -1828,9 +1900,13 @@
             <a:ext cx="6096000" cy="3429000"/>
           </a:xfrm>
           <a:custGeom>
-            <a:rect b="b" l="l" r="r" t="t"/>
+            <a:avLst/>
+            <a:gdLst/>
+            <a:ahLst/>
+            <a:cxnLst/>
+            <a:rect l="l" t="t" r="r" b="b"/>
             <a:pathLst>
-              <a:path extrusionOk="0" h="120000" w="120000">
+              <a:path w="120000" h="120000" extrusionOk="0">
                 <a:moveTo>
                   <a:pt x="0" y="0"/>
                 </a:moveTo>
@@ -1852,9 +1928,11 @@
       <p:sp>
         <p:nvSpPr>
           <p:cNvPr id="135" name="Google Shape;135;ge63df1ba86_0_68:notes"/>
-          <p:cNvSpPr txBox="1"/>
+          <p:cNvSpPr txBox="1">
+            <a:spLocks noGrp="1"/>
+          </p:cNvSpPr>
           <p:nvPr>
-            <p:ph idx="1" type="body"/>
+            <p:ph type="body" idx="1"/>
           </p:nvPr>
         </p:nvSpPr>
         <p:spPr>
@@ -1867,12 +1945,12 @@
           </a:prstGeom>
         </p:spPr>
         <p:txBody>
-          <a:bodyPr anchorCtr="0" anchor="t" bIns="91425" lIns="91425" spcFirstLastPara="1" rIns="91425" wrap="square" tIns="91425">
+          <a:bodyPr spcFirstLastPara="1" wrap="square" lIns="91425" tIns="91425" rIns="91425" bIns="91425" anchor="t" anchorCtr="0">
             <a:noAutofit/>
           </a:bodyPr>
           <a:lstStyle/>
           <a:p>
-            <a:pPr indent="0" lvl="0" marL="0" rtl="0" algn="l">
+            <a:pPr marL="0" lvl="0" indent="0" algn="l" rtl="0">
               <a:spcBef>
                 <a:spcPts val="0"/>
               </a:spcBef>
@@ -1881,9 +1959,6 @@
               </a:spcAft>
               <a:buNone/>
             </a:pPr>
-            <a:r>
-              <a:t/>
-            </a:r>
             <a:endParaRPr/>
           </a:p>
         </p:txBody>
@@ -1897,11 +1972,11 @@
 </file>
 
 <file path=ppt/notesSlides/notesSlide8.xml><?xml version="1.0" encoding="utf-8"?>
-<p:notes xmlns:a="http://schemas.openxmlformats.org/drawingml/2006/main" xmlns:r="http://schemas.openxmlformats.org/officeDocument/2006/relationships" xmlns:mc="http://schemas.openxmlformats.org/markup-compatibility/2006" xmlns:mv="urn:schemas-microsoft-com:mac:vml" xmlns:p="http://schemas.openxmlformats.org/presentationml/2006/main" xmlns:c="http://schemas.openxmlformats.org/drawingml/2006/chart" xmlns:dgm="http://schemas.openxmlformats.org/drawingml/2006/diagram" xmlns:o="urn:schemas-microsoft-com:office:office" xmlns:v="urn:schemas-microsoft-com:vml" xmlns:pvml="urn:schemas-microsoft-com:office:powerpoint" xmlns:com="http://schemas.openxmlformats.org/drawingml/2006/compatibility" xmlns:p14="http://schemas.microsoft.com/office/powerpoint/2010/main" xmlns:p15="http://schemas.microsoft.com/office/powerpoint/2012/main" xmlns:ahyp="http://schemas.microsoft.com/office/drawing/2018/hyperlinkcolor" showMasterPhAnim="0" showMasterSp="0">
+<p:notes xmlns:a="http://schemas.openxmlformats.org/drawingml/2006/main" xmlns:r="http://schemas.openxmlformats.org/officeDocument/2006/relationships" xmlns:p="http://schemas.openxmlformats.org/presentationml/2006/main" showMasterSp="0" showMasterPhAnim="0">
   <p:cSld>
     <p:spTree>
       <p:nvGrpSpPr>
-        <p:cNvPr id="140" name="Shape 140"/>
+        <p:cNvPr id="1" name="Shape 140"/>
         <p:cNvGrpSpPr/>
         <p:nvPr/>
       </p:nvGrpSpPr>
@@ -1916,9 +1991,11 @@
       <p:sp>
         <p:nvSpPr>
           <p:cNvPr id="141" name="Google Shape;141;ge63df1ba86_0_64:notes"/>
-          <p:cNvSpPr/>
+          <p:cNvSpPr>
+            <a:spLocks noGrp="1" noRot="1" noChangeAspect="1"/>
+          </p:cNvSpPr>
           <p:nvPr>
-            <p:ph idx="2" type="sldImg"/>
+            <p:ph type="sldImg" idx="2"/>
           </p:nvPr>
         </p:nvSpPr>
         <p:spPr>
@@ -1927,9 +2004,13 @@
             <a:ext cx="6096000" cy="3429000"/>
           </a:xfrm>
           <a:custGeom>
-            <a:rect b="b" l="l" r="r" t="t"/>
+            <a:avLst/>
+            <a:gdLst/>
+            <a:ahLst/>
+            <a:cxnLst/>
+            <a:rect l="l" t="t" r="r" b="b"/>
             <a:pathLst>
-              <a:path extrusionOk="0" h="120000" w="120000">
+              <a:path w="120000" h="120000" extrusionOk="0">
                 <a:moveTo>
                   <a:pt x="0" y="0"/>
                 </a:moveTo>
@@ -1951,9 +2032,11 @@
       <p:sp>
         <p:nvSpPr>
           <p:cNvPr id="142" name="Google Shape;142;ge63df1ba86_0_64:notes"/>
-          <p:cNvSpPr txBox="1"/>
+          <p:cNvSpPr txBox="1">
+            <a:spLocks noGrp="1"/>
+          </p:cNvSpPr>
           <p:nvPr>
-            <p:ph idx="1" type="body"/>
+            <p:ph type="body" idx="1"/>
           </p:nvPr>
         </p:nvSpPr>
         <p:spPr>
@@ -1966,12 +2049,12 @@
           </a:prstGeom>
         </p:spPr>
         <p:txBody>
-          <a:bodyPr anchorCtr="0" anchor="t" bIns="91425" lIns="91425" spcFirstLastPara="1" rIns="91425" wrap="square" tIns="91425">
+          <a:bodyPr spcFirstLastPara="1" wrap="square" lIns="91425" tIns="91425" rIns="91425" bIns="91425" anchor="t" anchorCtr="0">
             <a:noAutofit/>
           </a:bodyPr>
           <a:lstStyle/>
           <a:p>
-            <a:pPr indent="0" lvl="0" marL="0" rtl="0" algn="l">
+            <a:pPr marL="0" lvl="0" indent="0" algn="l" rtl="0">
               <a:spcBef>
                 <a:spcPts val="0"/>
               </a:spcBef>
@@ -1980,9 +2063,6 @@
               </a:spcAft>
               <a:buNone/>
             </a:pPr>
-            <a:r>
-              <a:t/>
-            </a:r>
             <a:endParaRPr/>
           </a:p>
         </p:txBody>
@@ -1996,11 +2076,11 @@
 </file>
 
 <file path=ppt/notesSlides/notesSlide9.xml><?xml version="1.0" encoding="utf-8"?>
-<p:notes xmlns:a="http://schemas.openxmlformats.org/drawingml/2006/main" xmlns:r="http://schemas.openxmlformats.org/officeDocument/2006/relationships" xmlns:mc="http://schemas.openxmlformats.org/markup-compatibility/2006" xmlns:mv="urn:schemas-microsoft-com:mac:vml" xmlns:p="http://schemas.openxmlformats.org/presentationml/2006/main" xmlns:c="http://schemas.openxmlformats.org/drawingml/2006/chart" xmlns:dgm="http://schemas.openxmlformats.org/drawingml/2006/diagram" xmlns:o="urn:schemas-microsoft-com:office:office" xmlns:v="urn:schemas-microsoft-com:vml" xmlns:pvml="urn:schemas-microsoft-com:office:powerpoint" xmlns:com="http://schemas.openxmlformats.org/drawingml/2006/compatibility" xmlns:p14="http://schemas.microsoft.com/office/powerpoint/2010/main" xmlns:p15="http://schemas.microsoft.com/office/powerpoint/2012/main" xmlns:ahyp="http://schemas.microsoft.com/office/drawing/2018/hyperlinkcolor" showMasterPhAnim="0" showMasterSp="0">
+<p:notes xmlns:a="http://schemas.openxmlformats.org/drawingml/2006/main" xmlns:r="http://schemas.openxmlformats.org/officeDocument/2006/relationships" xmlns:p="http://schemas.openxmlformats.org/presentationml/2006/main" showMasterSp="0" showMasterPhAnim="0">
   <p:cSld>
     <p:spTree>
       <p:nvGrpSpPr>
-        <p:cNvPr id="147" name="Shape 147"/>
+        <p:cNvPr id="1" name="Shape 147"/>
         <p:cNvGrpSpPr/>
         <p:nvPr/>
       </p:nvGrpSpPr>
@@ -2015,9 +2095,11 @@
       <p:sp>
         <p:nvSpPr>
           <p:cNvPr id="148" name="Google Shape;148;ge63df1ba86_0_85:notes"/>
-          <p:cNvSpPr/>
+          <p:cNvSpPr>
+            <a:spLocks noGrp="1" noRot="1" noChangeAspect="1"/>
+          </p:cNvSpPr>
           <p:nvPr>
-            <p:ph idx="2" type="sldImg"/>
+            <p:ph type="sldImg" idx="2"/>
           </p:nvPr>
         </p:nvSpPr>
         <p:spPr>
@@ -2026,9 +2108,13 @@
             <a:ext cx="6096000" cy="3429000"/>
           </a:xfrm>
           <a:custGeom>
-            <a:rect b="b" l="l" r="r" t="t"/>
+            <a:avLst/>
+            <a:gdLst/>
+            <a:ahLst/>
+            <a:cxnLst/>
+            <a:rect l="l" t="t" r="r" b="b"/>
             <a:pathLst>
-              <a:path extrusionOk="0" h="120000" w="120000">
+              <a:path w="120000" h="120000" extrusionOk="0">
                 <a:moveTo>
                   <a:pt x="0" y="0"/>
                 </a:moveTo>
@@ -2050,9 +2136,11 @@
       <p:sp>
         <p:nvSpPr>
           <p:cNvPr id="149" name="Google Shape;149;ge63df1ba86_0_85:notes"/>
-          <p:cNvSpPr txBox="1"/>
+          <p:cNvSpPr txBox="1">
+            <a:spLocks noGrp="1"/>
+          </p:cNvSpPr>
           <p:nvPr>
-            <p:ph idx="1" type="body"/>
+            <p:ph type="body" idx="1"/>
           </p:nvPr>
         </p:nvSpPr>
         <p:spPr>
@@ -2065,12 +2153,12 @@
           </a:prstGeom>
         </p:spPr>
         <p:txBody>
-          <a:bodyPr anchorCtr="0" anchor="t" bIns="91425" lIns="91425" spcFirstLastPara="1" rIns="91425" wrap="square" tIns="91425">
+          <a:bodyPr spcFirstLastPara="1" wrap="square" lIns="91425" tIns="91425" rIns="91425" bIns="91425" anchor="t" anchorCtr="0">
             <a:noAutofit/>
           </a:bodyPr>
           <a:lstStyle/>
           <a:p>
-            <a:pPr indent="0" lvl="0" marL="0" rtl="0" algn="l">
+            <a:pPr marL="0" lvl="0" indent="0" algn="l" rtl="0">
               <a:spcBef>
                 <a:spcPts val="0"/>
               </a:spcBef>
@@ -2079,9 +2167,6 @@
               </a:spcAft>
               <a:buNone/>
             </a:pPr>
-            <a:r>
-              <a:t/>
-            </a:r>
             <a:endParaRPr/>
           </a:p>
         </p:txBody>
@@ -2095,18 +2180,19 @@
 </file>
 
 <file path=ppt/slideLayouts/slideLayout1.xml><?xml version="1.0" encoding="utf-8"?>
-<p:sldLayout xmlns:a="http://schemas.openxmlformats.org/drawingml/2006/main" xmlns:r="http://schemas.openxmlformats.org/officeDocument/2006/relationships" xmlns:mc="http://schemas.openxmlformats.org/markup-compatibility/2006" xmlns:mv="urn:schemas-microsoft-com:mac:vml" xmlns:p="http://schemas.openxmlformats.org/presentationml/2006/main" xmlns:c="http://schemas.openxmlformats.org/drawingml/2006/chart" xmlns:dgm="http://schemas.openxmlformats.org/drawingml/2006/diagram" xmlns:o="urn:schemas-microsoft-com:office:office" xmlns:v="urn:schemas-microsoft-com:vml" xmlns:pvml="urn:schemas-microsoft-com:office:powerpoint" xmlns:com="http://schemas.openxmlformats.org/drawingml/2006/compatibility" xmlns:p14="http://schemas.microsoft.com/office/powerpoint/2010/main" xmlns:p15="http://schemas.microsoft.com/office/powerpoint/2012/main" xmlns:ahyp="http://schemas.microsoft.com/office/drawing/2018/hyperlinkcolor" matchingName="Title slide" type="title">
+<p:sldLayout xmlns:a="http://schemas.openxmlformats.org/drawingml/2006/main" xmlns:r="http://schemas.openxmlformats.org/officeDocument/2006/relationships" xmlns:p="http://schemas.openxmlformats.org/presentationml/2006/main" matchingName="Title slide" type="title">
   <p:cSld name="TITLE">
     <p:bg>
       <p:bgPr>
         <a:solidFill>
           <a:schemeClr val="dk1"/>
         </a:solidFill>
+        <a:effectLst/>
       </p:bgPr>
     </p:bg>
     <p:spTree>
       <p:nvGrpSpPr>
-        <p:cNvPr id="9" name="Shape 9"/>
+        <p:cNvPr id="1" name="Shape 9"/>
         <p:cNvGrpSpPr/>
         <p:nvPr/>
       </p:nvGrpSpPr>
@@ -2154,12 +2240,12 @@
             </a:ln>
           </p:spPr>
           <p:txBody>
-            <a:bodyPr anchorCtr="0" anchor="ctr" bIns="91425" lIns="91425" spcFirstLastPara="1" rIns="91425" wrap="square" tIns="91425">
+            <a:bodyPr spcFirstLastPara="1" wrap="square" lIns="91425" tIns="91425" rIns="91425" bIns="91425" anchor="ctr" anchorCtr="0">
               <a:noAutofit/>
             </a:bodyPr>
             <a:lstStyle/>
             <a:p>
-              <a:pPr indent="0" lvl="0" marL="0" rtl="0" algn="l">
+              <a:pPr marL="0" lvl="0" indent="0" algn="l" rtl="0">
                 <a:spcBef>
                   <a:spcPts val="0"/>
                 </a:spcBef>
@@ -2168,9 +2254,6 @@
                 </a:spcAft>
                 <a:buNone/>
               </a:pPr>
-              <a:r>
-                <a:t/>
-              </a:r>
               <a:endParaRPr/>
             </a:p>
           </p:txBody>
@@ -2197,12 +2280,12 @@
             </a:ln>
           </p:spPr>
           <p:txBody>
-            <a:bodyPr anchorCtr="0" anchor="ctr" bIns="91425" lIns="91425" spcFirstLastPara="1" rIns="91425" wrap="square" tIns="91425">
+            <a:bodyPr spcFirstLastPara="1" wrap="square" lIns="91425" tIns="91425" rIns="91425" bIns="91425" anchor="ctr" anchorCtr="0">
               <a:noAutofit/>
             </a:bodyPr>
             <a:lstStyle/>
             <a:p>
-              <a:pPr indent="0" lvl="0" marL="0" rtl="0" algn="l">
+              <a:pPr marL="0" lvl="0" indent="0" algn="l" rtl="0">
                 <a:spcBef>
                   <a:spcPts val="0"/>
                 </a:spcBef>
@@ -2211,9 +2294,6 @@
                 </a:spcAft>
                 <a:buNone/>
               </a:pPr>
-              <a:r>
-                <a:t/>
-              </a:r>
               <a:endParaRPr/>
             </a:p>
           </p:txBody>
@@ -2225,7 +2305,7 @@
             <p:nvPr/>
           </p:nvSpPr>
           <p:spPr>
-            <a:xfrm flipH="1" rot="10800000">
+            <a:xfrm rot="10800000" flipH="1">
               <a:off x="7113588" y="107"/>
               <a:ext cx="1015200" cy="1015200"/>
             </a:xfrm>
@@ -2240,12 +2320,12 @@
             </a:ln>
           </p:spPr>
           <p:txBody>
-            <a:bodyPr anchorCtr="0" anchor="ctr" bIns="91425" lIns="91425" spcFirstLastPara="1" rIns="91425" wrap="square" tIns="91425">
+            <a:bodyPr spcFirstLastPara="1" wrap="square" lIns="91425" tIns="91425" rIns="91425" bIns="91425" anchor="ctr" anchorCtr="0">
               <a:noAutofit/>
             </a:bodyPr>
             <a:lstStyle/>
             <a:p>
-              <a:pPr indent="0" lvl="0" marL="0" rtl="0" algn="l">
+              <a:pPr marL="0" lvl="0" indent="0" algn="l" rtl="0">
                 <a:spcBef>
                   <a:spcPts val="0"/>
                 </a:spcBef>
@@ -2254,9 +2334,6 @@
                 </a:spcAft>
                 <a:buNone/>
               </a:pPr>
-              <a:r>
-                <a:t/>
-              </a:r>
               <a:endParaRPr/>
             </a:p>
           </p:txBody>
@@ -2283,12 +2360,12 @@
             </a:ln>
           </p:spPr>
           <p:txBody>
-            <a:bodyPr anchorCtr="0" anchor="ctr" bIns="91425" lIns="91425" spcFirstLastPara="1" rIns="91425" wrap="square" tIns="91425">
+            <a:bodyPr spcFirstLastPara="1" wrap="square" lIns="91425" tIns="91425" rIns="91425" bIns="91425" anchor="ctr" anchorCtr="0">
               <a:noAutofit/>
             </a:bodyPr>
             <a:lstStyle/>
             <a:p>
-              <a:pPr indent="0" lvl="0" marL="0" rtl="0" algn="l">
+              <a:pPr marL="0" lvl="0" indent="0" algn="l" rtl="0">
                 <a:spcBef>
                   <a:spcPts val="0"/>
                 </a:spcBef>
@@ -2297,9 +2374,6 @@
                 </a:spcAft>
                 <a:buNone/>
               </a:pPr>
-              <a:r>
-                <a:t/>
-              </a:r>
               <a:endParaRPr/>
             </a:p>
           </p:txBody>
@@ -2326,12 +2400,12 @@
             </a:ln>
           </p:spPr>
           <p:txBody>
-            <a:bodyPr anchorCtr="0" anchor="ctr" bIns="91425" lIns="91425" spcFirstLastPara="1" rIns="91425" wrap="square" tIns="91425">
+            <a:bodyPr spcFirstLastPara="1" wrap="square" lIns="91425" tIns="91425" rIns="91425" bIns="91425" anchor="ctr" anchorCtr="0">
               <a:noAutofit/>
             </a:bodyPr>
             <a:lstStyle/>
             <a:p>
-              <a:pPr indent="0" lvl="0" marL="0" rtl="0" algn="l">
+              <a:pPr marL="0" lvl="0" indent="0" algn="l" rtl="0">
                 <a:spcBef>
                   <a:spcPts val="0"/>
                 </a:spcBef>
@@ -2340,9 +2414,6 @@
                 </a:spcAft>
                 <a:buNone/>
               </a:pPr>
-              <a:r>
-                <a:t/>
-              </a:r>
               <a:endParaRPr/>
             </a:p>
           </p:txBody>
@@ -2351,7 +2422,9 @@
       <p:sp>
         <p:nvSpPr>
           <p:cNvPr id="16" name="Google Shape;16;p2"/>
-          <p:cNvSpPr txBox="1"/>
+          <p:cNvSpPr txBox="1">
+            <a:spLocks noGrp="1"/>
+          </p:cNvSpPr>
           <p:nvPr>
             <p:ph type="ctrTitle"/>
           </p:nvPr>
@@ -2366,7 +2439,7 @@
           </a:prstGeom>
         </p:spPr>
         <p:txBody>
-          <a:bodyPr anchorCtr="0" anchor="b" bIns="91425" lIns="91425" spcFirstLastPara="1" rIns="91425" wrap="square" tIns="91425">
+          <a:bodyPr spcFirstLastPara="1" wrap="square" lIns="91425" tIns="91425" rIns="91425" bIns="91425" anchor="b" anchorCtr="0">
             <a:noAutofit/>
           </a:bodyPr>
           <a:lstStyle>
@@ -2533,15 +2606,19 @@
               </a:defRPr>
             </a:lvl9pPr>
           </a:lstStyle>
-          <a:p/>
+          <a:p>
+            <a:endParaRPr/>
+          </a:p>
         </p:txBody>
       </p:sp>
       <p:sp>
         <p:nvSpPr>
           <p:cNvPr id="17" name="Google Shape;17;p2"/>
-          <p:cNvSpPr txBox="1"/>
+          <p:cNvSpPr txBox="1">
+            <a:spLocks noGrp="1"/>
+          </p:cNvSpPr>
           <p:nvPr>
-            <p:ph idx="1" type="subTitle"/>
+            <p:ph type="subTitle" idx="1"/>
           </p:nvPr>
         </p:nvSpPr>
         <p:spPr>
@@ -2554,7 +2631,7 @@
           </a:prstGeom>
         </p:spPr>
         <p:txBody>
-          <a:bodyPr anchorCtr="0" anchor="t" bIns="91425" lIns="91425" spcFirstLastPara="1" rIns="91425" wrap="square" tIns="91425">
+          <a:bodyPr spcFirstLastPara="1" wrap="square" lIns="91425" tIns="91425" rIns="91425" bIns="91425" anchor="t" anchorCtr="0">
             <a:noAutofit/>
           </a:bodyPr>
           <a:lstStyle>
@@ -2748,15 +2825,19 @@
               </a:defRPr>
             </a:lvl9pPr>
           </a:lstStyle>
-          <a:p/>
+          <a:p>
+            <a:endParaRPr/>
+          </a:p>
         </p:txBody>
       </p:sp>
       <p:sp>
         <p:nvSpPr>
           <p:cNvPr id="18" name="Google Shape;18;p2"/>
-          <p:cNvSpPr txBox="1"/>
+          <p:cNvSpPr txBox="1">
+            <a:spLocks noGrp="1"/>
+          </p:cNvSpPr>
           <p:nvPr>
-            <p:ph idx="12" type="sldNum"/>
+            <p:ph type="sldNum" idx="12"/>
           </p:nvPr>
         </p:nvSpPr>
         <p:spPr>
@@ -2769,7 +2850,7 @@
           </a:prstGeom>
         </p:spPr>
         <p:txBody>
-          <a:bodyPr anchorCtr="0" anchor="ctr" bIns="91425" lIns="91425" spcFirstLastPara="1" rIns="91425" wrap="square" tIns="91425">
+          <a:bodyPr spcFirstLastPara="1" wrap="square" lIns="91425" tIns="91425" rIns="91425" bIns="91425" anchor="ctr" anchorCtr="0">
             <a:noAutofit/>
           </a:bodyPr>
           <a:lstStyle>
@@ -2811,7 +2892,7 @@
             </a:lvl9pPr>
           </a:lstStyle>
           <a:p>
-            <a:pPr indent="0" lvl="0" marL="0" rtl="0" algn="r">
+            <a:pPr marL="0" lvl="0" indent="0" algn="r" rtl="0">
               <a:spcBef>
                 <a:spcPts val="0"/>
               </a:spcBef>
@@ -2837,18 +2918,19 @@
 </file>
 
 <file path=ppt/slideLayouts/slideLayout10.xml><?xml version="1.0" encoding="utf-8"?>
-<p:sldLayout xmlns:a="http://schemas.openxmlformats.org/drawingml/2006/main" xmlns:r="http://schemas.openxmlformats.org/officeDocument/2006/relationships" xmlns:mc="http://schemas.openxmlformats.org/markup-compatibility/2006" xmlns:mv="urn:schemas-microsoft-com:mac:vml" xmlns:p="http://schemas.openxmlformats.org/presentationml/2006/main" xmlns:c="http://schemas.openxmlformats.org/drawingml/2006/chart" xmlns:dgm="http://schemas.openxmlformats.org/drawingml/2006/diagram" xmlns:o="urn:schemas-microsoft-com:office:office" xmlns:v="urn:schemas-microsoft-com:vml" xmlns:pvml="urn:schemas-microsoft-com:office:powerpoint" xmlns:com="http://schemas.openxmlformats.org/drawingml/2006/compatibility" xmlns:p14="http://schemas.microsoft.com/office/powerpoint/2010/main" xmlns:p15="http://schemas.microsoft.com/office/powerpoint/2012/main" xmlns:ahyp="http://schemas.microsoft.com/office/drawing/2018/hyperlinkcolor" matchingName="Big number">
+<p:sldLayout xmlns:a="http://schemas.openxmlformats.org/drawingml/2006/main" xmlns:r="http://schemas.openxmlformats.org/officeDocument/2006/relationships" xmlns:p="http://schemas.openxmlformats.org/presentationml/2006/main" matchingName="Big number">
   <p:cSld name="BIG_NUMBER">
     <p:bg>
       <p:bgPr>
         <a:solidFill>
           <a:schemeClr val="dk1"/>
         </a:solidFill>
+        <a:effectLst/>
       </p:bgPr>
     </p:bg>
     <p:spTree>
       <p:nvGrpSpPr>
-        <p:cNvPr id="69" name="Shape 69"/>
+        <p:cNvPr id="1" name="Shape 69"/>
         <p:cNvGrpSpPr/>
         <p:nvPr/>
       </p:nvGrpSpPr>
@@ -2896,12 +2978,12 @@
             </a:ln>
           </p:spPr>
           <p:txBody>
-            <a:bodyPr anchorCtr="0" anchor="ctr" bIns="91425" lIns="91425" spcFirstLastPara="1" rIns="91425" wrap="square" tIns="91425">
+            <a:bodyPr spcFirstLastPara="1" wrap="square" lIns="91425" tIns="91425" rIns="91425" bIns="91425" anchor="ctr" anchorCtr="0">
               <a:noAutofit/>
             </a:bodyPr>
             <a:lstStyle/>
             <a:p>
-              <a:pPr indent="0" lvl="0" marL="0" rtl="0" algn="l">
+              <a:pPr marL="0" lvl="0" indent="0" algn="l" rtl="0">
                 <a:spcBef>
                   <a:spcPts val="0"/>
                 </a:spcBef>
@@ -2910,9 +2992,6 @@
                 </a:spcAft>
                 <a:buNone/>
               </a:pPr>
-              <a:r>
-                <a:t/>
-              </a:r>
               <a:endParaRPr/>
             </a:p>
           </p:txBody>
@@ -2939,12 +3018,12 @@
             </a:ln>
           </p:spPr>
           <p:txBody>
-            <a:bodyPr anchorCtr="0" anchor="ctr" bIns="91425" lIns="91425" spcFirstLastPara="1" rIns="91425" wrap="square" tIns="91425">
+            <a:bodyPr spcFirstLastPara="1" wrap="square" lIns="91425" tIns="91425" rIns="91425" bIns="91425" anchor="ctr" anchorCtr="0">
               <a:noAutofit/>
             </a:bodyPr>
             <a:lstStyle/>
             <a:p>
-              <a:pPr indent="0" lvl="0" marL="0" rtl="0" algn="l">
+              <a:pPr marL="0" lvl="0" indent="0" algn="l" rtl="0">
                 <a:spcBef>
                   <a:spcPts val="0"/>
                 </a:spcBef>
@@ -2953,9 +3032,6 @@
                 </a:spcAft>
                 <a:buNone/>
               </a:pPr>
-              <a:r>
-                <a:t/>
-              </a:r>
               <a:endParaRPr/>
             </a:p>
           </p:txBody>
@@ -2967,7 +3043,7 @@
             <p:nvPr/>
           </p:nvSpPr>
           <p:spPr>
-            <a:xfrm flipH="1" rot="10800000">
+            <a:xfrm rot="10800000" flipH="1">
               <a:off x="7113588" y="107"/>
               <a:ext cx="1015200" cy="1015200"/>
             </a:xfrm>
@@ -2982,12 +3058,12 @@
             </a:ln>
           </p:spPr>
           <p:txBody>
-            <a:bodyPr anchorCtr="0" anchor="ctr" bIns="91425" lIns="91425" spcFirstLastPara="1" rIns="91425" wrap="square" tIns="91425">
+            <a:bodyPr spcFirstLastPara="1" wrap="square" lIns="91425" tIns="91425" rIns="91425" bIns="91425" anchor="ctr" anchorCtr="0">
               <a:noAutofit/>
             </a:bodyPr>
             <a:lstStyle/>
             <a:p>
-              <a:pPr indent="0" lvl="0" marL="0" rtl="0" algn="l">
+              <a:pPr marL="0" lvl="0" indent="0" algn="l" rtl="0">
                 <a:spcBef>
                   <a:spcPts val="0"/>
                 </a:spcBef>
@@ -2996,9 +3072,6 @@
                 </a:spcAft>
                 <a:buNone/>
               </a:pPr>
-              <a:r>
-                <a:t/>
-              </a:r>
               <a:endParaRPr/>
             </a:p>
           </p:txBody>
@@ -3025,12 +3098,12 @@
             </a:ln>
           </p:spPr>
           <p:txBody>
-            <a:bodyPr anchorCtr="0" anchor="ctr" bIns="91425" lIns="91425" spcFirstLastPara="1" rIns="91425" wrap="square" tIns="91425">
+            <a:bodyPr spcFirstLastPara="1" wrap="square" lIns="91425" tIns="91425" rIns="91425" bIns="91425" anchor="ctr" anchorCtr="0">
               <a:noAutofit/>
             </a:bodyPr>
             <a:lstStyle/>
             <a:p>
-              <a:pPr indent="0" lvl="0" marL="0" rtl="0" algn="l">
+              <a:pPr marL="0" lvl="0" indent="0" algn="l" rtl="0">
                 <a:spcBef>
                   <a:spcPts val="0"/>
                 </a:spcBef>
@@ -3039,9 +3112,6 @@
                 </a:spcAft>
                 <a:buNone/>
               </a:pPr>
-              <a:r>
-                <a:t/>
-              </a:r>
               <a:endParaRPr/>
             </a:p>
           </p:txBody>
@@ -3068,12 +3138,12 @@
             </a:ln>
           </p:spPr>
           <p:txBody>
-            <a:bodyPr anchorCtr="0" anchor="ctr" bIns="91425" lIns="91425" spcFirstLastPara="1" rIns="91425" wrap="square" tIns="91425">
+            <a:bodyPr spcFirstLastPara="1" wrap="square" lIns="91425" tIns="91425" rIns="91425" bIns="91425" anchor="ctr" anchorCtr="0">
               <a:noAutofit/>
             </a:bodyPr>
             <a:lstStyle/>
             <a:p>
-              <a:pPr indent="0" lvl="0" marL="0" rtl="0" algn="l">
+              <a:pPr marL="0" lvl="0" indent="0" algn="l" rtl="0">
                 <a:spcBef>
                   <a:spcPts val="0"/>
                 </a:spcBef>
@@ -3082,9 +3152,6 @@
                 </a:spcAft>
                 <a:buNone/>
               </a:pPr>
-              <a:r>
-                <a:t/>
-              </a:r>
               <a:endParaRPr/>
             </a:p>
           </p:txBody>
@@ -3093,9 +3160,11 @@
       <p:sp>
         <p:nvSpPr>
           <p:cNvPr id="76" name="Google Shape;76;p11"/>
-          <p:cNvSpPr txBox="1"/>
+          <p:cNvSpPr txBox="1">
+            <a:spLocks noGrp="1"/>
+          </p:cNvSpPr>
           <p:nvPr>
-            <p:ph hasCustomPrompt="1" type="title"/>
+            <p:ph type="title" hasCustomPrompt="1"/>
           </p:nvPr>
         </p:nvSpPr>
         <p:spPr>
@@ -3108,7 +3177,7 @@
           </a:prstGeom>
         </p:spPr>
         <p:txBody>
-          <a:bodyPr anchorCtr="0" anchor="b" bIns="91425" lIns="91425" spcFirstLastPara="1" rIns="91425" wrap="square" tIns="91425">
+          <a:bodyPr spcFirstLastPara="1" wrap="square" lIns="91425" tIns="91425" rIns="91425" bIns="91425" anchor="b" anchorCtr="0">
             <a:noAutofit/>
           </a:bodyPr>
           <a:lstStyle>
@@ -3285,9 +3354,11 @@
       <p:sp>
         <p:nvSpPr>
           <p:cNvPr id="77" name="Google Shape;77;p11"/>
-          <p:cNvSpPr txBox="1"/>
+          <p:cNvSpPr txBox="1">
+            <a:spLocks noGrp="1"/>
+          </p:cNvSpPr>
           <p:nvPr>
-            <p:ph idx="1" type="body"/>
+            <p:ph type="body" idx="1"/>
           </p:nvPr>
         </p:nvSpPr>
         <p:spPr>
@@ -3300,11 +3371,11 @@
           </a:prstGeom>
         </p:spPr>
         <p:txBody>
-          <a:bodyPr anchorCtr="0" anchor="t" bIns="91425" lIns="91425" spcFirstLastPara="1" rIns="91425" wrap="square" tIns="91425">
+          <a:bodyPr spcFirstLastPara="1" wrap="square" lIns="91425" tIns="91425" rIns="91425" bIns="91425" anchor="t" anchorCtr="0">
             <a:noAutofit/>
           </a:bodyPr>
           <a:lstStyle>
-            <a:lvl1pPr indent="-342900" lvl="0" marL="457200" algn="ctr">
+            <a:lvl1pPr marL="457200" lvl="0" indent="-342900" algn="ctr">
               <a:spcBef>
                 <a:spcPts val="0"/>
               </a:spcBef>
@@ -3322,7 +3393,7 @@
                 </a:solidFill>
               </a:defRPr>
             </a:lvl1pPr>
-            <a:lvl2pPr indent="-317500" lvl="1" marL="914400" algn="ctr">
+            <a:lvl2pPr marL="914400" lvl="1" indent="-317500" algn="ctr">
               <a:spcBef>
                 <a:spcPts val="1600"/>
               </a:spcBef>
@@ -3340,7 +3411,7 @@
                 </a:solidFill>
               </a:defRPr>
             </a:lvl2pPr>
-            <a:lvl3pPr indent="-317500" lvl="2" marL="1371600" algn="ctr">
+            <a:lvl3pPr marL="1371600" lvl="2" indent="-317500" algn="ctr">
               <a:spcBef>
                 <a:spcPts val="1600"/>
               </a:spcBef>
@@ -3358,7 +3429,7 @@
                 </a:solidFill>
               </a:defRPr>
             </a:lvl3pPr>
-            <a:lvl4pPr indent="-317500" lvl="3" marL="1828800" algn="ctr">
+            <a:lvl4pPr marL="1828800" lvl="3" indent="-317500" algn="ctr">
               <a:spcBef>
                 <a:spcPts val="1600"/>
               </a:spcBef>
@@ -3376,7 +3447,7 @@
                 </a:solidFill>
               </a:defRPr>
             </a:lvl4pPr>
-            <a:lvl5pPr indent="-317500" lvl="4" marL="2286000" algn="ctr">
+            <a:lvl5pPr marL="2286000" lvl="4" indent="-317500" algn="ctr">
               <a:spcBef>
                 <a:spcPts val="1600"/>
               </a:spcBef>
@@ -3394,7 +3465,7 @@
                 </a:solidFill>
               </a:defRPr>
             </a:lvl5pPr>
-            <a:lvl6pPr indent="-317500" lvl="5" marL="2743200" algn="ctr">
+            <a:lvl6pPr marL="2743200" lvl="5" indent="-317500" algn="ctr">
               <a:spcBef>
                 <a:spcPts val="1600"/>
               </a:spcBef>
@@ -3412,7 +3483,7 @@
                 </a:solidFill>
               </a:defRPr>
             </a:lvl6pPr>
-            <a:lvl7pPr indent="-317500" lvl="6" marL="3200400" algn="ctr">
+            <a:lvl7pPr marL="3200400" lvl="6" indent="-317500" algn="ctr">
               <a:spcBef>
                 <a:spcPts val="1600"/>
               </a:spcBef>
@@ -3430,7 +3501,7 @@
                 </a:solidFill>
               </a:defRPr>
             </a:lvl7pPr>
-            <a:lvl8pPr indent="-317500" lvl="7" marL="3657600" algn="ctr">
+            <a:lvl8pPr marL="3657600" lvl="7" indent="-317500" algn="ctr">
               <a:spcBef>
                 <a:spcPts val="1600"/>
               </a:spcBef>
@@ -3448,7 +3519,7 @@
                 </a:solidFill>
               </a:defRPr>
             </a:lvl8pPr>
-            <a:lvl9pPr indent="-317500" lvl="8" marL="4114800" algn="ctr">
+            <a:lvl9pPr marL="4114800" lvl="8" indent="-317500" algn="ctr">
               <a:spcBef>
                 <a:spcPts val="1600"/>
               </a:spcBef>
@@ -3467,15 +3538,19 @@
               </a:defRPr>
             </a:lvl9pPr>
           </a:lstStyle>
-          <a:p/>
+          <a:p>
+            <a:endParaRPr/>
+          </a:p>
         </p:txBody>
       </p:sp>
       <p:sp>
         <p:nvSpPr>
           <p:cNvPr id="78" name="Google Shape;78;p11"/>
-          <p:cNvSpPr txBox="1"/>
+          <p:cNvSpPr txBox="1">
+            <a:spLocks noGrp="1"/>
+          </p:cNvSpPr>
           <p:nvPr>
-            <p:ph idx="12" type="sldNum"/>
+            <p:ph type="sldNum" idx="12"/>
           </p:nvPr>
         </p:nvSpPr>
         <p:spPr>
@@ -3488,7 +3563,7 @@
           </a:prstGeom>
         </p:spPr>
         <p:txBody>
-          <a:bodyPr anchorCtr="0" anchor="ctr" bIns="91425" lIns="91425" spcFirstLastPara="1" rIns="91425" wrap="square" tIns="91425">
+          <a:bodyPr spcFirstLastPara="1" wrap="square" lIns="91425" tIns="91425" rIns="91425" bIns="91425" anchor="ctr" anchorCtr="0">
             <a:noAutofit/>
           </a:bodyPr>
           <a:lstStyle>
@@ -3530,7 +3605,7 @@
             </a:lvl9pPr>
           </a:lstStyle>
           <a:p>
-            <a:pPr indent="0" lvl="0" marL="0" rtl="0" algn="r">
+            <a:pPr marL="0" lvl="0" indent="0" algn="r" rtl="0">
               <a:spcBef>
                 <a:spcPts val="0"/>
               </a:spcBef>
@@ -3556,11 +3631,11 @@
 </file>
 
 <file path=ppt/slideLayouts/slideLayout11.xml><?xml version="1.0" encoding="utf-8"?>
-<p:sldLayout xmlns:a="http://schemas.openxmlformats.org/drawingml/2006/main" xmlns:r="http://schemas.openxmlformats.org/officeDocument/2006/relationships" xmlns:mc="http://schemas.openxmlformats.org/markup-compatibility/2006" xmlns:mv="urn:schemas-microsoft-com:mac:vml" xmlns:p="http://schemas.openxmlformats.org/presentationml/2006/main" xmlns:c="http://schemas.openxmlformats.org/drawingml/2006/chart" xmlns:dgm="http://schemas.openxmlformats.org/drawingml/2006/diagram" xmlns:o="urn:schemas-microsoft-com:office:office" xmlns:v="urn:schemas-microsoft-com:vml" xmlns:pvml="urn:schemas-microsoft-com:office:powerpoint" xmlns:com="http://schemas.openxmlformats.org/drawingml/2006/compatibility" xmlns:p14="http://schemas.microsoft.com/office/powerpoint/2010/main" xmlns:p15="http://schemas.microsoft.com/office/powerpoint/2012/main" xmlns:ahyp="http://schemas.microsoft.com/office/drawing/2018/hyperlinkcolor" matchingName="Blank" type="blank">
+<p:sldLayout xmlns:a="http://schemas.openxmlformats.org/drawingml/2006/main" xmlns:r="http://schemas.openxmlformats.org/officeDocument/2006/relationships" xmlns:p="http://schemas.openxmlformats.org/presentationml/2006/main" matchingName="Blank" type="blank">
   <p:cSld name="BLANK">
     <p:spTree>
       <p:nvGrpSpPr>
-        <p:cNvPr id="79" name="Shape 79"/>
+        <p:cNvPr id="1" name="Shape 79"/>
         <p:cNvGrpSpPr/>
         <p:nvPr/>
       </p:nvGrpSpPr>
@@ -3575,9 +3650,11 @@
       <p:sp>
         <p:nvSpPr>
           <p:cNvPr id="80" name="Google Shape;80;p12"/>
-          <p:cNvSpPr txBox="1"/>
+          <p:cNvSpPr txBox="1">
+            <a:spLocks noGrp="1"/>
+          </p:cNvSpPr>
           <p:nvPr>
-            <p:ph idx="12" type="sldNum"/>
+            <p:ph type="sldNum" idx="12"/>
           </p:nvPr>
         </p:nvSpPr>
         <p:spPr>
@@ -3590,7 +3667,7 @@
           </a:prstGeom>
         </p:spPr>
         <p:txBody>
-          <a:bodyPr anchorCtr="0" anchor="ctr" bIns="91425" lIns="91425" spcFirstLastPara="1" rIns="91425" wrap="square" tIns="91425">
+          <a:bodyPr spcFirstLastPara="1" wrap="square" lIns="91425" tIns="91425" rIns="91425" bIns="91425" anchor="ctr" anchorCtr="0">
             <a:noAutofit/>
           </a:bodyPr>
           <a:lstStyle>
@@ -3668,7 +3745,7 @@
             </a:lvl9pPr>
           </a:lstStyle>
           <a:p>
-            <a:pPr indent="0" lvl="0" marL="0" rtl="0" algn="r">
+            <a:pPr marL="0" lvl="0" indent="0" algn="r" rtl="0">
               <a:spcBef>
                 <a:spcPts val="0"/>
               </a:spcBef>
@@ -3694,18 +3771,19 @@
 </file>
 
 <file path=ppt/slideLayouts/slideLayout2.xml><?xml version="1.0" encoding="utf-8"?>
-<p:sldLayout xmlns:a="http://schemas.openxmlformats.org/drawingml/2006/main" xmlns:r="http://schemas.openxmlformats.org/officeDocument/2006/relationships" xmlns:mc="http://schemas.openxmlformats.org/markup-compatibility/2006" xmlns:mv="urn:schemas-microsoft-com:mac:vml" xmlns:p="http://schemas.openxmlformats.org/presentationml/2006/main" xmlns:c="http://schemas.openxmlformats.org/drawingml/2006/chart" xmlns:dgm="http://schemas.openxmlformats.org/drawingml/2006/diagram" xmlns:o="urn:schemas-microsoft-com:office:office" xmlns:v="urn:schemas-microsoft-com:vml" xmlns:pvml="urn:schemas-microsoft-com:office:powerpoint" xmlns:com="http://schemas.openxmlformats.org/drawingml/2006/compatibility" xmlns:p14="http://schemas.microsoft.com/office/powerpoint/2010/main" xmlns:p15="http://schemas.microsoft.com/office/powerpoint/2012/main" xmlns:ahyp="http://schemas.microsoft.com/office/drawing/2018/hyperlinkcolor" matchingName="Section header" type="secHead">
+<p:sldLayout xmlns:a="http://schemas.openxmlformats.org/drawingml/2006/main" xmlns:r="http://schemas.openxmlformats.org/officeDocument/2006/relationships" xmlns:p="http://schemas.openxmlformats.org/presentationml/2006/main" matchingName="Section header" type="secHead">
   <p:cSld name="SECTION_HEADER">
     <p:bg>
       <p:bgPr>
         <a:solidFill>
           <a:schemeClr val="dk1"/>
         </a:solidFill>
+        <a:effectLst/>
       </p:bgPr>
     </p:bg>
     <p:spTree>
       <p:nvGrpSpPr>
-        <p:cNvPr id="19" name="Shape 19"/>
+        <p:cNvPr id="1" name="Shape 19"/>
         <p:cNvGrpSpPr/>
         <p:nvPr/>
       </p:nvGrpSpPr>
@@ -3753,12 +3831,12 @@
             </a:ln>
           </p:spPr>
           <p:txBody>
-            <a:bodyPr anchorCtr="0" anchor="ctr" bIns="91425" lIns="91425" spcFirstLastPara="1" rIns="91425" wrap="square" tIns="91425">
+            <a:bodyPr spcFirstLastPara="1" wrap="square" lIns="91425" tIns="91425" rIns="91425" bIns="91425" anchor="ctr" anchorCtr="0">
               <a:noAutofit/>
             </a:bodyPr>
             <a:lstStyle/>
             <a:p>
-              <a:pPr indent="0" lvl="0" marL="0" rtl="0" algn="l">
+              <a:pPr marL="0" lvl="0" indent="0" algn="l" rtl="0">
                 <a:spcBef>
                   <a:spcPts val="0"/>
                 </a:spcBef>
@@ -3767,9 +3845,6 @@
                 </a:spcAft>
                 <a:buNone/>
               </a:pPr>
-              <a:r>
-                <a:t/>
-              </a:r>
               <a:endParaRPr/>
             </a:p>
           </p:txBody>
@@ -3796,12 +3871,12 @@
             </a:ln>
           </p:spPr>
           <p:txBody>
-            <a:bodyPr anchorCtr="0" anchor="ctr" bIns="91425" lIns="91425" spcFirstLastPara="1" rIns="91425" wrap="square" tIns="91425">
+            <a:bodyPr spcFirstLastPara="1" wrap="square" lIns="91425" tIns="91425" rIns="91425" bIns="91425" anchor="ctr" anchorCtr="0">
               <a:noAutofit/>
             </a:bodyPr>
             <a:lstStyle/>
             <a:p>
-              <a:pPr indent="0" lvl="0" marL="0" rtl="0" algn="l">
+              <a:pPr marL="0" lvl="0" indent="0" algn="l" rtl="0">
                 <a:spcBef>
                   <a:spcPts val="0"/>
                 </a:spcBef>
@@ -3810,9 +3885,6 @@
                 </a:spcAft>
                 <a:buNone/>
               </a:pPr>
-              <a:r>
-                <a:t/>
-              </a:r>
               <a:endParaRPr/>
             </a:p>
           </p:txBody>
@@ -3824,7 +3896,7 @@
             <p:nvPr/>
           </p:nvSpPr>
           <p:spPr>
-            <a:xfrm flipH="1" rot="10800000">
+            <a:xfrm rot="10800000" flipH="1">
               <a:off x="7113588" y="107"/>
               <a:ext cx="1015200" cy="1015200"/>
             </a:xfrm>
@@ -3839,12 +3911,12 @@
             </a:ln>
           </p:spPr>
           <p:txBody>
-            <a:bodyPr anchorCtr="0" anchor="ctr" bIns="91425" lIns="91425" spcFirstLastPara="1" rIns="91425" wrap="square" tIns="91425">
+            <a:bodyPr spcFirstLastPara="1" wrap="square" lIns="91425" tIns="91425" rIns="91425" bIns="91425" anchor="ctr" anchorCtr="0">
               <a:noAutofit/>
             </a:bodyPr>
             <a:lstStyle/>
             <a:p>
-              <a:pPr indent="0" lvl="0" marL="0" rtl="0" algn="l">
+              <a:pPr marL="0" lvl="0" indent="0" algn="l" rtl="0">
                 <a:spcBef>
                   <a:spcPts val="0"/>
                 </a:spcBef>
@@ -3853,9 +3925,6 @@
                 </a:spcAft>
                 <a:buNone/>
               </a:pPr>
-              <a:r>
-                <a:t/>
-              </a:r>
               <a:endParaRPr/>
             </a:p>
           </p:txBody>
@@ -3882,12 +3951,12 @@
             </a:ln>
           </p:spPr>
           <p:txBody>
-            <a:bodyPr anchorCtr="0" anchor="ctr" bIns="91425" lIns="91425" spcFirstLastPara="1" rIns="91425" wrap="square" tIns="91425">
+            <a:bodyPr spcFirstLastPara="1" wrap="square" lIns="91425" tIns="91425" rIns="91425" bIns="91425" anchor="ctr" anchorCtr="0">
               <a:noAutofit/>
             </a:bodyPr>
             <a:lstStyle/>
             <a:p>
-              <a:pPr indent="0" lvl="0" marL="0" rtl="0" algn="l">
+              <a:pPr marL="0" lvl="0" indent="0" algn="l" rtl="0">
                 <a:spcBef>
                   <a:spcPts val="0"/>
                 </a:spcBef>
@@ -3896,9 +3965,6 @@
                 </a:spcAft>
                 <a:buNone/>
               </a:pPr>
-              <a:r>
-                <a:t/>
-              </a:r>
               <a:endParaRPr/>
             </a:p>
           </p:txBody>
@@ -3925,12 +3991,12 @@
             </a:ln>
           </p:spPr>
           <p:txBody>
-            <a:bodyPr anchorCtr="0" anchor="ctr" bIns="91425" lIns="91425" spcFirstLastPara="1" rIns="91425" wrap="square" tIns="91425">
+            <a:bodyPr spcFirstLastPara="1" wrap="square" lIns="91425" tIns="91425" rIns="91425" bIns="91425" anchor="ctr" anchorCtr="0">
               <a:noAutofit/>
             </a:bodyPr>
             <a:lstStyle/>
             <a:p>
-              <a:pPr indent="0" lvl="0" marL="0" rtl="0" algn="l">
+              <a:pPr marL="0" lvl="0" indent="0" algn="l" rtl="0">
                 <a:spcBef>
                   <a:spcPts val="0"/>
                 </a:spcBef>
@@ -3939,9 +4005,6 @@
                 </a:spcAft>
                 <a:buNone/>
               </a:pPr>
-              <a:r>
-                <a:t/>
-              </a:r>
               <a:endParaRPr/>
             </a:p>
           </p:txBody>
@@ -3950,7 +4013,9 @@
       <p:sp>
         <p:nvSpPr>
           <p:cNvPr id="26" name="Google Shape;26;p3"/>
-          <p:cNvSpPr txBox="1"/>
+          <p:cNvSpPr txBox="1">
+            <a:spLocks noGrp="1"/>
+          </p:cNvSpPr>
           <p:nvPr>
             <p:ph type="title"/>
           </p:nvPr>
@@ -3965,7 +4030,7 @@
           </a:prstGeom>
         </p:spPr>
         <p:txBody>
-          <a:bodyPr anchorCtr="0" anchor="ctr" bIns="91425" lIns="91425" spcFirstLastPara="1" rIns="91425" wrap="square" tIns="91425">
+          <a:bodyPr spcFirstLastPara="1" wrap="square" lIns="91425" tIns="91425" rIns="91425" bIns="91425" anchor="ctr" anchorCtr="0">
             <a:noAutofit/>
           </a:bodyPr>
           <a:lstStyle>
@@ -4132,15 +4197,19 @@
               </a:defRPr>
             </a:lvl9pPr>
           </a:lstStyle>
-          <a:p/>
+          <a:p>
+            <a:endParaRPr/>
+          </a:p>
         </p:txBody>
       </p:sp>
       <p:sp>
         <p:nvSpPr>
           <p:cNvPr id="27" name="Google Shape;27;p3"/>
-          <p:cNvSpPr txBox="1"/>
+          <p:cNvSpPr txBox="1">
+            <a:spLocks noGrp="1"/>
+          </p:cNvSpPr>
           <p:nvPr>
-            <p:ph idx="12" type="sldNum"/>
+            <p:ph type="sldNum" idx="12"/>
           </p:nvPr>
         </p:nvSpPr>
         <p:spPr>
@@ -4153,7 +4222,7 @@
           </a:prstGeom>
         </p:spPr>
         <p:txBody>
-          <a:bodyPr anchorCtr="0" anchor="ctr" bIns="91425" lIns="91425" spcFirstLastPara="1" rIns="91425" wrap="square" tIns="91425">
+          <a:bodyPr spcFirstLastPara="1" wrap="square" lIns="91425" tIns="91425" rIns="91425" bIns="91425" anchor="ctr" anchorCtr="0">
             <a:noAutofit/>
           </a:bodyPr>
           <a:lstStyle>
@@ -4195,7 +4264,7 @@
             </a:lvl9pPr>
           </a:lstStyle>
           <a:p>
-            <a:pPr indent="0" lvl="0" marL="0" rtl="0" algn="r">
+            <a:pPr marL="0" lvl="0" indent="0" algn="r" rtl="0">
               <a:spcBef>
                 <a:spcPts val="0"/>
               </a:spcBef>
@@ -4221,11 +4290,11 @@
 </file>
 
 <file path=ppt/slideLayouts/slideLayout3.xml><?xml version="1.0" encoding="utf-8"?>
-<p:sldLayout xmlns:a="http://schemas.openxmlformats.org/drawingml/2006/main" xmlns:r="http://schemas.openxmlformats.org/officeDocument/2006/relationships" xmlns:mc="http://schemas.openxmlformats.org/markup-compatibility/2006" xmlns:mv="urn:schemas-microsoft-com:mac:vml" xmlns:p="http://schemas.openxmlformats.org/presentationml/2006/main" xmlns:c="http://schemas.openxmlformats.org/drawingml/2006/chart" xmlns:dgm="http://schemas.openxmlformats.org/drawingml/2006/diagram" xmlns:o="urn:schemas-microsoft-com:office:office" xmlns:v="urn:schemas-microsoft-com:vml" xmlns:pvml="urn:schemas-microsoft-com:office:powerpoint" xmlns:com="http://schemas.openxmlformats.org/drawingml/2006/compatibility" xmlns:p14="http://schemas.microsoft.com/office/powerpoint/2010/main" xmlns:p15="http://schemas.microsoft.com/office/powerpoint/2012/main" xmlns:ahyp="http://schemas.microsoft.com/office/drawing/2018/hyperlinkcolor" matchingName="Title and body" type="tx">
+<p:sldLayout xmlns:a="http://schemas.openxmlformats.org/drawingml/2006/main" xmlns:r="http://schemas.openxmlformats.org/officeDocument/2006/relationships" xmlns:p="http://schemas.openxmlformats.org/presentationml/2006/main" matchingName="Title and body" type="tx">
   <p:cSld name="TITLE_AND_BODY">
     <p:spTree>
       <p:nvGrpSpPr>
-        <p:cNvPr id="28" name="Shape 28"/>
+        <p:cNvPr id="1" name="Shape 28"/>
         <p:cNvGrpSpPr/>
         <p:nvPr/>
       </p:nvGrpSpPr>
@@ -4273,12 +4342,12 @@
             </a:ln>
           </p:spPr>
           <p:txBody>
-            <a:bodyPr anchorCtr="0" anchor="ctr" bIns="91425" lIns="91425" spcFirstLastPara="1" rIns="91425" wrap="square" tIns="91425">
+            <a:bodyPr spcFirstLastPara="1" wrap="square" lIns="91425" tIns="91425" rIns="91425" bIns="91425" anchor="ctr" anchorCtr="0">
               <a:noAutofit/>
             </a:bodyPr>
             <a:lstStyle/>
             <a:p>
-              <a:pPr indent="0" lvl="0" marL="0" rtl="0" algn="l">
+              <a:pPr marL="0" lvl="0" indent="0" algn="l" rtl="0">
                 <a:spcBef>
                   <a:spcPts val="0"/>
                 </a:spcBef>
@@ -4287,9 +4356,6 @@
                 </a:spcAft>
                 <a:buNone/>
               </a:pPr>
-              <a:r>
-                <a:t/>
-              </a:r>
               <a:endParaRPr/>
             </a:p>
           </p:txBody>
@@ -4316,12 +4382,12 @@
             </a:ln>
           </p:spPr>
           <p:txBody>
-            <a:bodyPr anchorCtr="0" anchor="ctr" bIns="91425" lIns="91425" spcFirstLastPara="1" rIns="91425" wrap="square" tIns="91425">
+            <a:bodyPr spcFirstLastPara="1" wrap="square" lIns="91425" tIns="91425" rIns="91425" bIns="91425" anchor="ctr" anchorCtr="0">
               <a:noAutofit/>
             </a:bodyPr>
             <a:lstStyle/>
             <a:p>
-              <a:pPr indent="0" lvl="0" marL="0" rtl="0" algn="l">
+              <a:pPr marL="0" lvl="0" indent="0" algn="l" rtl="0">
                 <a:spcBef>
                   <a:spcPts val="0"/>
                 </a:spcBef>
@@ -4330,9 +4396,6 @@
                 </a:spcAft>
                 <a:buNone/>
               </a:pPr>
-              <a:r>
-                <a:t/>
-              </a:r>
               <a:endParaRPr/>
             </a:p>
           </p:txBody>
@@ -4359,12 +4422,12 @@
             </a:ln>
           </p:spPr>
           <p:txBody>
-            <a:bodyPr anchorCtr="0" anchor="ctr" bIns="91425" lIns="91425" spcFirstLastPara="1" rIns="91425" wrap="square" tIns="91425">
+            <a:bodyPr spcFirstLastPara="1" wrap="square" lIns="91425" tIns="91425" rIns="91425" bIns="91425" anchor="ctr" anchorCtr="0">
               <a:noAutofit/>
             </a:bodyPr>
             <a:lstStyle/>
             <a:p>
-              <a:pPr indent="0" lvl="0" marL="0" rtl="0" algn="l">
+              <a:pPr marL="0" lvl="0" indent="0" algn="l" rtl="0">
                 <a:spcBef>
                   <a:spcPts val="0"/>
                 </a:spcBef>
@@ -4373,9 +4436,6 @@
                 </a:spcAft>
                 <a:buNone/>
               </a:pPr>
-              <a:r>
-                <a:t/>
-              </a:r>
               <a:endParaRPr/>
             </a:p>
           </p:txBody>
@@ -4402,12 +4462,12 @@
             </a:ln>
           </p:spPr>
           <p:txBody>
-            <a:bodyPr anchorCtr="0" anchor="ctr" bIns="91425" lIns="91425" spcFirstLastPara="1" rIns="91425" wrap="square" tIns="91425">
+            <a:bodyPr spcFirstLastPara="1" wrap="square" lIns="91425" tIns="91425" rIns="91425" bIns="91425" anchor="ctr" anchorCtr="0">
               <a:noAutofit/>
             </a:bodyPr>
             <a:lstStyle/>
             <a:p>
-              <a:pPr indent="0" lvl="0" marL="0" rtl="0" algn="l">
+              <a:pPr marL="0" lvl="0" indent="0" algn="l" rtl="0">
                 <a:spcBef>
                   <a:spcPts val="0"/>
                 </a:spcBef>
@@ -4416,9 +4476,6 @@
                 </a:spcAft>
                 <a:buNone/>
               </a:pPr>
-              <a:r>
-                <a:t/>
-              </a:r>
               <a:endParaRPr/>
             </a:p>
           </p:txBody>
@@ -4445,12 +4502,12 @@
             </a:ln>
           </p:spPr>
           <p:txBody>
-            <a:bodyPr anchorCtr="0" anchor="ctr" bIns="91425" lIns="91425" spcFirstLastPara="1" rIns="91425" wrap="square" tIns="91425">
+            <a:bodyPr spcFirstLastPara="1" wrap="square" lIns="91425" tIns="91425" rIns="91425" bIns="91425" anchor="ctr" anchorCtr="0">
               <a:noAutofit/>
             </a:bodyPr>
             <a:lstStyle/>
             <a:p>
-              <a:pPr indent="0" lvl="0" marL="0" rtl="0" algn="l">
+              <a:pPr marL="0" lvl="0" indent="0" algn="l" rtl="0">
                 <a:spcBef>
                   <a:spcPts val="0"/>
                 </a:spcBef>
@@ -4459,9 +4516,6 @@
                 </a:spcAft>
                 <a:buNone/>
               </a:pPr>
-              <a:r>
-                <a:t/>
-              </a:r>
               <a:endParaRPr/>
             </a:p>
           </p:txBody>
@@ -4470,7 +4524,9 @@
       <p:sp>
         <p:nvSpPr>
           <p:cNvPr id="35" name="Google Shape;35;p4"/>
-          <p:cNvSpPr txBox="1"/>
+          <p:cNvSpPr txBox="1">
+            <a:spLocks noGrp="1"/>
+          </p:cNvSpPr>
           <p:nvPr>
             <p:ph type="title"/>
           </p:nvPr>
@@ -4485,7 +4541,7 @@
           </a:prstGeom>
         </p:spPr>
         <p:txBody>
-          <a:bodyPr anchorCtr="0" anchor="t" bIns="91425" lIns="91425" spcFirstLastPara="1" rIns="91425" wrap="square" tIns="91425">
+          <a:bodyPr spcFirstLastPara="1" wrap="square" lIns="91425" tIns="91425" rIns="91425" bIns="91425" anchor="t" anchorCtr="0">
             <a:noAutofit/>
           </a:bodyPr>
           <a:lstStyle>
@@ -4589,15 +4645,19 @@
               <a:defRPr/>
             </a:lvl9pPr>
           </a:lstStyle>
-          <a:p/>
+          <a:p>
+            <a:endParaRPr/>
+          </a:p>
         </p:txBody>
       </p:sp>
       <p:sp>
         <p:nvSpPr>
           <p:cNvPr id="36" name="Google Shape;36;p4"/>
-          <p:cNvSpPr txBox="1"/>
+          <p:cNvSpPr txBox="1">
+            <a:spLocks noGrp="1"/>
+          </p:cNvSpPr>
           <p:nvPr>
-            <p:ph idx="1" type="body"/>
+            <p:ph type="body" idx="1"/>
           </p:nvPr>
         </p:nvSpPr>
         <p:spPr>
@@ -4610,11 +4670,11 @@
           </a:prstGeom>
         </p:spPr>
         <p:txBody>
-          <a:bodyPr anchorCtr="0" anchor="t" bIns="91425" lIns="91425" spcFirstLastPara="1" rIns="91425" wrap="square" tIns="91425">
+          <a:bodyPr spcFirstLastPara="1" wrap="square" lIns="91425" tIns="91425" rIns="91425" bIns="91425" anchor="t" anchorCtr="0">
             <a:noAutofit/>
           </a:bodyPr>
           <a:lstStyle>
-            <a:lvl1pPr indent="-342900" lvl="0" marL="457200">
+            <a:lvl1pPr marL="457200" lvl="0" indent="-342900">
               <a:spcBef>
                 <a:spcPts val="0"/>
               </a:spcBef>
@@ -4625,7 +4685,7 @@
               <a:buChar char="●"/>
               <a:defRPr/>
             </a:lvl1pPr>
-            <a:lvl2pPr indent="-317500" lvl="1" marL="914400">
+            <a:lvl2pPr marL="914400" lvl="1" indent="-317500">
               <a:spcBef>
                 <a:spcPts val="1600"/>
               </a:spcBef>
@@ -4636,7 +4696,7 @@
               <a:buChar char="○"/>
               <a:defRPr/>
             </a:lvl2pPr>
-            <a:lvl3pPr indent="-317500" lvl="2" marL="1371600">
+            <a:lvl3pPr marL="1371600" lvl="2" indent="-317500">
               <a:spcBef>
                 <a:spcPts val="1600"/>
               </a:spcBef>
@@ -4647,7 +4707,7 @@
               <a:buChar char="■"/>
               <a:defRPr/>
             </a:lvl3pPr>
-            <a:lvl4pPr indent="-317500" lvl="3" marL="1828800">
+            <a:lvl4pPr marL="1828800" lvl="3" indent="-317500">
               <a:spcBef>
                 <a:spcPts val="1600"/>
               </a:spcBef>
@@ -4658,7 +4718,7 @@
               <a:buChar char="●"/>
               <a:defRPr/>
             </a:lvl4pPr>
-            <a:lvl5pPr indent="-317500" lvl="4" marL="2286000">
+            <a:lvl5pPr marL="2286000" lvl="4" indent="-317500">
               <a:spcBef>
                 <a:spcPts val="1600"/>
               </a:spcBef>
@@ -4669,7 +4729,7 @@
               <a:buChar char="○"/>
               <a:defRPr/>
             </a:lvl5pPr>
-            <a:lvl6pPr indent="-317500" lvl="5" marL="2743200">
+            <a:lvl6pPr marL="2743200" lvl="5" indent="-317500">
               <a:spcBef>
                 <a:spcPts val="1600"/>
               </a:spcBef>
@@ -4680,7 +4740,7 @@
               <a:buChar char="■"/>
               <a:defRPr/>
             </a:lvl6pPr>
-            <a:lvl7pPr indent="-317500" lvl="6" marL="3200400">
+            <a:lvl7pPr marL="3200400" lvl="6" indent="-317500">
               <a:spcBef>
                 <a:spcPts val="1600"/>
               </a:spcBef>
@@ -4691,7 +4751,7 @@
               <a:buChar char="●"/>
               <a:defRPr/>
             </a:lvl7pPr>
-            <a:lvl8pPr indent="-317500" lvl="7" marL="3657600">
+            <a:lvl8pPr marL="3657600" lvl="7" indent="-317500">
               <a:spcBef>
                 <a:spcPts val="1600"/>
               </a:spcBef>
@@ -4702,7 +4762,7 @@
               <a:buChar char="○"/>
               <a:defRPr/>
             </a:lvl8pPr>
-            <a:lvl9pPr indent="-317500" lvl="8" marL="4114800">
+            <a:lvl9pPr marL="4114800" lvl="8" indent="-317500">
               <a:spcBef>
                 <a:spcPts val="1600"/>
               </a:spcBef>
@@ -4714,15 +4774,19 @@
               <a:defRPr/>
             </a:lvl9pPr>
           </a:lstStyle>
-          <a:p/>
+          <a:p>
+            <a:endParaRPr/>
+          </a:p>
         </p:txBody>
       </p:sp>
       <p:sp>
         <p:nvSpPr>
           <p:cNvPr id="37" name="Google Shape;37;p4"/>
-          <p:cNvSpPr txBox="1"/>
+          <p:cNvSpPr txBox="1">
+            <a:spLocks noGrp="1"/>
+          </p:cNvSpPr>
           <p:nvPr>
-            <p:ph idx="12" type="sldNum"/>
+            <p:ph type="sldNum" idx="12"/>
           </p:nvPr>
         </p:nvSpPr>
         <p:spPr>
@@ -4735,7 +4799,7 @@
           </a:prstGeom>
         </p:spPr>
         <p:txBody>
-          <a:bodyPr anchorCtr="0" anchor="ctr" bIns="91425" lIns="91425" spcFirstLastPara="1" rIns="91425" wrap="square" tIns="91425">
+          <a:bodyPr spcFirstLastPara="1" wrap="square" lIns="91425" tIns="91425" rIns="91425" bIns="91425" anchor="ctr" anchorCtr="0">
             <a:noAutofit/>
           </a:bodyPr>
           <a:lstStyle>
@@ -4777,7 +4841,7 @@
             </a:lvl9pPr>
           </a:lstStyle>
           <a:p>
-            <a:pPr indent="0" lvl="0" marL="0" rtl="0" algn="r">
+            <a:pPr marL="0" lvl="0" indent="0" algn="r" rtl="0">
               <a:spcBef>
                 <a:spcPts val="0"/>
               </a:spcBef>
@@ -4803,11 +4867,11 @@
 </file>
 
 <file path=ppt/slideLayouts/slideLayout4.xml><?xml version="1.0" encoding="utf-8"?>
-<p:sldLayout xmlns:a="http://schemas.openxmlformats.org/drawingml/2006/main" xmlns:r="http://schemas.openxmlformats.org/officeDocument/2006/relationships" xmlns:mc="http://schemas.openxmlformats.org/markup-compatibility/2006" xmlns:mv="urn:schemas-microsoft-com:mac:vml" xmlns:p="http://schemas.openxmlformats.org/presentationml/2006/main" xmlns:c="http://schemas.openxmlformats.org/drawingml/2006/chart" xmlns:dgm="http://schemas.openxmlformats.org/drawingml/2006/diagram" xmlns:o="urn:schemas-microsoft-com:office:office" xmlns:v="urn:schemas-microsoft-com:vml" xmlns:pvml="urn:schemas-microsoft-com:office:powerpoint" xmlns:com="http://schemas.openxmlformats.org/drawingml/2006/compatibility" xmlns:p14="http://schemas.microsoft.com/office/powerpoint/2010/main" xmlns:p15="http://schemas.microsoft.com/office/powerpoint/2012/main" xmlns:ahyp="http://schemas.microsoft.com/office/drawing/2018/hyperlinkcolor" matchingName="Title and two columns" type="twoColTx">
+<p:sldLayout xmlns:a="http://schemas.openxmlformats.org/drawingml/2006/main" xmlns:r="http://schemas.openxmlformats.org/officeDocument/2006/relationships" xmlns:p="http://schemas.openxmlformats.org/presentationml/2006/main" matchingName="Title and two columns" type="twoColTx">
   <p:cSld name="TITLE_AND_TWO_COLUMNS">
     <p:spTree>
       <p:nvGrpSpPr>
-        <p:cNvPr id="38" name="Shape 38"/>
+        <p:cNvPr id="1" name="Shape 38"/>
         <p:cNvGrpSpPr/>
         <p:nvPr/>
       </p:nvGrpSpPr>
@@ -4822,7 +4886,9 @@
       <p:sp>
         <p:nvSpPr>
           <p:cNvPr id="39" name="Google Shape;39;p5"/>
-          <p:cNvSpPr txBox="1"/>
+          <p:cNvSpPr txBox="1">
+            <a:spLocks noGrp="1"/>
+          </p:cNvSpPr>
           <p:nvPr>
             <p:ph type="title"/>
           </p:nvPr>
@@ -4837,7 +4903,7 @@
           </a:prstGeom>
         </p:spPr>
         <p:txBody>
-          <a:bodyPr anchorCtr="0" anchor="t" bIns="91425" lIns="91425" spcFirstLastPara="1" rIns="91425" wrap="square" tIns="91425">
+          <a:bodyPr spcFirstLastPara="1" wrap="square" lIns="91425" tIns="91425" rIns="91425" bIns="91425" anchor="t" anchorCtr="0">
             <a:noAutofit/>
           </a:bodyPr>
           <a:lstStyle>
@@ -4941,15 +5007,19 @@
               <a:defRPr/>
             </a:lvl9pPr>
           </a:lstStyle>
-          <a:p/>
+          <a:p>
+            <a:endParaRPr/>
+          </a:p>
         </p:txBody>
       </p:sp>
       <p:sp>
         <p:nvSpPr>
           <p:cNvPr id="40" name="Google Shape;40;p5"/>
-          <p:cNvSpPr txBox="1"/>
+          <p:cNvSpPr txBox="1">
+            <a:spLocks noGrp="1"/>
+          </p:cNvSpPr>
           <p:nvPr>
-            <p:ph idx="1" type="body"/>
+            <p:ph type="body" idx="1"/>
           </p:nvPr>
         </p:nvSpPr>
         <p:spPr>
@@ -4962,11 +5032,11 @@
           </a:prstGeom>
         </p:spPr>
         <p:txBody>
-          <a:bodyPr anchorCtr="0" anchor="t" bIns="91425" lIns="91425" spcFirstLastPara="1" rIns="91425" wrap="square" tIns="91425">
+          <a:bodyPr spcFirstLastPara="1" wrap="square" lIns="91425" tIns="91425" rIns="91425" bIns="91425" anchor="t" anchorCtr="0">
             <a:noAutofit/>
           </a:bodyPr>
           <a:lstStyle>
-            <a:lvl1pPr indent="-317500" lvl="0" marL="457200">
+            <a:lvl1pPr marL="457200" lvl="0" indent="-317500">
               <a:spcBef>
                 <a:spcPts val="0"/>
               </a:spcBef>
@@ -4977,7 +5047,7 @@
               <a:buChar char="●"/>
               <a:defRPr sz="1400"/>
             </a:lvl1pPr>
-            <a:lvl2pPr indent="-304800" lvl="1" marL="914400">
+            <a:lvl2pPr marL="914400" lvl="1" indent="-304800">
               <a:spcBef>
                 <a:spcPts val="1600"/>
               </a:spcBef>
@@ -4988,7 +5058,7 @@
               <a:buChar char="○"/>
               <a:defRPr sz="1200"/>
             </a:lvl2pPr>
-            <a:lvl3pPr indent="-304800" lvl="2" marL="1371600">
+            <a:lvl3pPr marL="1371600" lvl="2" indent="-304800">
               <a:spcBef>
                 <a:spcPts val="1600"/>
               </a:spcBef>
@@ -4999,7 +5069,7 @@
               <a:buChar char="■"/>
               <a:defRPr sz="1200"/>
             </a:lvl3pPr>
-            <a:lvl4pPr indent="-304800" lvl="3" marL="1828800">
+            <a:lvl4pPr marL="1828800" lvl="3" indent="-304800">
               <a:spcBef>
                 <a:spcPts val="1600"/>
               </a:spcBef>
@@ -5010,7 +5080,7 @@
               <a:buChar char="●"/>
               <a:defRPr sz="1200"/>
             </a:lvl4pPr>
-            <a:lvl5pPr indent="-304800" lvl="4" marL="2286000">
+            <a:lvl5pPr marL="2286000" lvl="4" indent="-304800">
               <a:spcBef>
                 <a:spcPts val="1600"/>
               </a:spcBef>
@@ -5021,7 +5091,7 @@
               <a:buChar char="○"/>
               <a:defRPr sz="1200"/>
             </a:lvl5pPr>
-            <a:lvl6pPr indent="-304800" lvl="5" marL="2743200">
+            <a:lvl6pPr marL="2743200" lvl="5" indent="-304800">
               <a:spcBef>
                 <a:spcPts val="1600"/>
               </a:spcBef>
@@ -5032,7 +5102,7 @@
               <a:buChar char="■"/>
               <a:defRPr sz="1200"/>
             </a:lvl6pPr>
-            <a:lvl7pPr indent="-304800" lvl="6" marL="3200400">
+            <a:lvl7pPr marL="3200400" lvl="6" indent="-304800">
               <a:spcBef>
                 <a:spcPts val="1600"/>
               </a:spcBef>
@@ -5043,7 +5113,7 @@
               <a:buChar char="●"/>
               <a:defRPr sz="1200"/>
             </a:lvl7pPr>
-            <a:lvl8pPr indent="-304800" lvl="7" marL="3657600">
+            <a:lvl8pPr marL="3657600" lvl="7" indent="-304800">
               <a:spcBef>
                 <a:spcPts val="1600"/>
               </a:spcBef>
@@ -5054,7 +5124,7 @@
               <a:buChar char="○"/>
               <a:defRPr sz="1200"/>
             </a:lvl8pPr>
-            <a:lvl9pPr indent="-304800" lvl="8" marL="4114800">
+            <a:lvl9pPr marL="4114800" lvl="8" indent="-304800">
               <a:spcBef>
                 <a:spcPts val="1600"/>
               </a:spcBef>
@@ -5066,15 +5136,19 @@
               <a:defRPr sz="1200"/>
             </a:lvl9pPr>
           </a:lstStyle>
-          <a:p/>
+          <a:p>
+            <a:endParaRPr/>
+          </a:p>
         </p:txBody>
       </p:sp>
       <p:sp>
         <p:nvSpPr>
           <p:cNvPr id="41" name="Google Shape;41;p5"/>
-          <p:cNvSpPr txBox="1"/>
+          <p:cNvSpPr txBox="1">
+            <a:spLocks noGrp="1"/>
+          </p:cNvSpPr>
           <p:nvPr>
-            <p:ph idx="2" type="body"/>
+            <p:ph type="body" idx="2"/>
           </p:nvPr>
         </p:nvSpPr>
         <p:spPr>
@@ -5087,11 +5161,11 @@
           </a:prstGeom>
         </p:spPr>
         <p:txBody>
-          <a:bodyPr anchorCtr="0" anchor="t" bIns="91425" lIns="91425" spcFirstLastPara="1" rIns="91425" wrap="square" tIns="91425">
+          <a:bodyPr spcFirstLastPara="1" wrap="square" lIns="91425" tIns="91425" rIns="91425" bIns="91425" anchor="t" anchorCtr="0">
             <a:noAutofit/>
           </a:bodyPr>
           <a:lstStyle>
-            <a:lvl1pPr indent="-317500" lvl="0" marL="457200">
+            <a:lvl1pPr marL="457200" lvl="0" indent="-317500">
               <a:spcBef>
                 <a:spcPts val="0"/>
               </a:spcBef>
@@ -5102,7 +5176,7 @@
               <a:buChar char="●"/>
               <a:defRPr sz="1400"/>
             </a:lvl1pPr>
-            <a:lvl2pPr indent="-304800" lvl="1" marL="914400">
+            <a:lvl2pPr marL="914400" lvl="1" indent="-304800">
               <a:spcBef>
                 <a:spcPts val="1600"/>
               </a:spcBef>
@@ -5113,7 +5187,7 @@
               <a:buChar char="○"/>
               <a:defRPr sz="1200"/>
             </a:lvl2pPr>
-            <a:lvl3pPr indent="-304800" lvl="2" marL="1371600">
+            <a:lvl3pPr marL="1371600" lvl="2" indent="-304800">
               <a:spcBef>
                 <a:spcPts val="1600"/>
               </a:spcBef>
@@ -5124,7 +5198,7 @@
               <a:buChar char="■"/>
               <a:defRPr sz="1200"/>
             </a:lvl3pPr>
-            <a:lvl4pPr indent="-304800" lvl="3" marL="1828800">
+            <a:lvl4pPr marL="1828800" lvl="3" indent="-304800">
               <a:spcBef>
                 <a:spcPts val="1600"/>
               </a:spcBef>
@@ -5135,7 +5209,7 @@
               <a:buChar char="●"/>
               <a:defRPr sz="1200"/>
             </a:lvl4pPr>
-            <a:lvl5pPr indent="-304800" lvl="4" marL="2286000">
+            <a:lvl5pPr marL="2286000" lvl="4" indent="-304800">
               <a:spcBef>
                 <a:spcPts val="1600"/>
               </a:spcBef>
@@ -5146,7 +5220,7 @@
               <a:buChar char="○"/>
               <a:defRPr sz="1200"/>
             </a:lvl5pPr>
-            <a:lvl6pPr indent="-304800" lvl="5" marL="2743200">
+            <a:lvl6pPr marL="2743200" lvl="5" indent="-304800">
               <a:spcBef>
                 <a:spcPts val="1600"/>
               </a:spcBef>
@@ -5157,7 +5231,7 @@
               <a:buChar char="■"/>
               <a:defRPr sz="1200"/>
             </a:lvl6pPr>
-            <a:lvl7pPr indent="-304800" lvl="6" marL="3200400">
+            <a:lvl7pPr marL="3200400" lvl="6" indent="-304800">
               <a:spcBef>
                 <a:spcPts val="1600"/>
               </a:spcBef>
@@ -5168,7 +5242,7 @@
               <a:buChar char="●"/>
               <a:defRPr sz="1200"/>
             </a:lvl7pPr>
-            <a:lvl8pPr indent="-304800" lvl="7" marL="3657600">
+            <a:lvl8pPr marL="3657600" lvl="7" indent="-304800">
               <a:spcBef>
                 <a:spcPts val="1600"/>
               </a:spcBef>
@@ -5179,7 +5253,7 @@
               <a:buChar char="○"/>
               <a:defRPr sz="1200"/>
             </a:lvl8pPr>
-            <a:lvl9pPr indent="-304800" lvl="8" marL="4114800">
+            <a:lvl9pPr marL="4114800" lvl="8" indent="-304800">
               <a:spcBef>
                 <a:spcPts val="1600"/>
               </a:spcBef>
@@ -5191,15 +5265,19 @@
               <a:defRPr sz="1200"/>
             </a:lvl9pPr>
           </a:lstStyle>
-          <a:p/>
+          <a:p>
+            <a:endParaRPr/>
+          </a:p>
         </p:txBody>
       </p:sp>
       <p:sp>
         <p:nvSpPr>
           <p:cNvPr id="42" name="Google Shape;42;p5"/>
-          <p:cNvSpPr txBox="1"/>
+          <p:cNvSpPr txBox="1">
+            <a:spLocks noGrp="1"/>
+          </p:cNvSpPr>
           <p:nvPr>
-            <p:ph idx="12" type="sldNum"/>
+            <p:ph type="sldNum" idx="12"/>
           </p:nvPr>
         </p:nvSpPr>
         <p:spPr>
@@ -5212,7 +5290,7 @@
           </a:prstGeom>
         </p:spPr>
         <p:txBody>
-          <a:bodyPr anchorCtr="0" anchor="ctr" bIns="91425" lIns="91425" spcFirstLastPara="1" rIns="91425" wrap="square" tIns="91425">
+          <a:bodyPr spcFirstLastPara="1" wrap="square" lIns="91425" tIns="91425" rIns="91425" bIns="91425" anchor="ctr" anchorCtr="0">
             <a:noAutofit/>
           </a:bodyPr>
           <a:lstStyle>
@@ -5290,7 +5368,7 @@
             </a:lvl9pPr>
           </a:lstStyle>
           <a:p>
-            <a:pPr indent="0" lvl="0" marL="0" rtl="0" algn="r">
+            <a:pPr marL="0" lvl="0" indent="0" algn="r" rtl="0">
               <a:spcBef>
                 <a:spcPts val="0"/>
               </a:spcBef>
@@ -5316,11 +5394,11 @@
 </file>
 
 <file path=ppt/slideLayouts/slideLayout5.xml><?xml version="1.0" encoding="utf-8"?>
-<p:sldLayout xmlns:a="http://schemas.openxmlformats.org/drawingml/2006/main" xmlns:r="http://schemas.openxmlformats.org/officeDocument/2006/relationships" xmlns:mc="http://schemas.openxmlformats.org/markup-compatibility/2006" xmlns:mv="urn:schemas-microsoft-com:mac:vml" xmlns:p="http://schemas.openxmlformats.org/presentationml/2006/main" xmlns:c="http://schemas.openxmlformats.org/drawingml/2006/chart" xmlns:dgm="http://schemas.openxmlformats.org/drawingml/2006/diagram" xmlns:o="urn:schemas-microsoft-com:office:office" xmlns:v="urn:schemas-microsoft-com:vml" xmlns:pvml="urn:schemas-microsoft-com:office:powerpoint" xmlns:com="http://schemas.openxmlformats.org/drawingml/2006/compatibility" xmlns:p14="http://schemas.microsoft.com/office/powerpoint/2010/main" xmlns:p15="http://schemas.microsoft.com/office/powerpoint/2012/main" xmlns:ahyp="http://schemas.microsoft.com/office/drawing/2018/hyperlinkcolor" matchingName="Title only" type="titleOnly">
+<p:sldLayout xmlns:a="http://schemas.openxmlformats.org/drawingml/2006/main" xmlns:r="http://schemas.openxmlformats.org/officeDocument/2006/relationships" xmlns:p="http://schemas.openxmlformats.org/presentationml/2006/main" matchingName="Title only" type="titleOnly">
   <p:cSld name="TITLE_ONLY">
     <p:spTree>
       <p:nvGrpSpPr>
-        <p:cNvPr id="43" name="Shape 43"/>
+        <p:cNvPr id="1" name="Shape 43"/>
         <p:cNvGrpSpPr/>
         <p:nvPr/>
       </p:nvGrpSpPr>
@@ -5335,7 +5413,9 @@
       <p:sp>
         <p:nvSpPr>
           <p:cNvPr id="44" name="Google Shape;44;p6"/>
-          <p:cNvSpPr txBox="1"/>
+          <p:cNvSpPr txBox="1">
+            <a:spLocks noGrp="1"/>
+          </p:cNvSpPr>
           <p:nvPr>
             <p:ph type="title"/>
           </p:nvPr>
@@ -5350,7 +5430,7 @@
           </a:prstGeom>
         </p:spPr>
         <p:txBody>
-          <a:bodyPr anchorCtr="0" anchor="t" bIns="91425" lIns="91425" spcFirstLastPara="1" rIns="91425" wrap="square" tIns="91425">
+          <a:bodyPr spcFirstLastPara="1" wrap="square" lIns="91425" tIns="91425" rIns="91425" bIns="91425" anchor="t" anchorCtr="0">
             <a:noAutofit/>
           </a:bodyPr>
           <a:lstStyle>
@@ -5454,15 +5534,19 @@
               <a:defRPr/>
             </a:lvl9pPr>
           </a:lstStyle>
-          <a:p/>
+          <a:p>
+            <a:endParaRPr/>
+          </a:p>
         </p:txBody>
       </p:sp>
       <p:sp>
         <p:nvSpPr>
           <p:cNvPr id="45" name="Google Shape;45;p6"/>
-          <p:cNvSpPr txBox="1"/>
+          <p:cNvSpPr txBox="1">
+            <a:spLocks noGrp="1"/>
+          </p:cNvSpPr>
           <p:nvPr>
-            <p:ph idx="12" type="sldNum"/>
+            <p:ph type="sldNum" idx="12"/>
           </p:nvPr>
         </p:nvSpPr>
         <p:spPr>
@@ -5475,7 +5559,7 @@
           </a:prstGeom>
         </p:spPr>
         <p:txBody>
-          <a:bodyPr anchorCtr="0" anchor="ctr" bIns="91425" lIns="91425" spcFirstLastPara="1" rIns="91425" wrap="square" tIns="91425">
+          <a:bodyPr spcFirstLastPara="1" wrap="square" lIns="91425" tIns="91425" rIns="91425" bIns="91425" anchor="ctr" anchorCtr="0">
             <a:noAutofit/>
           </a:bodyPr>
           <a:lstStyle>
@@ -5553,7 +5637,7 @@
             </a:lvl9pPr>
           </a:lstStyle>
           <a:p>
-            <a:pPr indent="0" lvl="0" marL="0" rtl="0" algn="r">
+            <a:pPr marL="0" lvl="0" indent="0" algn="r" rtl="0">
               <a:spcBef>
                 <a:spcPts val="0"/>
               </a:spcBef>
@@ -5579,11 +5663,11 @@
 </file>
 
 <file path=ppt/slideLayouts/slideLayout6.xml><?xml version="1.0" encoding="utf-8"?>
-<p:sldLayout xmlns:a="http://schemas.openxmlformats.org/drawingml/2006/main" xmlns:r="http://schemas.openxmlformats.org/officeDocument/2006/relationships" xmlns:mc="http://schemas.openxmlformats.org/markup-compatibility/2006" xmlns:mv="urn:schemas-microsoft-com:mac:vml" xmlns:p="http://schemas.openxmlformats.org/presentationml/2006/main" xmlns:c="http://schemas.openxmlformats.org/drawingml/2006/chart" xmlns:dgm="http://schemas.openxmlformats.org/drawingml/2006/diagram" xmlns:o="urn:schemas-microsoft-com:office:office" xmlns:v="urn:schemas-microsoft-com:vml" xmlns:pvml="urn:schemas-microsoft-com:office:powerpoint" xmlns:com="http://schemas.openxmlformats.org/drawingml/2006/compatibility" xmlns:p14="http://schemas.microsoft.com/office/powerpoint/2010/main" xmlns:p15="http://schemas.microsoft.com/office/powerpoint/2012/main" xmlns:ahyp="http://schemas.microsoft.com/office/drawing/2018/hyperlinkcolor" matchingName="One column text">
+<p:sldLayout xmlns:a="http://schemas.openxmlformats.org/drawingml/2006/main" xmlns:r="http://schemas.openxmlformats.org/officeDocument/2006/relationships" xmlns:p="http://schemas.openxmlformats.org/presentationml/2006/main" matchingName="One column text">
   <p:cSld name="ONE_COLUMN_TEXT">
     <p:spTree>
       <p:nvGrpSpPr>
-        <p:cNvPr id="46" name="Shape 46"/>
+        <p:cNvPr id="1" name="Shape 46"/>
         <p:cNvGrpSpPr/>
         <p:nvPr/>
       </p:nvGrpSpPr>
@@ -5598,7 +5682,9 @@
       <p:sp>
         <p:nvSpPr>
           <p:cNvPr id="47" name="Google Shape;47;p7"/>
-          <p:cNvSpPr txBox="1"/>
+          <p:cNvSpPr txBox="1">
+            <a:spLocks noGrp="1"/>
+          </p:cNvSpPr>
           <p:nvPr>
             <p:ph type="title"/>
           </p:nvPr>
@@ -5613,7 +5699,7 @@
           </a:prstGeom>
         </p:spPr>
         <p:txBody>
-          <a:bodyPr anchorCtr="0" anchor="b" bIns="91425" lIns="91425" spcFirstLastPara="1" rIns="91425" wrap="square" tIns="91425">
+          <a:bodyPr spcFirstLastPara="1" wrap="square" lIns="91425" tIns="91425" rIns="91425" bIns="91425" anchor="b" anchorCtr="0">
             <a:noAutofit/>
           </a:bodyPr>
           <a:lstStyle>
@@ -5717,15 +5803,19 @@
               <a:defRPr sz="2400"/>
             </a:lvl9pPr>
           </a:lstStyle>
-          <a:p/>
+          <a:p>
+            <a:endParaRPr/>
+          </a:p>
         </p:txBody>
       </p:sp>
       <p:sp>
         <p:nvSpPr>
           <p:cNvPr id="48" name="Google Shape;48;p7"/>
-          <p:cNvSpPr txBox="1"/>
+          <p:cNvSpPr txBox="1">
+            <a:spLocks noGrp="1"/>
+          </p:cNvSpPr>
           <p:nvPr>
-            <p:ph idx="1" type="body"/>
+            <p:ph type="body" idx="1"/>
           </p:nvPr>
         </p:nvSpPr>
         <p:spPr>
@@ -5738,11 +5828,11 @@
           </a:prstGeom>
         </p:spPr>
         <p:txBody>
-          <a:bodyPr anchorCtr="0" anchor="t" bIns="91425" lIns="91425" spcFirstLastPara="1" rIns="91425" wrap="square" tIns="91425">
+          <a:bodyPr spcFirstLastPara="1" wrap="square" lIns="91425" tIns="91425" rIns="91425" bIns="91425" anchor="t" anchorCtr="0">
             <a:noAutofit/>
           </a:bodyPr>
           <a:lstStyle>
-            <a:lvl1pPr indent="-304800" lvl="0" marL="457200">
+            <a:lvl1pPr marL="457200" lvl="0" indent="-304800">
               <a:spcBef>
                 <a:spcPts val="0"/>
               </a:spcBef>
@@ -5753,7 +5843,7 @@
               <a:buChar char="●"/>
               <a:defRPr sz="1200"/>
             </a:lvl1pPr>
-            <a:lvl2pPr indent="-304800" lvl="1" marL="914400">
+            <a:lvl2pPr marL="914400" lvl="1" indent="-304800">
               <a:spcBef>
                 <a:spcPts val="1600"/>
               </a:spcBef>
@@ -5764,7 +5854,7 @@
               <a:buChar char="○"/>
               <a:defRPr sz="1200"/>
             </a:lvl2pPr>
-            <a:lvl3pPr indent="-304800" lvl="2" marL="1371600">
+            <a:lvl3pPr marL="1371600" lvl="2" indent="-304800">
               <a:spcBef>
                 <a:spcPts val="1600"/>
               </a:spcBef>
@@ -5775,7 +5865,7 @@
               <a:buChar char="■"/>
               <a:defRPr sz="1200"/>
             </a:lvl3pPr>
-            <a:lvl4pPr indent="-304800" lvl="3" marL="1828800">
+            <a:lvl4pPr marL="1828800" lvl="3" indent="-304800">
               <a:spcBef>
                 <a:spcPts val="1600"/>
               </a:spcBef>
@@ -5786,7 +5876,7 @@
               <a:buChar char="●"/>
               <a:defRPr sz="1200"/>
             </a:lvl4pPr>
-            <a:lvl5pPr indent="-304800" lvl="4" marL="2286000">
+            <a:lvl5pPr marL="2286000" lvl="4" indent="-304800">
               <a:spcBef>
                 <a:spcPts val="1600"/>
               </a:spcBef>
@@ -5797,7 +5887,7 @@
               <a:buChar char="○"/>
               <a:defRPr sz="1200"/>
             </a:lvl5pPr>
-            <a:lvl6pPr indent="-304800" lvl="5" marL="2743200">
+            <a:lvl6pPr marL="2743200" lvl="5" indent="-304800">
               <a:spcBef>
                 <a:spcPts val="1600"/>
               </a:spcBef>
@@ -5808,7 +5898,7 @@
               <a:buChar char="■"/>
               <a:defRPr sz="1200"/>
             </a:lvl6pPr>
-            <a:lvl7pPr indent="-304800" lvl="6" marL="3200400">
+            <a:lvl7pPr marL="3200400" lvl="6" indent="-304800">
               <a:spcBef>
                 <a:spcPts val="1600"/>
               </a:spcBef>
@@ -5819,7 +5909,7 @@
               <a:buChar char="●"/>
               <a:defRPr sz="1200"/>
             </a:lvl7pPr>
-            <a:lvl8pPr indent="-304800" lvl="7" marL="3657600">
+            <a:lvl8pPr marL="3657600" lvl="7" indent="-304800">
               <a:spcBef>
                 <a:spcPts val="1600"/>
               </a:spcBef>
@@ -5830,7 +5920,7 @@
               <a:buChar char="○"/>
               <a:defRPr sz="1200"/>
             </a:lvl8pPr>
-            <a:lvl9pPr indent="-304800" lvl="8" marL="4114800">
+            <a:lvl9pPr marL="4114800" lvl="8" indent="-304800">
               <a:spcBef>
                 <a:spcPts val="1600"/>
               </a:spcBef>
@@ -5842,15 +5932,19 @@
               <a:defRPr sz="1200"/>
             </a:lvl9pPr>
           </a:lstStyle>
-          <a:p/>
+          <a:p>
+            <a:endParaRPr/>
+          </a:p>
         </p:txBody>
       </p:sp>
       <p:sp>
         <p:nvSpPr>
           <p:cNvPr id="49" name="Google Shape;49;p7"/>
-          <p:cNvSpPr txBox="1"/>
+          <p:cNvSpPr txBox="1">
+            <a:spLocks noGrp="1"/>
+          </p:cNvSpPr>
           <p:nvPr>
-            <p:ph idx="12" type="sldNum"/>
+            <p:ph type="sldNum" idx="12"/>
           </p:nvPr>
         </p:nvSpPr>
         <p:spPr>
@@ -5863,7 +5957,7 @@
           </a:prstGeom>
         </p:spPr>
         <p:txBody>
-          <a:bodyPr anchorCtr="0" anchor="ctr" bIns="91425" lIns="91425" spcFirstLastPara="1" rIns="91425" wrap="square" tIns="91425">
+          <a:bodyPr spcFirstLastPara="1" wrap="square" lIns="91425" tIns="91425" rIns="91425" bIns="91425" anchor="ctr" anchorCtr="0">
             <a:noAutofit/>
           </a:bodyPr>
           <a:lstStyle>
@@ -5941,7 +6035,7 @@
             </a:lvl9pPr>
           </a:lstStyle>
           <a:p>
-            <a:pPr indent="0" lvl="0" marL="0" rtl="0" algn="r">
+            <a:pPr marL="0" lvl="0" indent="0" algn="r" rtl="0">
               <a:spcBef>
                 <a:spcPts val="0"/>
               </a:spcBef>
@@ -5967,18 +6061,19 @@
 </file>
 
 <file path=ppt/slideLayouts/slideLayout7.xml><?xml version="1.0" encoding="utf-8"?>
-<p:sldLayout xmlns:a="http://schemas.openxmlformats.org/drawingml/2006/main" xmlns:r="http://schemas.openxmlformats.org/officeDocument/2006/relationships" xmlns:mc="http://schemas.openxmlformats.org/markup-compatibility/2006" xmlns:mv="urn:schemas-microsoft-com:mac:vml" xmlns:p="http://schemas.openxmlformats.org/presentationml/2006/main" xmlns:c="http://schemas.openxmlformats.org/drawingml/2006/chart" xmlns:dgm="http://schemas.openxmlformats.org/drawingml/2006/diagram" xmlns:o="urn:schemas-microsoft-com:office:office" xmlns:v="urn:schemas-microsoft-com:vml" xmlns:pvml="urn:schemas-microsoft-com:office:powerpoint" xmlns:com="http://schemas.openxmlformats.org/drawingml/2006/compatibility" xmlns:p14="http://schemas.microsoft.com/office/powerpoint/2010/main" xmlns:p15="http://schemas.microsoft.com/office/powerpoint/2012/main" xmlns:ahyp="http://schemas.microsoft.com/office/drawing/2018/hyperlinkcolor" matchingName="Main point">
+<p:sldLayout xmlns:a="http://schemas.openxmlformats.org/drawingml/2006/main" xmlns:r="http://schemas.openxmlformats.org/officeDocument/2006/relationships" xmlns:p="http://schemas.openxmlformats.org/presentationml/2006/main" matchingName="Main point">
   <p:cSld name="MAIN_POINT">
     <p:bg>
       <p:bgPr>
         <a:solidFill>
           <a:schemeClr val="accent4"/>
         </a:solidFill>
+        <a:effectLst/>
       </p:bgPr>
     </p:bg>
     <p:spTree>
       <p:nvGrpSpPr>
-        <p:cNvPr id="50" name="Shape 50"/>
+        <p:cNvPr id="1" name="Shape 50"/>
         <p:cNvGrpSpPr/>
         <p:nvPr/>
       </p:nvGrpSpPr>
@@ -6026,12 +6121,12 @@
             </a:ln>
           </p:spPr>
           <p:txBody>
-            <a:bodyPr anchorCtr="0" anchor="ctr" bIns="91425" lIns="91425" spcFirstLastPara="1" rIns="91425" wrap="square" tIns="91425">
+            <a:bodyPr spcFirstLastPara="1" wrap="square" lIns="91425" tIns="91425" rIns="91425" bIns="91425" anchor="ctr" anchorCtr="0">
               <a:noAutofit/>
             </a:bodyPr>
             <a:lstStyle/>
             <a:p>
-              <a:pPr indent="0" lvl="0" marL="0" rtl="0" algn="l">
+              <a:pPr marL="0" lvl="0" indent="0" algn="l" rtl="0">
                 <a:spcBef>
                   <a:spcPts val="0"/>
                 </a:spcBef>
@@ -6040,9 +6135,6 @@
                 </a:spcAft>
                 <a:buNone/>
               </a:pPr>
-              <a:r>
-                <a:t/>
-              </a:r>
               <a:endParaRPr/>
             </a:p>
           </p:txBody>
@@ -6069,12 +6161,12 @@
             </a:ln>
           </p:spPr>
           <p:txBody>
-            <a:bodyPr anchorCtr="0" anchor="ctr" bIns="91425" lIns="91425" spcFirstLastPara="1" rIns="91425" wrap="square" tIns="91425">
+            <a:bodyPr spcFirstLastPara="1" wrap="square" lIns="91425" tIns="91425" rIns="91425" bIns="91425" anchor="ctr" anchorCtr="0">
               <a:noAutofit/>
             </a:bodyPr>
             <a:lstStyle/>
             <a:p>
-              <a:pPr indent="0" lvl="0" marL="0" rtl="0" algn="l">
+              <a:pPr marL="0" lvl="0" indent="0" algn="l" rtl="0">
                 <a:spcBef>
                   <a:spcPts val="0"/>
                 </a:spcBef>
@@ -6083,9 +6175,6 @@
                 </a:spcAft>
                 <a:buNone/>
               </a:pPr>
-              <a:r>
-                <a:t/>
-              </a:r>
               <a:endParaRPr/>
             </a:p>
           </p:txBody>
@@ -6097,7 +6186,7 @@
             <p:nvPr/>
           </p:nvSpPr>
           <p:spPr>
-            <a:xfrm flipH="1" rot="10800000">
+            <a:xfrm rot="10800000" flipH="1">
               <a:off x="7113588" y="107"/>
               <a:ext cx="1015200" cy="1015200"/>
             </a:xfrm>
@@ -6112,12 +6201,12 @@
             </a:ln>
           </p:spPr>
           <p:txBody>
-            <a:bodyPr anchorCtr="0" anchor="ctr" bIns="91425" lIns="91425" spcFirstLastPara="1" rIns="91425" wrap="square" tIns="91425">
+            <a:bodyPr spcFirstLastPara="1" wrap="square" lIns="91425" tIns="91425" rIns="91425" bIns="91425" anchor="ctr" anchorCtr="0">
               <a:noAutofit/>
             </a:bodyPr>
             <a:lstStyle/>
             <a:p>
-              <a:pPr indent="0" lvl="0" marL="0" rtl="0" algn="l">
+              <a:pPr marL="0" lvl="0" indent="0" algn="l" rtl="0">
                 <a:spcBef>
                   <a:spcPts val="0"/>
                 </a:spcBef>
@@ -6126,9 +6215,6 @@
                 </a:spcAft>
                 <a:buNone/>
               </a:pPr>
-              <a:r>
-                <a:t/>
-              </a:r>
               <a:endParaRPr/>
             </a:p>
           </p:txBody>
@@ -6155,12 +6241,12 @@
             </a:ln>
           </p:spPr>
           <p:txBody>
-            <a:bodyPr anchorCtr="0" anchor="ctr" bIns="91425" lIns="91425" spcFirstLastPara="1" rIns="91425" wrap="square" tIns="91425">
+            <a:bodyPr spcFirstLastPara="1" wrap="square" lIns="91425" tIns="91425" rIns="91425" bIns="91425" anchor="ctr" anchorCtr="0">
               <a:noAutofit/>
             </a:bodyPr>
             <a:lstStyle/>
             <a:p>
-              <a:pPr indent="0" lvl="0" marL="0" rtl="0" algn="l">
+              <a:pPr marL="0" lvl="0" indent="0" algn="l" rtl="0">
                 <a:spcBef>
                   <a:spcPts val="0"/>
                 </a:spcBef>
@@ -6169,9 +6255,6 @@
                 </a:spcAft>
                 <a:buNone/>
               </a:pPr>
-              <a:r>
-                <a:t/>
-              </a:r>
               <a:endParaRPr/>
             </a:p>
           </p:txBody>
@@ -6198,12 +6281,12 @@
             </a:ln>
           </p:spPr>
           <p:txBody>
-            <a:bodyPr anchorCtr="0" anchor="ctr" bIns="91425" lIns="91425" spcFirstLastPara="1" rIns="91425" wrap="square" tIns="91425">
+            <a:bodyPr spcFirstLastPara="1" wrap="square" lIns="91425" tIns="91425" rIns="91425" bIns="91425" anchor="ctr" anchorCtr="0">
               <a:noAutofit/>
             </a:bodyPr>
             <a:lstStyle/>
             <a:p>
-              <a:pPr indent="0" lvl="0" marL="0" rtl="0" algn="l">
+              <a:pPr marL="0" lvl="0" indent="0" algn="l" rtl="0">
                 <a:spcBef>
                   <a:spcPts val="0"/>
                 </a:spcBef>
@@ -6212,9 +6295,6 @@
                 </a:spcAft>
                 <a:buNone/>
               </a:pPr>
-              <a:r>
-                <a:t/>
-              </a:r>
               <a:endParaRPr/>
             </a:p>
           </p:txBody>
@@ -6223,7 +6303,9 @@
       <p:sp>
         <p:nvSpPr>
           <p:cNvPr id="57" name="Google Shape;57;p8"/>
-          <p:cNvSpPr txBox="1"/>
+          <p:cNvSpPr txBox="1">
+            <a:spLocks noGrp="1"/>
+          </p:cNvSpPr>
           <p:nvPr>
             <p:ph type="title"/>
           </p:nvPr>
@@ -6238,7 +6320,7 @@
           </a:prstGeom>
         </p:spPr>
         <p:txBody>
-          <a:bodyPr anchorCtr="0" anchor="ctr" bIns="91425" lIns="91425" spcFirstLastPara="1" rIns="91425" wrap="square" tIns="91425">
+          <a:bodyPr spcFirstLastPara="1" wrap="square" lIns="91425" tIns="91425" rIns="91425" bIns="91425" anchor="ctr" anchorCtr="0">
             <a:noAutofit/>
           </a:bodyPr>
           <a:lstStyle>
@@ -6405,15 +6487,19 @@
               </a:defRPr>
             </a:lvl9pPr>
           </a:lstStyle>
-          <a:p/>
+          <a:p>
+            <a:endParaRPr/>
+          </a:p>
         </p:txBody>
       </p:sp>
       <p:sp>
         <p:nvSpPr>
           <p:cNvPr id="58" name="Google Shape;58;p8"/>
-          <p:cNvSpPr txBox="1"/>
+          <p:cNvSpPr txBox="1">
+            <a:spLocks noGrp="1"/>
+          </p:cNvSpPr>
           <p:nvPr>
-            <p:ph idx="12" type="sldNum"/>
+            <p:ph type="sldNum" idx="12"/>
           </p:nvPr>
         </p:nvSpPr>
         <p:spPr>
@@ -6426,7 +6512,7 @@
           </a:prstGeom>
         </p:spPr>
         <p:txBody>
-          <a:bodyPr anchorCtr="0" anchor="ctr" bIns="91425" lIns="91425" spcFirstLastPara="1" rIns="91425" wrap="square" tIns="91425">
+          <a:bodyPr spcFirstLastPara="1" wrap="square" lIns="91425" tIns="91425" rIns="91425" bIns="91425" anchor="ctr" anchorCtr="0">
             <a:noAutofit/>
           </a:bodyPr>
           <a:lstStyle>
@@ -6468,7 +6554,7 @@
             </a:lvl9pPr>
           </a:lstStyle>
           <a:p>
-            <a:pPr indent="0" lvl="0" marL="0" rtl="0" algn="r">
+            <a:pPr marL="0" lvl="0" indent="0" algn="r" rtl="0">
               <a:spcBef>
                 <a:spcPts val="0"/>
               </a:spcBef>
@@ -6494,11 +6580,11 @@
 </file>
 
 <file path=ppt/slideLayouts/slideLayout8.xml><?xml version="1.0" encoding="utf-8"?>
-<p:sldLayout xmlns:a="http://schemas.openxmlformats.org/drawingml/2006/main" xmlns:r="http://schemas.openxmlformats.org/officeDocument/2006/relationships" xmlns:mc="http://schemas.openxmlformats.org/markup-compatibility/2006" xmlns:mv="urn:schemas-microsoft-com:mac:vml" xmlns:p="http://schemas.openxmlformats.org/presentationml/2006/main" xmlns:c="http://schemas.openxmlformats.org/drawingml/2006/chart" xmlns:dgm="http://schemas.openxmlformats.org/drawingml/2006/diagram" xmlns:o="urn:schemas-microsoft-com:office:office" xmlns:v="urn:schemas-microsoft-com:vml" xmlns:pvml="urn:schemas-microsoft-com:office:powerpoint" xmlns:com="http://schemas.openxmlformats.org/drawingml/2006/compatibility" xmlns:p14="http://schemas.microsoft.com/office/powerpoint/2010/main" xmlns:p15="http://schemas.microsoft.com/office/powerpoint/2012/main" xmlns:ahyp="http://schemas.microsoft.com/office/drawing/2018/hyperlinkcolor" matchingName="Section title and description">
+<p:sldLayout xmlns:a="http://schemas.openxmlformats.org/drawingml/2006/main" xmlns:r="http://schemas.openxmlformats.org/officeDocument/2006/relationships" xmlns:p="http://schemas.openxmlformats.org/presentationml/2006/main" matchingName="Section title and description">
   <p:cSld name="SECTION_TITLE_AND_DESCRIPTION">
     <p:spTree>
       <p:nvGrpSpPr>
-        <p:cNvPr id="59" name="Shape 59"/>
+        <p:cNvPr id="1" name="Shape 59"/>
         <p:cNvGrpSpPr/>
         <p:nvPr/>
       </p:nvGrpSpPr>
@@ -6532,12 +6618,12 @@
           </a:ln>
         </p:spPr>
         <p:txBody>
-          <a:bodyPr anchorCtr="0" anchor="ctr" bIns="91425" lIns="91425" spcFirstLastPara="1" rIns="91425" wrap="square" tIns="91425">
+          <a:bodyPr spcFirstLastPara="1" wrap="square" lIns="91425" tIns="91425" rIns="91425" bIns="91425" anchor="ctr" anchorCtr="0">
             <a:noAutofit/>
           </a:bodyPr>
           <a:lstStyle/>
           <a:p>
-            <a:pPr indent="0" lvl="0" marL="0" rtl="0" algn="l">
+            <a:pPr marL="0" lvl="0" indent="0" algn="l" rtl="0">
               <a:spcBef>
                 <a:spcPts val="0"/>
               </a:spcBef>
@@ -6546,9 +6632,6 @@
               </a:spcAft>
               <a:buNone/>
             </a:pPr>
-            <a:r>
-              <a:t/>
-            </a:r>
             <a:endParaRPr/>
           </a:p>
         </p:txBody>
@@ -6568,21 +6651,23 @@
             <a:avLst/>
           </a:prstGeom>
           <a:noFill/>
-          <a:ln cap="flat" cmpd="sng" w="19050">
+          <a:ln w="19050" cap="flat" cmpd="sng">
             <a:solidFill>
               <a:schemeClr val="lt1"/>
             </a:solidFill>
             <a:prstDash val="solid"/>
             <a:round/>
-            <a:headEnd len="sm" w="sm" type="none"/>
-            <a:tailEnd len="sm" w="sm" type="none"/>
+            <a:headEnd type="none" w="sm" len="sm"/>
+            <a:tailEnd type="none" w="sm" len="sm"/>
           </a:ln>
         </p:spPr>
       </p:cxnSp>
       <p:sp>
         <p:nvSpPr>
           <p:cNvPr id="62" name="Google Shape;62;p9"/>
-          <p:cNvSpPr txBox="1"/>
+          <p:cNvSpPr txBox="1">
+            <a:spLocks noGrp="1"/>
+          </p:cNvSpPr>
           <p:nvPr>
             <p:ph type="title"/>
           </p:nvPr>
@@ -6597,7 +6682,7 @@
           </a:prstGeom>
         </p:spPr>
         <p:txBody>
-          <a:bodyPr anchorCtr="0" anchor="b" bIns="91425" lIns="91425" spcFirstLastPara="1" rIns="91425" wrap="square" tIns="91425">
+          <a:bodyPr spcFirstLastPara="1" wrap="square" lIns="91425" tIns="91425" rIns="91425" bIns="91425" anchor="b" anchorCtr="0">
             <a:noAutofit/>
           </a:bodyPr>
           <a:lstStyle>
@@ -6701,15 +6786,19 @@
               <a:defRPr sz="4200"/>
             </a:lvl9pPr>
           </a:lstStyle>
-          <a:p/>
+          <a:p>
+            <a:endParaRPr/>
+          </a:p>
         </p:txBody>
       </p:sp>
       <p:sp>
         <p:nvSpPr>
           <p:cNvPr id="63" name="Google Shape;63;p9"/>
-          <p:cNvSpPr txBox="1"/>
+          <p:cNvSpPr txBox="1">
+            <a:spLocks noGrp="1"/>
+          </p:cNvSpPr>
           <p:nvPr>
-            <p:ph idx="1" type="subTitle"/>
+            <p:ph type="subTitle" idx="1"/>
           </p:nvPr>
         </p:nvSpPr>
         <p:spPr>
@@ -6722,7 +6811,7 @@
           </a:prstGeom>
         </p:spPr>
         <p:txBody>
-          <a:bodyPr anchorCtr="0" anchor="t" bIns="91425" lIns="91425" spcFirstLastPara="1" rIns="91425" wrap="square" tIns="91425">
+          <a:bodyPr spcFirstLastPara="1" wrap="square" lIns="91425" tIns="91425" rIns="91425" bIns="91425" anchor="t" anchorCtr="0">
             <a:noAutofit/>
           </a:bodyPr>
           <a:lstStyle>
@@ -6853,15 +6942,19 @@
               <a:defRPr sz="2100"/>
             </a:lvl9pPr>
           </a:lstStyle>
-          <a:p/>
+          <a:p>
+            <a:endParaRPr/>
+          </a:p>
         </p:txBody>
       </p:sp>
       <p:sp>
         <p:nvSpPr>
           <p:cNvPr id="64" name="Google Shape;64;p9"/>
-          <p:cNvSpPr txBox="1"/>
+          <p:cNvSpPr txBox="1">
+            <a:spLocks noGrp="1"/>
+          </p:cNvSpPr>
           <p:nvPr>
-            <p:ph idx="2" type="body"/>
+            <p:ph type="body" idx="2"/>
           </p:nvPr>
         </p:nvSpPr>
         <p:spPr>
@@ -6874,11 +6967,11 @@
           </a:prstGeom>
         </p:spPr>
         <p:txBody>
-          <a:bodyPr anchorCtr="0" anchor="ctr" bIns="91425" lIns="91425" spcFirstLastPara="1" rIns="91425" wrap="square" tIns="91425">
+          <a:bodyPr spcFirstLastPara="1" wrap="square" lIns="91425" tIns="91425" rIns="91425" bIns="91425" anchor="ctr" anchorCtr="0">
             <a:noAutofit/>
           </a:bodyPr>
           <a:lstStyle>
-            <a:lvl1pPr indent="-342900" lvl="0" marL="457200">
+            <a:lvl1pPr marL="457200" lvl="0" indent="-342900">
               <a:spcBef>
                 <a:spcPts val="0"/>
               </a:spcBef>
@@ -6896,7 +6989,7 @@
                 </a:solidFill>
               </a:defRPr>
             </a:lvl1pPr>
-            <a:lvl2pPr indent="-317500" lvl="1" marL="914400">
+            <a:lvl2pPr marL="914400" lvl="1" indent="-317500">
               <a:spcBef>
                 <a:spcPts val="1600"/>
               </a:spcBef>
@@ -6914,7 +7007,7 @@
                 </a:solidFill>
               </a:defRPr>
             </a:lvl2pPr>
-            <a:lvl3pPr indent="-317500" lvl="2" marL="1371600">
+            <a:lvl3pPr marL="1371600" lvl="2" indent="-317500">
               <a:spcBef>
                 <a:spcPts val="1600"/>
               </a:spcBef>
@@ -6932,7 +7025,7 @@
                 </a:solidFill>
               </a:defRPr>
             </a:lvl3pPr>
-            <a:lvl4pPr indent="-317500" lvl="3" marL="1828800">
+            <a:lvl4pPr marL="1828800" lvl="3" indent="-317500">
               <a:spcBef>
                 <a:spcPts val="1600"/>
               </a:spcBef>
@@ -6950,7 +7043,7 @@
                 </a:solidFill>
               </a:defRPr>
             </a:lvl4pPr>
-            <a:lvl5pPr indent="-317500" lvl="4" marL="2286000">
+            <a:lvl5pPr marL="2286000" lvl="4" indent="-317500">
               <a:spcBef>
                 <a:spcPts val="1600"/>
               </a:spcBef>
@@ -6968,7 +7061,7 @@
                 </a:solidFill>
               </a:defRPr>
             </a:lvl5pPr>
-            <a:lvl6pPr indent="-317500" lvl="5" marL="2743200">
+            <a:lvl6pPr marL="2743200" lvl="5" indent="-317500">
               <a:spcBef>
                 <a:spcPts val="1600"/>
               </a:spcBef>
@@ -6986,7 +7079,7 @@
                 </a:solidFill>
               </a:defRPr>
             </a:lvl6pPr>
-            <a:lvl7pPr indent="-317500" lvl="6" marL="3200400">
+            <a:lvl7pPr marL="3200400" lvl="6" indent="-317500">
               <a:spcBef>
                 <a:spcPts val="1600"/>
               </a:spcBef>
@@ -7004,7 +7097,7 @@
                 </a:solidFill>
               </a:defRPr>
             </a:lvl7pPr>
-            <a:lvl8pPr indent="-317500" lvl="7" marL="3657600">
+            <a:lvl8pPr marL="3657600" lvl="7" indent="-317500">
               <a:spcBef>
                 <a:spcPts val="1600"/>
               </a:spcBef>
@@ -7022,7 +7115,7 @@
                 </a:solidFill>
               </a:defRPr>
             </a:lvl8pPr>
-            <a:lvl9pPr indent="-317500" lvl="8" marL="4114800">
+            <a:lvl9pPr marL="4114800" lvl="8" indent="-317500">
               <a:spcBef>
                 <a:spcPts val="1600"/>
               </a:spcBef>
@@ -7041,15 +7134,19 @@
               </a:defRPr>
             </a:lvl9pPr>
           </a:lstStyle>
-          <a:p/>
+          <a:p>
+            <a:endParaRPr/>
+          </a:p>
         </p:txBody>
       </p:sp>
       <p:sp>
         <p:nvSpPr>
           <p:cNvPr id="65" name="Google Shape;65;p9"/>
-          <p:cNvSpPr txBox="1"/>
+          <p:cNvSpPr txBox="1">
+            <a:spLocks noGrp="1"/>
+          </p:cNvSpPr>
           <p:nvPr>
-            <p:ph idx="12" type="sldNum"/>
+            <p:ph type="sldNum" idx="12"/>
           </p:nvPr>
         </p:nvSpPr>
         <p:spPr>
@@ -7062,7 +7159,7 @@
           </a:prstGeom>
         </p:spPr>
         <p:txBody>
-          <a:bodyPr anchorCtr="0" anchor="ctr" bIns="91425" lIns="91425" spcFirstLastPara="1" rIns="91425" wrap="square" tIns="91425">
+          <a:bodyPr spcFirstLastPara="1" wrap="square" lIns="91425" tIns="91425" rIns="91425" bIns="91425" anchor="ctr" anchorCtr="0">
             <a:noAutofit/>
           </a:bodyPr>
           <a:lstStyle>
@@ -7104,7 +7201,7 @@
             </a:lvl9pPr>
           </a:lstStyle>
           <a:p>
-            <a:pPr indent="0" lvl="0" marL="0" rtl="0" algn="r">
+            <a:pPr marL="0" lvl="0" indent="0" algn="r" rtl="0">
               <a:spcBef>
                 <a:spcPts val="0"/>
               </a:spcBef>
@@ -7130,11 +7227,11 @@
 </file>
 
 <file path=ppt/slideLayouts/slideLayout9.xml><?xml version="1.0" encoding="utf-8"?>
-<p:sldLayout xmlns:a="http://schemas.openxmlformats.org/drawingml/2006/main" xmlns:r="http://schemas.openxmlformats.org/officeDocument/2006/relationships" xmlns:mc="http://schemas.openxmlformats.org/markup-compatibility/2006" xmlns:mv="urn:schemas-microsoft-com:mac:vml" xmlns:p="http://schemas.openxmlformats.org/presentationml/2006/main" xmlns:c="http://schemas.openxmlformats.org/drawingml/2006/chart" xmlns:dgm="http://schemas.openxmlformats.org/drawingml/2006/diagram" xmlns:o="urn:schemas-microsoft-com:office:office" xmlns:v="urn:schemas-microsoft-com:vml" xmlns:pvml="urn:schemas-microsoft-com:office:powerpoint" xmlns:com="http://schemas.openxmlformats.org/drawingml/2006/compatibility" xmlns:p14="http://schemas.microsoft.com/office/powerpoint/2010/main" xmlns:p15="http://schemas.microsoft.com/office/powerpoint/2012/main" xmlns:ahyp="http://schemas.microsoft.com/office/drawing/2018/hyperlinkcolor" matchingName="Caption">
+<p:sldLayout xmlns:a="http://schemas.openxmlformats.org/drawingml/2006/main" xmlns:r="http://schemas.openxmlformats.org/officeDocument/2006/relationships" xmlns:p="http://schemas.openxmlformats.org/presentationml/2006/main" matchingName="Caption">
   <p:cSld name="CAPTION_ONLY">
     <p:spTree>
       <p:nvGrpSpPr>
-        <p:cNvPr id="66" name="Shape 66"/>
+        <p:cNvPr id="1" name="Shape 66"/>
         <p:cNvGrpSpPr/>
         <p:nvPr/>
       </p:nvGrpSpPr>
@@ -7149,9 +7246,11 @@
       <p:sp>
         <p:nvSpPr>
           <p:cNvPr id="67" name="Google Shape;67;p10"/>
-          <p:cNvSpPr txBox="1"/>
+          <p:cNvSpPr txBox="1">
+            <a:spLocks noGrp="1"/>
+          </p:cNvSpPr>
           <p:nvPr>
-            <p:ph idx="1" type="body"/>
+            <p:ph type="body" idx="1"/>
           </p:nvPr>
         </p:nvSpPr>
         <p:spPr>
@@ -7164,11 +7263,11 @@
           </a:prstGeom>
         </p:spPr>
         <p:txBody>
-          <a:bodyPr anchorCtr="0" anchor="ctr" bIns="91425" lIns="91425" spcFirstLastPara="1" rIns="91425" wrap="square" tIns="91425">
+          <a:bodyPr spcFirstLastPara="1" wrap="square" lIns="91425" tIns="91425" rIns="91425" bIns="91425" anchor="ctr" anchorCtr="0">
             <a:noAutofit/>
           </a:bodyPr>
           <a:lstStyle>
-            <a:lvl1pPr indent="-228600" lvl="0" marL="457200">
+            <a:lvl1pPr marL="457200" lvl="0" indent="-228600">
               <a:lnSpc>
                 <a:spcPct val="100000"/>
               </a:lnSpc>
@@ -7183,15 +7282,19 @@
               <a:defRPr/>
             </a:lvl1pPr>
           </a:lstStyle>
-          <a:p/>
+          <a:p>
+            <a:endParaRPr/>
+          </a:p>
         </p:txBody>
       </p:sp>
       <p:sp>
         <p:nvSpPr>
           <p:cNvPr id="68" name="Google Shape;68;p10"/>
-          <p:cNvSpPr txBox="1"/>
+          <p:cNvSpPr txBox="1">
+            <a:spLocks noGrp="1"/>
+          </p:cNvSpPr>
           <p:nvPr>
-            <p:ph idx="12" type="sldNum"/>
+            <p:ph type="sldNum" idx="12"/>
           </p:nvPr>
         </p:nvSpPr>
         <p:spPr>
@@ -7204,7 +7307,7 @@
           </a:prstGeom>
         </p:spPr>
         <p:txBody>
-          <a:bodyPr anchorCtr="0" anchor="ctr" bIns="91425" lIns="91425" spcFirstLastPara="1" rIns="91425" wrap="square" tIns="91425">
+          <a:bodyPr spcFirstLastPara="1" wrap="square" lIns="91425" tIns="91425" rIns="91425" bIns="91425" anchor="ctr" anchorCtr="0">
             <a:noAutofit/>
           </a:bodyPr>
           <a:lstStyle>
@@ -7282,7 +7385,7 @@
             </a:lvl9pPr>
           </a:lstStyle>
           <a:p>
-            <a:pPr indent="0" lvl="0" marL="0" rtl="0" algn="r">
+            <a:pPr marL="0" lvl="0" indent="0" algn="r" rtl="0">
               <a:spcBef>
                 <a:spcPts val="0"/>
               </a:spcBef>
@@ -7308,18 +7411,19 @@
 </file>
 
 <file path=ppt/slideMasters/slideMaster1.xml><?xml version="1.0" encoding="utf-8"?>
-<p:sldMaster xmlns:a="http://schemas.openxmlformats.org/drawingml/2006/main" xmlns:r="http://schemas.openxmlformats.org/officeDocument/2006/relationships" xmlns:mc="http://schemas.openxmlformats.org/markup-compatibility/2006" xmlns:mv="urn:schemas-microsoft-com:mac:vml" xmlns:p="http://schemas.openxmlformats.org/presentationml/2006/main" xmlns:c="http://schemas.openxmlformats.org/drawingml/2006/chart" xmlns:dgm="http://schemas.openxmlformats.org/drawingml/2006/diagram" xmlns:o="urn:schemas-microsoft-com:office:office" xmlns:v="urn:schemas-microsoft-com:vml" xmlns:pvml="urn:schemas-microsoft-com:office:powerpoint" xmlns:com="http://schemas.openxmlformats.org/drawingml/2006/compatibility" xmlns:p14="http://schemas.microsoft.com/office/powerpoint/2010/main" xmlns:p15="http://schemas.microsoft.com/office/powerpoint/2012/main" xmlns:ahyp="http://schemas.microsoft.com/office/drawing/2018/hyperlinkcolor">
+<p:sldMaster xmlns:a="http://schemas.openxmlformats.org/drawingml/2006/main" xmlns:r="http://schemas.openxmlformats.org/officeDocument/2006/relationships" xmlns:p="http://schemas.openxmlformats.org/presentationml/2006/main">
   <p:cSld name="geometric">
     <p:bg>
       <p:bgPr>
         <a:solidFill>
           <a:schemeClr val="lt1"/>
         </a:solidFill>
+        <a:effectLst/>
       </p:bgPr>
     </p:bg>
     <p:spTree>
       <p:nvGrpSpPr>
-        <p:cNvPr id="5" name="Shape 5"/>
+        <p:cNvPr id="1" name="Shape 5"/>
         <p:cNvGrpSpPr/>
         <p:nvPr/>
       </p:nvGrpSpPr>
@@ -7334,7 +7438,9 @@
       <p:sp>
         <p:nvSpPr>
           <p:cNvPr id="6" name="Google Shape;6;p1"/>
-          <p:cNvSpPr txBox="1"/>
+          <p:cNvSpPr txBox="1">
+            <a:spLocks noGrp="1"/>
+          </p:cNvSpPr>
           <p:nvPr>
             <p:ph type="title"/>
           </p:nvPr>
@@ -7353,7 +7459,7 @@
           </a:ln>
         </p:spPr>
         <p:txBody>
-          <a:bodyPr anchorCtr="0" anchor="t" bIns="91425" lIns="91425" spcFirstLastPara="1" rIns="91425" wrap="square" tIns="91425">
+          <a:bodyPr spcFirstLastPara="1" wrap="square" lIns="91425" tIns="91425" rIns="91425" bIns="91425" anchor="t" anchorCtr="0">
             <a:noAutofit/>
           </a:bodyPr>
           <a:lstStyle>
@@ -7565,15 +7671,19 @@
               </a:defRPr>
             </a:lvl9pPr>
           </a:lstStyle>
-          <a:p/>
+          <a:p>
+            <a:endParaRPr/>
+          </a:p>
         </p:txBody>
       </p:sp>
       <p:sp>
         <p:nvSpPr>
           <p:cNvPr id="7" name="Google Shape;7;p1"/>
-          <p:cNvSpPr txBox="1"/>
+          <p:cNvSpPr txBox="1">
+            <a:spLocks noGrp="1"/>
+          </p:cNvSpPr>
           <p:nvPr>
-            <p:ph idx="1" type="body"/>
+            <p:ph type="body" idx="1"/>
           </p:nvPr>
         </p:nvSpPr>
         <p:spPr>
@@ -7590,11 +7700,11 @@
           </a:ln>
         </p:spPr>
         <p:txBody>
-          <a:bodyPr anchorCtr="0" anchor="t" bIns="91425" lIns="91425" spcFirstLastPara="1" rIns="91425" wrap="square" tIns="91425">
+          <a:bodyPr spcFirstLastPara="1" wrap="square" lIns="91425" tIns="91425" rIns="91425" bIns="91425" anchor="t" anchorCtr="0">
             <a:noAutofit/>
           </a:bodyPr>
           <a:lstStyle>
-            <a:lvl1pPr indent="-342900" lvl="0" marL="457200">
+            <a:lvl1pPr marL="457200" lvl="0" indent="-342900">
               <a:lnSpc>
                 <a:spcPct val="115000"/>
               </a:lnSpc>
@@ -7620,7 +7730,7 @@
                 <a:sym typeface="Roboto"/>
               </a:defRPr>
             </a:lvl1pPr>
-            <a:lvl2pPr indent="-317500" lvl="1" marL="914400">
+            <a:lvl2pPr marL="914400" lvl="1" indent="-317500">
               <a:lnSpc>
                 <a:spcPct val="115000"/>
               </a:lnSpc>
@@ -7646,7 +7756,7 @@
                 <a:sym typeface="Roboto"/>
               </a:defRPr>
             </a:lvl2pPr>
-            <a:lvl3pPr indent="-317500" lvl="2" marL="1371600">
+            <a:lvl3pPr marL="1371600" lvl="2" indent="-317500">
               <a:lnSpc>
                 <a:spcPct val="115000"/>
               </a:lnSpc>
@@ -7672,7 +7782,7 @@
                 <a:sym typeface="Roboto"/>
               </a:defRPr>
             </a:lvl3pPr>
-            <a:lvl4pPr indent="-317500" lvl="3" marL="1828800">
+            <a:lvl4pPr marL="1828800" lvl="3" indent="-317500">
               <a:lnSpc>
                 <a:spcPct val="115000"/>
               </a:lnSpc>
@@ -7698,7 +7808,7 @@
                 <a:sym typeface="Roboto"/>
               </a:defRPr>
             </a:lvl4pPr>
-            <a:lvl5pPr indent="-317500" lvl="4" marL="2286000">
+            <a:lvl5pPr marL="2286000" lvl="4" indent="-317500">
               <a:lnSpc>
                 <a:spcPct val="115000"/>
               </a:lnSpc>
@@ -7724,7 +7834,7 @@
                 <a:sym typeface="Roboto"/>
               </a:defRPr>
             </a:lvl5pPr>
-            <a:lvl6pPr indent="-317500" lvl="5" marL="2743200">
+            <a:lvl6pPr marL="2743200" lvl="5" indent="-317500">
               <a:lnSpc>
                 <a:spcPct val="115000"/>
               </a:lnSpc>
@@ -7750,7 +7860,7 @@
                 <a:sym typeface="Roboto"/>
               </a:defRPr>
             </a:lvl6pPr>
-            <a:lvl7pPr indent="-317500" lvl="6" marL="3200400">
+            <a:lvl7pPr marL="3200400" lvl="6" indent="-317500">
               <a:lnSpc>
                 <a:spcPct val="115000"/>
               </a:lnSpc>
@@ -7776,7 +7886,7 @@
                 <a:sym typeface="Roboto"/>
               </a:defRPr>
             </a:lvl7pPr>
-            <a:lvl8pPr indent="-317500" lvl="7" marL="3657600">
+            <a:lvl8pPr marL="3657600" lvl="7" indent="-317500">
               <a:lnSpc>
                 <a:spcPct val="115000"/>
               </a:lnSpc>
@@ -7802,7 +7912,7 @@
                 <a:sym typeface="Roboto"/>
               </a:defRPr>
             </a:lvl8pPr>
-            <a:lvl9pPr indent="-317500" lvl="8" marL="4114800">
+            <a:lvl9pPr marL="4114800" lvl="8" indent="-317500">
               <a:lnSpc>
                 <a:spcPct val="115000"/>
               </a:lnSpc>
@@ -7829,15 +7939,19 @@
               </a:defRPr>
             </a:lvl9pPr>
           </a:lstStyle>
-          <a:p/>
+          <a:p>
+            <a:endParaRPr/>
+          </a:p>
         </p:txBody>
       </p:sp>
       <p:sp>
         <p:nvSpPr>
           <p:cNvPr id="8" name="Google Shape;8;p1"/>
-          <p:cNvSpPr txBox="1"/>
+          <p:cNvSpPr txBox="1">
+            <a:spLocks noGrp="1"/>
+          </p:cNvSpPr>
           <p:nvPr>
-            <p:ph idx="12" type="sldNum"/>
+            <p:ph type="sldNum" idx="12"/>
           </p:nvPr>
         </p:nvSpPr>
         <p:spPr>
@@ -7854,7 +7968,7 @@
           </a:ln>
         </p:spPr>
         <p:txBody>
-          <a:bodyPr anchorCtr="0" anchor="ctr" bIns="91425" lIns="91425" spcFirstLastPara="1" rIns="91425" wrap="square" tIns="91425">
+          <a:bodyPr spcFirstLastPara="1" wrap="square" lIns="91425" tIns="91425" rIns="91425" bIns="91425" anchor="ctr" anchorCtr="0">
             <a:noAutofit/>
           </a:bodyPr>
           <a:lstStyle>
@@ -7968,7 +8082,7 @@
             </a:lvl9pPr>
           </a:lstStyle>
           <a:p>
-            <a:pPr indent="0" lvl="0" marL="0" rtl="0" algn="r">
+            <a:pPr marL="0" lvl="0" indent="0" algn="r" rtl="0">
               <a:spcBef>
                 <a:spcPts val="0"/>
               </a:spcBef>
@@ -7987,7 +8101,7 @@
       </p:sp>
     </p:spTree>
   </p:cSld>
-  <p:clrMap accent1="accent1" accent2="accent2" accent3="accent3" accent4="accent4" accent5="accent5" accent6="accent6" bg1="lt1" bg2="dk2" tx1="dk1" tx2="lt2" folHlink="folHlink" hlink="hlink"/>
+  <p:clrMap bg1="lt1" tx1="dk1" bg2="dk2" tx2="lt2" accent1="accent1" accent2="accent2" accent3="accent3" accent4="accent4" accent5="accent5" accent6="accent6" hlink="hlink" folHlink="folHlink"/>
   <p:sldLayoutIdLst>
     <p:sldLayoutId id="2147483648" r:id="rId1"/>
     <p:sldLayoutId id="2147483649" r:id="rId2"/>
@@ -8001,10 +8115,10 @@
     <p:sldLayoutId id="2147483657" r:id="rId10"/>
     <p:sldLayoutId id="2147483658" r:id="rId11"/>
   </p:sldLayoutIdLst>
-  <p:hf dt="0" ftr="0" hdr="0" sldNum="0"/>
+  <p:hf sldNum="0" hdr="0" ftr="0" dt="0"/>
   <p:txStyles>
     <p:titleStyle>
-      <a:defPPr lvl="0" marR="0" rtl="0" algn="l">
+      <a:defPPr marR="0" lvl="0" algn="l" rtl="0">
         <a:lnSpc>
           <a:spcPct val="100000"/>
         </a:lnSpc>
@@ -8015,7 +8129,7 @@
           <a:spcPts val="0"/>
         </a:spcAft>
       </a:defPPr>
-      <a:lvl1pPr lvl="0" marR="0" rtl="0" algn="l">
+      <a:lvl1pPr marR="0" lvl="0" algn="l" rtl="0">
         <a:lnSpc>
           <a:spcPct val="100000"/>
         </a:lnSpc>
@@ -8029,7 +8143,7 @@
           <a:srgbClr val="000000"/>
         </a:buClr>
         <a:buFont typeface="Arial"/>
-        <a:defRPr b="0" i="0" sz="1400" u="none" cap="none" strike="noStrike">
+        <a:defRPr sz="1400" b="0" i="0" u="none" strike="noStrike" cap="none">
           <a:solidFill>
             <a:srgbClr val="000000"/>
           </a:solidFill>
@@ -8039,7 +8153,7 @@
           <a:sym typeface="Arial"/>
         </a:defRPr>
       </a:lvl1pPr>
-      <a:lvl2pPr lvl="1" marR="0" rtl="0" algn="l">
+      <a:lvl2pPr marR="0" lvl="1" algn="l" rtl="0">
         <a:lnSpc>
           <a:spcPct val="100000"/>
         </a:lnSpc>
@@ -8053,7 +8167,7 @@
           <a:srgbClr val="000000"/>
         </a:buClr>
         <a:buFont typeface="Arial"/>
-        <a:defRPr b="0" i="0" sz="1400" u="none" cap="none" strike="noStrike">
+        <a:defRPr sz="1400" b="0" i="0" u="none" strike="noStrike" cap="none">
           <a:solidFill>
             <a:srgbClr val="000000"/>
           </a:solidFill>
@@ -8063,7 +8177,7 @@
           <a:sym typeface="Arial"/>
         </a:defRPr>
       </a:lvl2pPr>
-      <a:lvl3pPr lvl="2" marR="0" rtl="0" algn="l">
+      <a:lvl3pPr marR="0" lvl="2" algn="l" rtl="0">
         <a:lnSpc>
           <a:spcPct val="100000"/>
         </a:lnSpc>
@@ -8077,7 +8191,7 @@
           <a:srgbClr val="000000"/>
         </a:buClr>
         <a:buFont typeface="Arial"/>
-        <a:defRPr b="0" i="0" sz="1400" u="none" cap="none" strike="noStrike">
+        <a:defRPr sz="1400" b="0" i="0" u="none" strike="noStrike" cap="none">
           <a:solidFill>
             <a:srgbClr val="000000"/>
           </a:solidFill>
@@ -8087,7 +8201,7 @@
           <a:sym typeface="Arial"/>
         </a:defRPr>
       </a:lvl3pPr>
-      <a:lvl4pPr lvl="3" marR="0" rtl="0" algn="l">
+      <a:lvl4pPr marR="0" lvl="3" algn="l" rtl="0">
         <a:lnSpc>
           <a:spcPct val="100000"/>
         </a:lnSpc>
@@ -8101,7 +8215,7 @@
           <a:srgbClr val="000000"/>
         </a:buClr>
         <a:buFont typeface="Arial"/>
-        <a:defRPr b="0" i="0" sz="1400" u="none" cap="none" strike="noStrike">
+        <a:defRPr sz="1400" b="0" i="0" u="none" strike="noStrike" cap="none">
           <a:solidFill>
             <a:srgbClr val="000000"/>
           </a:solidFill>
@@ -8111,7 +8225,7 @@
           <a:sym typeface="Arial"/>
         </a:defRPr>
       </a:lvl4pPr>
-      <a:lvl5pPr lvl="4" marR="0" rtl="0" algn="l">
+      <a:lvl5pPr marR="0" lvl="4" algn="l" rtl="0">
         <a:lnSpc>
           <a:spcPct val="100000"/>
         </a:lnSpc>
@@ -8125,7 +8239,7 @@
           <a:srgbClr val="000000"/>
         </a:buClr>
         <a:buFont typeface="Arial"/>
-        <a:defRPr b="0" i="0" sz="1400" u="none" cap="none" strike="noStrike">
+        <a:defRPr sz="1400" b="0" i="0" u="none" strike="noStrike" cap="none">
           <a:solidFill>
             <a:srgbClr val="000000"/>
           </a:solidFill>
@@ -8135,7 +8249,7 @@
           <a:sym typeface="Arial"/>
         </a:defRPr>
       </a:lvl5pPr>
-      <a:lvl6pPr lvl="5" marR="0" rtl="0" algn="l">
+      <a:lvl6pPr marR="0" lvl="5" algn="l" rtl="0">
         <a:lnSpc>
           <a:spcPct val="100000"/>
         </a:lnSpc>
@@ -8149,7 +8263,7 @@
           <a:srgbClr val="000000"/>
         </a:buClr>
         <a:buFont typeface="Arial"/>
-        <a:defRPr b="0" i="0" sz="1400" u="none" cap="none" strike="noStrike">
+        <a:defRPr sz="1400" b="0" i="0" u="none" strike="noStrike" cap="none">
           <a:solidFill>
             <a:srgbClr val="000000"/>
           </a:solidFill>
@@ -8159,7 +8273,7 @@
           <a:sym typeface="Arial"/>
         </a:defRPr>
       </a:lvl6pPr>
-      <a:lvl7pPr lvl="6" marR="0" rtl="0" algn="l">
+      <a:lvl7pPr marR="0" lvl="6" algn="l" rtl="0">
         <a:lnSpc>
           <a:spcPct val="100000"/>
         </a:lnSpc>
@@ -8173,7 +8287,7 @@
           <a:srgbClr val="000000"/>
         </a:buClr>
         <a:buFont typeface="Arial"/>
-        <a:defRPr b="0" i="0" sz="1400" u="none" cap="none" strike="noStrike">
+        <a:defRPr sz="1400" b="0" i="0" u="none" strike="noStrike" cap="none">
           <a:solidFill>
             <a:srgbClr val="000000"/>
           </a:solidFill>
@@ -8183,7 +8297,7 @@
           <a:sym typeface="Arial"/>
         </a:defRPr>
       </a:lvl7pPr>
-      <a:lvl8pPr lvl="7" marR="0" rtl="0" algn="l">
+      <a:lvl8pPr marR="0" lvl="7" algn="l" rtl="0">
         <a:lnSpc>
           <a:spcPct val="100000"/>
         </a:lnSpc>
@@ -8197,7 +8311,7 @@
           <a:srgbClr val="000000"/>
         </a:buClr>
         <a:buFont typeface="Arial"/>
-        <a:defRPr b="0" i="0" sz="1400" u="none" cap="none" strike="noStrike">
+        <a:defRPr sz="1400" b="0" i="0" u="none" strike="noStrike" cap="none">
           <a:solidFill>
             <a:srgbClr val="000000"/>
           </a:solidFill>
@@ -8207,7 +8321,7 @@
           <a:sym typeface="Arial"/>
         </a:defRPr>
       </a:lvl8pPr>
-      <a:lvl9pPr lvl="8" marR="0" rtl="0" algn="l">
+      <a:lvl9pPr marR="0" lvl="8" algn="l" rtl="0">
         <a:lnSpc>
           <a:spcPct val="100000"/>
         </a:lnSpc>
@@ -8221,7 +8335,7 @@
           <a:srgbClr val="000000"/>
         </a:buClr>
         <a:buFont typeface="Arial"/>
-        <a:defRPr b="0" i="0" sz="1400" u="none" cap="none" strike="noStrike">
+        <a:defRPr sz="1400" b="0" i="0" u="none" strike="noStrike" cap="none">
           <a:solidFill>
             <a:srgbClr val="000000"/>
           </a:solidFill>
@@ -8233,7 +8347,7 @@
       </a:lvl9pPr>
     </p:titleStyle>
     <p:bodyStyle>
-      <a:defPPr lvl="0" marR="0" rtl="0" algn="l">
+      <a:defPPr marR="0" lvl="0" algn="l" rtl="0">
         <a:lnSpc>
           <a:spcPct val="100000"/>
         </a:lnSpc>
@@ -8244,7 +8358,7 @@
           <a:spcPts val="0"/>
         </a:spcAft>
       </a:defPPr>
-      <a:lvl1pPr lvl="0" marR="0" rtl="0" algn="l">
+      <a:lvl1pPr marR="0" lvl="0" algn="l" rtl="0">
         <a:lnSpc>
           <a:spcPct val="100000"/>
         </a:lnSpc>
@@ -8258,7 +8372,7 @@
           <a:srgbClr val="000000"/>
         </a:buClr>
         <a:buFont typeface="Arial"/>
-        <a:defRPr b="0" i="0" sz="1400" u="none" cap="none" strike="noStrike">
+        <a:defRPr sz="1400" b="0" i="0" u="none" strike="noStrike" cap="none">
           <a:solidFill>
             <a:srgbClr val="000000"/>
           </a:solidFill>
@@ -8268,7 +8382,7 @@
           <a:sym typeface="Arial"/>
         </a:defRPr>
       </a:lvl1pPr>
-      <a:lvl2pPr lvl="1" marR="0" rtl="0" algn="l">
+      <a:lvl2pPr marR="0" lvl="1" algn="l" rtl="0">
         <a:lnSpc>
           <a:spcPct val="100000"/>
         </a:lnSpc>
@@ -8282,7 +8396,7 @@
           <a:srgbClr val="000000"/>
         </a:buClr>
         <a:buFont typeface="Arial"/>
-        <a:defRPr b="0" i="0" sz="1400" u="none" cap="none" strike="noStrike">
+        <a:defRPr sz="1400" b="0" i="0" u="none" strike="noStrike" cap="none">
           <a:solidFill>
             <a:srgbClr val="000000"/>
           </a:solidFill>
@@ -8292,7 +8406,7 @@
           <a:sym typeface="Arial"/>
         </a:defRPr>
       </a:lvl2pPr>
-      <a:lvl3pPr lvl="2" marR="0" rtl="0" algn="l">
+      <a:lvl3pPr marR="0" lvl="2" algn="l" rtl="0">
         <a:lnSpc>
           <a:spcPct val="100000"/>
         </a:lnSpc>
@@ -8306,7 +8420,7 @@
           <a:srgbClr val="000000"/>
         </a:buClr>
         <a:buFont typeface="Arial"/>
-        <a:defRPr b="0" i="0" sz="1400" u="none" cap="none" strike="noStrike">
+        <a:defRPr sz="1400" b="0" i="0" u="none" strike="noStrike" cap="none">
           <a:solidFill>
             <a:srgbClr val="000000"/>
           </a:solidFill>
@@ -8316,7 +8430,7 @@
           <a:sym typeface="Arial"/>
         </a:defRPr>
       </a:lvl3pPr>
-      <a:lvl4pPr lvl="3" marR="0" rtl="0" algn="l">
+      <a:lvl4pPr marR="0" lvl="3" algn="l" rtl="0">
         <a:lnSpc>
           <a:spcPct val="100000"/>
         </a:lnSpc>
@@ -8330,7 +8444,7 @@
           <a:srgbClr val="000000"/>
         </a:buClr>
         <a:buFont typeface="Arial"/>
-        <a:defRPr b="0" i="0" sz="1400" u="none" cap="none" strike="noStrike">
+        <a:defRPr sz="1400" b="0" i="0" u="none" strike="noStrike" cap="none">
           <a:solidFill>
             <a:srgbClr val="000000"/>
           </a:solidFill>
@@ -8340,7 +8454,7 @@
           <a:sym typeface="Arial"/>
         </a:defRPr>
       </a:lvl4pPr>
-      <a:lvl5pPr lvl="4" marR="0" rtl="0" algn="l">
+      <a:lvl5pPr marR="0" lvl="4" algn="l" rtl="0">
         <a:lnSpc>
           <a:spcPct val="100000"/>
         </a:lnSpc>
@@ -8354,7 +8468,7 @@
           <a:srgbClr val="000000"/>
         </a:buClr>
         <a:buFont typeface="Arial"/>
-        <a:defRPr b="0" i="0" sz="1400" u="none" cap="none" strike="noStrike">
+        <a:defRPr sz="1400" b="0" i="0" u="none" strike="noStrike" cap="none">
           <a:solidFill>
             <a:srgbClr val="000000"/>
           </a:solidFill>
@@ -8364,7 +8478,7 @@
           <a:sym typeface="Arial"/>
         </a:defRPr>
       </a:lvl5pPr>
-      <a:lvl6pPr lvl="5" marR="0" rtl="0" algn="l">
+      <a:lvl6pPr marR="0" lvl="5" algn="l" rtl="0">
         <a:lnSpc>
           <a:spcPct val="100000"/>
         </a:lnSpc>
@@ -8378,7 +8492,7 @@
           <a:srgbClr val="000000"/>
         </a:buClr>
         <a:buFont typeface="Arial"/>
-        <a:defRPr b="0" i="0" sz="1400" u="none" cap="none" strike="noStrike">
+        <a:defRPr sz="1400" b="0" i="0" u="none" strike="noStrike" cap="none">
           <a:solidFill>
             <a:srgbClr val="000000"/>
           </a:solidFill>
@@ -8388,7 +8502,7 @@
           <a:sym typeface="Arial"/>
         </a:defRPr>
       </a:lvl6pPr>
-      <a:lvl7pPr lvl="6" marR="0" rtl="0" algn="l">
+      <a:lvl7pPr marR="0" lvl="6" algn="l" rtl="0">
         <a:lnSpc>
           <a:spcPct val="100000"/>
         </a:lnSpc>
@@ -8402,7 +8516,7 @@
           <a:srgbClr val="000000"/>
         </a:buClr>
         <a:buFont typeface="Arial"/>
-        <a:defRPr b="0" i="0" sz="1400" u="none" cap="none" strike="noStrike">
+        <a:defRPr sz="1400" b="0" i="0" u="none" strike="noStrike" cap="none">
           <a:solidFill>
             <a:srgbClr val="000000"/>
           </a:solidFill>
@@ -8412,7 +8526,7 @@
           <a:sym typeface="Arial"/>
         </a:defRPr>
       </a:lvl7pPr>
-      <a:lvl8pPr lvl="7" marR="0" rtl="0" algn="l">
+      <a:lvl8pPr marR="0" lvl="7" algn="l" rtl="0">
         <a:lnSpc>
           <a:spcPct val="100000"/>
         </a:lnSpc>
@@ -8426,7 +8540,7 @@
           <a:srgbClr val="000000"/>
         </a:buClr>
         <a:buFont typeface="Arial"/>
-        <a:defRPr b="0" i="0" sz="1400" u="none" cap="none" strike="noStrike">
+        <a:defRPr sz="1400" b="0" i="0" u="none" strike="noStrike" cap="none">
           <a:solidFill>
             <a:srgbClr val="000000"/>
           </a:solidFill>
@@ -8436,7 +8550,7 @@
           <a:sym typeface="Arial"/>
         </a:defRPr>
       </a:lvl8pPr>
-      <a:lvl9pPr lvl="8" marR="0" rtl="0" algn="l">
+      <a:lvl9pPr marR="0" lvl="8" algn="l" rtl="0">
         <a:lnSpc>
           <a:spcPct val="100000"/>
         </a:lnSpc>
@@ -8450,7 +8564,7 @@
           <a:srgbClr val="000000"/>
         </a:buClr>
         <a:buFont typeface="Arial"/>
-        <a:defRPr b="0" i="0" sz="1400" u="none" cap="none" strike="noStrike">
+        <a:defRPr sz="1400" b="0" i="0" u="none" strike="noStrike" cap="none">
           <a:solidFill>
             <a:srgbClr val="000000"/>
           </a:solidFill>
@@ -8462,7 +8576,7 @@
       </a:lvl9pPr>
     </p:bodyStyle>
     <p:otherStyle>
-      <a:defPPr lvl="0" marR="0" rtl="0" algn="l">
+      <a:defPPr marR="0" lvl="0" algn="l" rtl="0">
         <a:lnSpc>
           <a:spcPct val="100000"/>
         </a:lnSpc>
@@ -8473,7 +8587,7 @@
           <a:spcPts val="0"/>
         </a:spcAft>
       </a:defPPr>
-      <a:lvl1pPr lvl="0" marR="0" rtl="0" algn="l">
+      <a:lvl1pPr marR="0" lvl="0" algn="l" rtl="0">
         <a:lnSpc>
           <a:spcPct val="100000"/>
         </a:lnSpc>
@@ -8487,7 +8601,7 @@
           <a:srgbClr val="000000"/>
         </a:buClr>
         <a:buFont typeface="Arial"/>
-        <a:defRPr b="0" i="0" sz="1400" u="none" cap="none" strike="noStrike">
+        <a:defRPr sz="1400" b="0" i="0" u="none" strike="noStrike" cap="none">
           <a:solidFill>
             <a:srgbClr val="000000"/>
           </a:solidFill>
@@ -8497,7 +8611,7 @@
           <a:sym typeface="Arial"/>
         </a:defRPr>
       </a:lvl1pPr>
-      <a:lvl2pPr lvl="1" marR="0" rtl="0" algn="l">
+      <a:lvl2pPr marR="0" lvl="1" algn="l" rtl="0">
         <a:lnSpc>
           <a:spcPct val="100000"/>
         </a:lnSpc>
@@ -8511,7 +8625,7 @@
           <a:srgbClr val="000000"/>
         </a:buClr>
         <a:buFont typeface="Arial"/>
-        <a:defRPr b="0" i="0" sz="1400" u="none" cap="none" strike="noStrike">
+        <a:defRPr sz="1400" b="0" i="0" u="none" strike="noStrike" cap="none">
           <a:solidFill>
             <a:srgbClr val="000000"/>
           </a:solidFill>
@@ -8521,7 +8635,7 @@
           <a:sym typeface="Arial"/>
         </a:defRPr>
       </a:lvl2pPr>
-      <a:lvl3pPr lvl="2" marR="0" rtl="0" algn="l">
+      <a:lvl3pPr marR="0" lvl="2" algn="l" rtl="0">
         <a:lnSpc>
           <a:spcPct val="100000"/>
         </a:lnSpc>
@@ -8535,7 +8649,7 @@
           <a:srgbClr val="000000"/>
         </a:buClr>
         <a:buFont typeface="Arial"/>
-        <a:defRPr b="0" i="0" sz="1400" u="none" cap="none" strike="noStrike">
+        <a:defRPr sz="1400" b="0" i="0" u="none" strike="noStrike" cap="none">
           <a:solidFill>
             <a:srgbClr val="000000"/>
           </a:solidFill>
@@ -8545,7 +8659,7 @@
           <a:sym typeface="Arial"/>
         </a:defRPr>
       </a:lvl3pPr>
-      <a:lvl4pPr lvl="3" marR="0" rtl="0" algn="l">
+      <a:lvl4pPr marR="0" lvl="3" algn="l" rtl="0">
         <a:lnSpc>
           <a:spcPct val="100000"/>
         </a:lnSpc>
@@ -8559,7 +8673,7 @@
           <a:srgbClr val="000000"/>
         </a:buClr>
         <a:buFont typeface="Arial"/>
-        <a:defRPr b="0" i="0" sz="1400" u="none" cap="none" strike="noStrike">
+        <a:defRPr sz="1400" b="0" i="0" u="none" strike="noStrike" cap="none">
           <a:solidFill>
             <a:srgbClr val="000000"/>
           </a:solidFill>
@@ -8569,7 +8683,7 @@
           <a:sym typeface="Arial"/>
         </a:defRPr>
       </a:lvl4pPr>
-      <a:lvl5pPr lvl="4" marR="0" rtl="0" algn="l">
+      <a:lvl5pPr marR="0" lvl="4" algn="l" rtl="0">
         <a:lnSpc>
           <a:spcPct val="100000"/>
         </a:lnSpc>
@@ -8583,7 +8697,7 @@
           <a:srgbClr val="000000"/>
         </a:buClr>
         <a:buFont typeface="Arial"/>
-        <a:defRPr b="0" i="0" sz="1400" u="none" cap="none" strike="noStrike">
+        <a:defRPr sz="1400" b="0" i="0" u="none" strike="noStrike" cap="none">
           <a:solidFill>
             <a:srgbClr val="000000"/>
           </a:solidFill>
@@ -8593,7 +8707,7 @@
           <a:sym typeface="Arial"/>
         </a:defRPr>
       </a:lvl5pPr>
-      <a:lvl6pPr lvl="5" marR="0" rtl="0" algn="l">
+      <a:lvl6pPr marR="0" lvl="5" algn="l" rtl="0">
         <a:lnSpc>
           <a:spcPct val="100000"/>
         </a:lnSpc>
@@ -8607,7 +8721,7 @@
           <a:srgbClr val="000000"/>
         </a:buClr>
         <a:buFont typeface="Arial"/>
-        <a:defRPr b="0" i="0" sz="1400" u="none" cap="none" strike="noStrike">
+        <a:defRPr sz="1400" b="0" i="0" u="none" strike="noStrike" cap="none">
           <a:solidFill>
             <a:srgbClr val="000000"/>
           </a:solidFill>
@@ -8617,7 +8731,7 @@
           <a:sym typeface="Arial"/>
         </a:defRPr>
       </a:lvl6pPr>
-      <a:lvl7pPr lvl="6" marR="0" rtl="0" algn="l">
+      <a:lvl7pPr marR="0" lvl="6" algn="l" rtl="0">
         <a:lnSpc>
           <a:spcPct val="100000"/>
         </a:lnSpc>
@@ -8631,7 +8745,7 @@
           <a:srgbClr val="000000"/>
         </a:buClr>
         <a:buFont typeface="Arial"/>
-        <a:defRPr b="0" i="0" sz="1400" u="none" cap="none" strike="noStrike">
+        <a:defRPr sz="1400" b="0" i="0" u="none" strike="noStrike" cap="none">
           <a:solidFill>
             <a:srgbClr val="000000"/>
           </a:solidFill>
@@ -8641,7 +8755,7 @@
           <a:sym typeface="Arial"/>
         </a:defRPr>
       </a:lvl7pPr>
-      <a:lvl8pPr lvl="7" marR="0" rtl="0" algn="l">
+      <a:lvl8pPr marR="0" lvl="7" algn="l" rtl="0">
         <a:lnSpc>
           <a:spcPct val="100000"/>
         </a:lnSpc>
@@ -8655,7 +8769,7 @@
           <a:srgbClr val="000000"/>
         </a:buClr>
         <a:buFont typeface="Arial"/>
-        <a:defRPr b="0" i="0" sz="1400" u="none" cap="none" strike="noStrike">
+        <a:defRPr sz="1400" b="0" i="0" u="none" strike="noStrike" cap="none">
           <a:solidFill>
             <a:srgbClr val="000000"/>
           </a:solidFill>
@@ -8665,7 +8779,7 @@
           <a:sym typeface="Arial"/>
         </a:defRPr>
       </a:lvl8pPr>
-      <a:lvl9pPr lvl="8" marR="0" rtl="0" algn="l">
+      <a:lvl9pPr marR="0" lvl="8" algn="l" rtl="0">
         <a:lnSpc>
           <a:spcPct val="100000"/>
         </a:lnSpc>
@@ -8679,7 +8793,7 @@
           <a:srgbClr val="000000"/>
         </a:buClr>
         <a:buFont typeface="Arial"/>
-        <a:defRPr b="0" i="0" sz="1400" u="none" cap="none" strike="noStrike">
+        <a:defRPr sz="1400" b="0" i="0" u="none" strike="noStrike" cap="none">
           <a:solidFill>
             <a:srgbClr val="000000"/>
           </a:solidFill>
@@ -8695,11 +8809,11 @@
 </file>
 
 <file path=ppt/slides/slide1.xml><?xml version="1.0" encoding="utf-8"?>
-<p:sld xmlns:a="http://schemas.openxmlformats.org/drawingml/2006/main" xmlns:r="http://schemas.openxmlformats.org/officeDocument/2006/relationships" xmlns:mc="http://schemas.openxmlformats.org/markup-compatibility/2006" xmlns:mv="urn:schemas-microsoft-com:mac:vml" xmlns:p="http://schemas.openxmlformats.org/presentationml/2006/main" xmlns:c="http://schemas.openxmlformats.org/drawingml/2006/chart" xmlns:dgm="http://schemas.openxmlformats.org/drawingml/2006/diagram" xmlns:o="urn:schemas-microsoft-com:office:office" xmlns:v="urn:schemas-microsoft-com:vml" xmlns:pvml="urn:schemas-microsoft-com:office:powerpoint" xmlns:com="http://schemas.openxmlformats.org/drawingml/2006/compatibility" xmlns:p14="http://schemas.microsoft.com/office/powerpoint/2010/main" xmlns:p15="http://schemas.microsoft.com/office/powerpoint/2012/main" xmlns:ahyp="http://schemas.microsoft.com/office/drawing/2018/hyperlinkcolor">
+<p:sld xmlns:a="http://schemas.openxmlformats.org/drawingml/2006/main" xmlns:r="http://schemas.openxmlformats.org/officeDocument/2006/relationships" xmlns:p="http://schemas.openxmlformats.org/presentationml/2006/main">
   <p:cSld>
     <p:spTree>
       <p:nvGrpSpPr>
-        <p:cNvPr id="84" name="Shape 84"/>
+        <p:cNvPr id="1" name="Shape 84"/>
         <p:cNvGrpSpPr/>
         <p:nvPr/>
       </p:nvGrpSpPr>
@@ -8714,7 +8828,9 @@
       <p:sp>
         <p:nvSpPr>
           <p:cNvPr id="85" name="Google Shape;85;p13"/>
-          <p:cNvSpPr txBox="1"/>
+          <p:cNvSpPr txBox="1">
+            <a:spLocks noGrp="1"/>
+          </p:cNvSpPr>
           <p:nvPr>
             <p:ph type="ctrTitle"/>
           </p:nvPr>
@@ -8729,12 +8845,12 @@
           </a:prstGeom>
         </p:spPr>
         <p:txBody>
-          <a:bodyPr anchorCtr="0" anchor="b" bIns="91425" lIns="91425" spcFirstLastPara="1" rIns="91425" wrap="square" tIns="91425">
+          <a:bodyPr spcFirstLastPara="1" wrap="square" lIns="91425" tIns="91425" rIns="91425" bIns="91425" anchor="b" anchorCtr="0">
             <a:noAutofit/>
           </a:bodyPr>
           <a:lstStyle/>
           <a:p>
-            <a:pPr indent="0" lvl="0" marL="0" rtl="0" algn="l">
+            <a:pPr marL="0" lvl="0" indent="0" algn="l" rtl="0">
               <a:spcBef>
                 <a:spcPts val="0"/>
               </a:spcBef>
@@ -8754,9 +8870,11 @@
       <p:sp>
         <p:nvSpPr>
           <p:cNvPr id="86" name="Google Shape;86;p13"/>
-          <p:cNvSpPr txBox="1"/>
+          <p:cNvSpPr txBox="1">
+            <a:spLocks noGrp="1"/>
+          </p:cNvSpPr>
           <p:nvPr>
-            <p:ph idx="1" type="subTitle"/>
+            <p:ph type="subTitle" idx="1"/>
           </p:nvPr>
         </p:nvSpPr>
         <p:spPr>
@@ -8769,12 +8887,12 @@
           </a:prstGeom>
         </p:spPr>
         <p:txBody>
-          <a:bodyPr anchorCtr="0" anchor="t" bIns="91425" lIns="91425" spcFirstLastPara="1" rIns="91425" wrap="square" tIns="91425">
+          <a:bodyPr spcFirstLastPara="1" wrap="square" lIns="91425" tIns="91425" rIns="91425" bIns="91425" anchor="t" anchorCtr="0">
             <a:noAutofit/>
           </a:bodyPr>
           <a:lstStyle/>
           <a:p>
-            <a:pPr indent="0" lvl="0" marL="0" rtl="0" algn="l">
+            <a:pPr marL="0" lvl="0" indent="0" algn="l" rtl="0">
               <a:spcBef>
                 <a:spcPts val="0"/>
               </a:spcBef>
@@ -8800,18 +8918,19 @@
 </file>
 
 <file path=ppt/slides/slide10.xml><?xml version="1.0" encoding="utf-8"?>
-<p:sld xmlns:a="http://schemas.openxmlformats.org/drawingml/2006/main" xmlns:r="http://schemas.openxmlformats.org/officeDocument/2006/relationships" xmlns:mc="http://schemas.openxmlformats.org/markup-compatibility/2006" xmlns:mv="urn:schemas-microsoft-com:mac:vml" xmlns:p="http://schemas.openxmlformats.org/presentationml/2006/main" xmlns:c="http://schemas.openxmlformats.org/drawingml/2006/chart" xmlns:dgm="http://schemas.openxmlformats.org/drawingml/2006/diagram" xmlns:o="urn:schemas-microsoft-com:office:office" xmlns:v="urn:schemas-microsoft-com:vml" xmlns:pvml="urn:schemas-microsoft-com:office:powerpoint" xmlns:com="http://schemas.openxmlformats.org/drawingml/2006/compatibility" xmlns:p14="http://schemas.microsoft.com/office/powerpoint/2010/main" xmlns:p15="http://schemas.microsoft.com/office/powerpoint/2012/main" xmlns:ahyp="http://schemas.microsoft.com/office/drawing/2018/hyperlinkcolor">
+<p:sld xmlns:a="http://schemas.openxmlformats.org/drawingml/2006/main" xmlns:r="http://schemas.openxmlformats.org/officeDocument/2006/relationships" xmlns:p="http://schemas.openxmlformats.org/presentationml/2006/main">
   <p:cSld>
     <p:bg>
       <p:bgPr>
         <a:solidFill>
           <a:schemeClr val="lt1"/>
         </a:solidFill>
+        <a:effectLst/>
       </p:bgPr>
     </p:bg>
     <p:spTree>
       <p:nvGrpSpPr>
-        <p:cNvPr id="157" name="Shape 157"/>
+        <p:cNvPr id="1" name="Shape 157"/>
         <p:cNvGrpSpPr/>
         <p:nvPr/>
       </p:nvGrpSpPr>
@@ -8826,7 +8945,9 @@
       <p:sp>
         <p:nvSpPr>
           <p:cNvPr id="158" name="Google Shape;158;p22"/>
-          <p:cNvSpPr txBox="1"/>
+          <p:cNvSpPr txBox="1">
+            <a:spLocks noGrp="1"/>
+          </p:cNvSpPr>
           <p:nvPr>
             <p:ph type="title"/>
           </p:nvPr>
@@ -8841,12 +8962,12 @@
           </a:prstGeom>
         </p:spPr>
         <p:txBody>
-          <a:bodyPr anchorCtr="0" anchor="ctr" bIns="91425" lIns="91425" spcFirstLastPara="1" rIns="91425" wrap="square" tIns="91425">
+          <a:bodyPr spcFirstLastPara="1" wrap="square" lIns="91425" tIns="91425" rIns="91425" bIns="91425" anchor="ctr" anchorCtr="0">
             <a:noAutofit/>
           </a:bodyPr>
           <a:lstStyle/>
           <a:p>
-            <a:pPr indent="0" lvl="0" marL="0" rtl="0" algn="l">
+            <a:pPr marL="0" lvl="0" indent="0" algn="l" rtl="0">
               <a:spcBef>
                 <a:spcPts val="0"/>
               </a:spcBef>
@@ -8855,9 +8976,6 @@
               </a:spcAft>
               <a:buNone/>
             </a:pPr>
-            <a:r>
-              <a:t/>
-            </a:r>
             <a:endParaRPr/>
           </a:p>
         </p:txBody>
@@ -8910,12 +9028,12 @@
           </a:ln>
         </p:spPr>
         <p:txBody>
-          <a:bodyPr anchorCtr="0" anchor="t" bIns="91425" lIns="91425" spcFirstLastPara="1" rIns="91425" wrap="square" tIns="91425">
+          <a:bodyPr spcFirstLastPara="1" wrap="square" lIns="91425" tIns="91425" rIns="91425" bIns="91425" anchor="t" anchorCtr="0">
             <a:spAutoFit/>
           </a:bodyPr>
           <a:lstStyle/>
           <a:p>
-            <a:pPr indent="0" lvl="0" marL="190500" marR="190500" rtl="0" algn="l">
+            <a:pPr marL="190500" marR="190500" lvl="0" indent="0" algn="l" rtl="0">
               <a:lnSpc>
                 <a:spcPct val="146668"/>
               </a:lnSpc>
@@ -8948,7 +9066,7 @@
             </a:endParaRPr>
           </a:p>
           <a:p>
-            <a:pPr indent="0" lvl="0" marL="190500" marR="190500" rtl="0" algn="l">
+            <a:pPr marL="190500" marR="190500" lvl="0" indent="0" algn="l" rtl="0">
               <a:lnSpc>
                 <a:spcPct val="146668"/>
               </a:lnSpc>
@@ -8960,9 +9078,6 @@
               </a:spcAft>
               <a:buNone/>
             </a:pPr>
-            <a:r>
-              <a:t/>
-            </a:r>
             <a:endParaRPr sz="1150">
               <a:solidFill>
                 <a:srgbClr val="1D1C1D"/>
@@ -8973,7 +9088,7 @@
             </a:endParaRPr>
           </a:p>
           <a:p>
-            <a:pPr indent="0" lvl="0" marL="0" rtl="0" algn="l">
+            <a:pPr marL="0" lvl="0" indent="0" algn="l" rtl="0">
               <a:spcBef>
                 <a:spcPts val="0"/>
               </a:spcBef>
@@ -8982,9 +9097,6 @@
               </a:spcAft>
               <a:buNone/>
             </a:pPr>
-            <a:r>
-              <a:t/>
-            </a:r>
             <a:endParaRPr>
               <a:latin typeface="Roboto"/>
               <a:ea typeface="Roboto"/>
@@ -9003,11 +9115,11 @@
 </file>
 
 <file path=ppt/slides/slide11.xml><?xml version="1.0" encoding="utf-8"?>
-<p:sld xmlns:a="http://schemas.openxmlformats.org/drawingml/2006/main" xmlns:r="http://schemas.openxmlformats.org/officeDocument/2006/relationships" xmlns:mc="http://schemas.openxmlformats.org/markup-compatibility/2006" xmlns:mv="urn:schemas-microsoft-com:mac:vml" xmlns:p="http://schemas.openxmlformats.org/presentationml/2006/main" xmlns:c="http://schemas.openxmlformats.org/drawingml/2006/chart" xmlns:dgm="http://schemas.openxmlformats.org/drawingml/2006/diagram" xmlns:o="urn:schemas-microsoft-com:office:office" xmlns:v="urn:schemas-microsoft-com:vml" xmlns:pvml="urn:schemas-microsoft-com:office:powerpoint" xmlns:com="http://schemas.openxmlformats.org/drawingml/2006/compatibility" xmlns:p14="http://schemas.microsoft.com/office/powerpoint/2010/main" xmlns:p15="http://schemas.microsoft.com/office/powerpoint/2012/main" xmlns:ahyp="http://schemas.microsoft.com/office/drawing/2018/hyperlinkcolor">
+<p:sld xmlns:a="http://schemas.openxmlformats.org/drawingml/2006/main" xmlns:r="http://schemas.openxmlformats.org/officeDocument/2006/relationships" xmlns:p="http://schemas.openxmlformats.org/presentationml/2006/main">
   <p:cSld>
     <p:spTree>
       <p:nvGrpSpPr>
-        <p:cNvPr id="164" name="Shape 164"/>
+        <p:cNvPr id="1" name="Shape 164"/>
         <p:cNvGrpSpPr/>
         <p:nvPr/>
       </p:nvGrpSpPr>
@@ -9022,7 +9134,9 @@
       <p:sp>
         <p:nvSpPr>
           <p:cNvPr id="165" name="Google Shape;165;p23"/>
-          <p:cNvSpPr txBox="1"/>
+          <p:cNvSpPr txBox="1">
+            <a:spLocks noGrp="1"/>
+          </p:cNvSpPr>
           <p:nvPr>
             <p:ph type="title"/>
           </p:nvPr>
@@ -9037,12 +9151,12 @@
           </a:prstGeom>
         </p:spPr>
         <p:txBody>
-          <a:bodyPr anchorCtr="0" anchor="ctr" bIns="91425" lIns="91425" spcFirstLastPara="1" rIns="91425" wrap="square" tIns="91425">
+          <a:bodyPr spcFirstLastPara="1" wrap="square" lIns="91425" tIns="91425" rIns="91425" bIns="91425" anchor="ctr" anchorCtr="0">
             <a:noAutofit/>
           </a:bodyPr>
           <a:lstStyle/>
           <a:p>
-            <a:pPr indent="0" lvl="0" marL="0" rtl="0" algn="l">
+            <a:pPr marL="0" lvl="0" indent="0" algn="l" rtl="0">
               <a:spcBef>
                 <a:spcPts val="0"/>
               </a:spcBef>
@@ -9053,11 +9167,7 @@
             </a:pPr>
             <a:r>
               <a:rPr lang="en"/>
-              <a:t>Data </a:t>
-            </a:r>
-            <a:r>
-              <a:rPr lang="en"/>
-              <a:t>Visualization</a:t>
+              <a:t>Data Visualization</a:t>
             </a:r>
             <a:endParaRPr/>
           </a:p>
@@ -9072,11 +9182,11 @@
 </file>
 
 <file path=ppt/slides/slide12.xml><?xml version="1.0" encoding="utf-8"?>
-<p:sld xmlns:a="http://schemas.openxmlformats.org/drawingml/2006/main" xmlns:r="http://schemas.openxmlformats.org/officeDocument/2006/relationships" xmlns:mc="http://schemas.openxmlformats.org/markup-compatibility/2006" xmlns:mv="urn:schemas-microsoft-com:mac:vml" xmlns:p="http://schemas.openxmlformats.org/presentationml/2006/main" xmlns:c="http://schemas.openxmlformats.org/drawingml/2006/chart" xmlns:dgm="http://schemas.openxmlformats.org/drawingml/2006/diagram" xmlns:o="urn:schemas-microsoft-com:office:office" xmlns:v="urn:schemas-microsoft-com:vml" xmlns:pvml="urn:schemas-microsoft-com:office:powerpoint" xmlns:com="http://schemas.openxmlformats.org/drawingml/2006/compatibility" xmlns:p14="http://schemas.microsoft.com/office/powerpoint/2010/main" xmlns:p15="http://schemas.microsoft.com/office/powerpoint/2012/main" xmlns:ahyp="http://schemas.microsoft.com/office/drawing/2018/hyperlinkcolor">
+<p:sld xmlns:a="http://schemas.openxmlformats.org/drawingml/2006/main" xmlns:r="http://schemas.openxmlformats.org/officeDocument/2006/relationships" xmlns:p="http://schemas.openxmlformats.org/presentationml/2006/main">
   <p:cSld>
     <p:spTree>
       <p:nvGrpSpPr>
-        <p:cNvPr id="169" name="Shape 169"/>
+        <p:cNvPr id="1" name="Shape 169"/>
         <p:cNvGrpSpPr/>
         <p:nvPr/>
       </p:nvGrpSpPr>
@@ -9091,7 +9201,9 @@
       <p:sp>
         <p:nvSpPr>
           <p:cNvPr id="170" name="Google Shape;170;p24"/>
-          <p:cNvSpPr txBox="1"/>
+          <p:cNvSpPr txBox="1">
+            <a:spLocks noGrp="1"/>
+          </p:cNvSpPr>
           <p:nvPr>
             <p:ph type="title"/>
           </p:nvPr>
@@ -9106,12 +9218,12 @@
           </a:prstGeom>
         </p:spPr>
         <p:txBody>
-          <a:bodyPr anchorCtr="0" anchor="b" bIns="91425" lIns="91425" spcFirstLastPara="1" rIns="91425" wrap="square" tIns="91425">
+          <a:bodyPr spcFirstLastPara="1" wrap="square" lIns="91425" tIns="91425" rIns="91425" bIns="91425" anchor="b" anchorCtr="0">
             <a:noAutofit/>
           </a:bodyPr>
           <a:lstStyle/>
           <a:p>
-            <a:pPr indent="0" lvl="0" marL="0" rtl="0" algn="ctr">
+            <a:pPr marL="0" lvl="0" indent="0" algn="ctr" rtl="0">
               <a:spcBef>
                 <a:spcPts val="0"/>
               </a:spcBef>
@@ -9131,9 +9243,11 @@
       <p:sp>
         <p:nvSpPr>
           <p:cNvPr id="171" name="Google Shape;171;p24"/>
-          <p:cNvSpPr txBox="1"/>
+          <p:cNvSpPr txBox="1">
+            <a:spLocks noGrp="1"/>
+          </p:cNvSpPr>
           <p:nvPr>
-            <p:ph idx="1" type="subTitle"/>
+            <p:ph type="subTitle" idx="1"/>
           </p:nvPr>
         </p:nvSpPr>
         <p:spPr>
@@ -9146,12 +9260,12 @@
           </a:prstGeom>
         </p:spPr>
         <p:txBody>
-          <a:bodyPr anchorCtr="0" anchor="t" bIns="91425" lIns="91425" spcFirstLastPara="1" rIns="91425" wrap="square" tIns="91425">
+          <a:bodyPr spcFirstLastPara="1" wrap="square" lIns="91425" tIns="91425" rIns="91425" bIns="91425" anchor="t" anchorCtr="0">
             <a:noAutofit/>
           </a:bodyPr>
           <a:lstStyle/>
           <a:p>
-            <a:pPr indent="0" lvl="0" marL="0" rtl="0" algn="ctr">
+            <a:pPr marL="0" lvl="0" indent="0" algn="ctr" rtl="0">
               <a:spcBef>
                 <a:spcPts val="0"/>
               </a:spcBef>
@@ -9171,9 +9285,11 @@
       <p:sp>
         <p:nvSpPr>
           <p:cNvPr id="172" name="Google Shape;172;p24"/>
-          <p:cNvSpPr txBox="1"/>
+          <p:cNvSpPr txBox="1">
+            <a:spLocks noGrp="1"/>
+          </p:cNvSpPr>
           <p:nvPr>
-            <p:ph idx="2" type="body"/>
+            <p:ph type="body" idx="2"/>
           </p:nvPr>
         </p:nvSpPr>
         <p:spPr>
@@ -9186,12 +9302,12 @@
           </a:prstGeom>
         </p:spPr>
         <p:txBody>
-          <a:bodyPr anchorCtr="0" anchor="ctr" bIns="91425" lIns="91425" spcFirstLastPara="1" rIns="91425" wrap="square" tIns="91425">
+          <a:bodyPr spcFirstLastPara="1" wrap="square" lIns="91425" tIns="91425" rIns="91425" bIns="91425" anchor="ctr" anchorCtr="0">
             <a:noAutofit/>
           </a:bodyPr>
           <a:lstStyle/>
           <a:p>
-            <a:pPr indent="0" lvl="0" marL="0" rtl="0" algn="l">
+            <a:pPr marL="0" lvl="0" indent="0" algn="l" rtl="0">
               <a:spcBef>
                 <a:spcPts val="0"/>
               </a:spcBef>
@@ -9207,7 +9323,7 @@
             <a:endParaRPr/>
           </a:p>
           <a:p>
-            <a:pPr indent="-342900" lvl="0" marL="457200" rtl="0" algn="l">
+            <a:pPr marL="457200" lvl="0" indent="-342900" algn="l" rtl="0">
               <a:spcBef>
                 <a:spcPts val="1600"/>
               </a:spcBef>
@@ -9224,7 +9340,7 @@
             <a:endParaRPr/>
           </a:p>
           <a:p>
-            <a:pPr indent="-342900" lvl="0" marL="457200" rtl="0" algn="l">
+            <a:pPr marL="457200" lvl="0" indent="-342900" algn="l" rtl="0">
               <a:spcBef>
                 <a:spcPts val="0"/>
               </a:spcBef>
@@ -9241,7 +9357,7 @@
             <a:endParaRPr/>
           </a:p>
           <a:p>
-            <a:pPr indent="-342900" lvl="0" marL="457200" rtl="0" algn="l">
+            <a:pPr marL="457200" lvl="0" indent="-342900" algn="l" rtl="0">
               <a:spcBef>
                 <a:spcPts val="0"/>
               </a:spcBef>
@@ -9258,7 +9374,7 @@
             <a:endParaRPr/>
           </a:p>
           <a:p>
-            <a:pPr indent="-342900" lvl="0" marL="457200" rtl="0" algn="l">
+            <a:pPr marL="457200" lvl="0" indent="-342900" algn="l" rtl="0">
               <a:spcBef>
                 <a:spcPts val="0"/>
               </a:spcBef>
@@ -9285,18 +9401,19 @@
 </file>
 
 <file path=ppt/slides/slide13.xml><?xml version="1.0" encoding="utf-8"?>
-<p:sld xmlns:a="http://schemas.openxmlformats.org/drawingml/2006/main" xmlns:r="http://schemas.openxmlformats.org/officeDocument/2006/relationships" xmlns:mc="http://schemas.openxmlformats.org/markup-compatibility/2006" xmlns:mv="urn:schemas-microsoft-com:mac:vml" xmlns:p="http://schemas.openxmlformats.org/presentationml/2006/main" xmlns:c="http://schemas.openxmlformats.org/drawingml/2006/chart" xmlns:dgm="http://schemas.openxmlformats.org/drawingml/2006/diagram" xmlns:o="urn:schemas-microsoft-com:office:office" xmlns:v="urn:schemas-microsoft-com:vml" xmlns:pvml="urn:schemas-microsoft-com:office:powerpoint" xmlns:com="http://schemas.openxmlformats.org/drawingml/2006/compatibility" xmlns:p14="http://schemas.microsoft.com/office/powerpoint/2010/main" xmlns:p15="http://schemas.microsoft.com/office/powerpoint/2012/main" xmlns:ahyp="http://schemas.microsoft.com/office/drawing/2018/hyperlinkcolor">
+<p:sld xmlns:a="http://schemas.openxmlformats.org/drawingml/2006/main" xmlns:r="http://schemas.openxmlformats.org/officeDocument/2006/relationships" xmlns:p="http://schemas.openxmlformats.org/presentationml/2006/main">
   <p:cSld>
     <p:bg>
       <p:bgPr>
         <a:solidFill>
           <a:schemeClr val="lt1"/>
         </a:solidFill>
+        <a:effectLst/>
       </p:bgPr>
     </p:bg>
     <p:spTree>
       <p:nvGrpSpPr>
-        <p:cNvPr id="176" name="Shape 176"/>
+        <p:cNvPr id="1" name="Shape 176"/>
         <p:cNvGrpSpPr/>
         <p:nvPr/>
       </p:nvGrpSpPr>
@@ -9311,7 +9428,9 @@
       <p:sp>
         <p:nvSpPr>
           <p:cNvPr id="177" name="Google Shape;177;p25"/>
-          <p:cNvSpPr txBox="1"/>
+          <p:cNvSpPr txBox="1">
+            <a:spLocks noGrp="1"/>
+          </p:cNvSpPr>
           <p:nvPr>
             <p:ph type="title"/>
           </p:nvPr>
@@ -9326,12 +9445,12 @@
           </a:prstGeom>
         </p:spPr>
         <p:txBody>
-          <a:bodyPr anchorCtr="0" anchor="ctr" bIns="91425" lIns="91425" spcFirstLastPara="1" rIns="91425" wrap="square" tIns="91425">
+          <a:bodyPr spcFirstLastPara="1" wrap="square" lIns="91425" tIns="91425" rIns="91425" bIns="91425" anchor="ctr" anchorCtr="0">
             <a:noAutofit/>
           </a:bodyPr>
           <a:lstStyle/>
           <a:p>
-            <a:pPr indent="0" lvl="0" marL="0" rtl="0" algn="l">
+            <a:pPr marL="0" lvl="0" indent="0" algn="l" rtl="0">
               <a:spcBef>
                 <a:spcPts val="0"/>
               </a:spcBef>
@@ -9340,9 +9459,6 @@
               </a:spcAft>
               <a:buNone/>
             </a:pPr>
-            <a:r>
-              <a:t/>
-            </a:r>
             <a:endParaRPr/>
           </a:p>
         </p:txBody>
@@ -9395,12 +9511,12 @@
           </a:ln>
         </p:spPr>
         <p:txBody>
-          <a:bodyPr anchorCtr="0" anchor="t" bIns="91425" lIns="91425" spcFirstLastPara="1" rIns="91425" wrap="square" tIns="91425">
+          <a:bodyPr spcFirstLastPara="1" wrap="square" lIns="91425" tIns="91425" rIns="91425" bIns="91425" anchor="t" anchorCtr="0">
             <a:spAutoFit/>
           </a:bodyPr>
           <a:lstStyle/>
           <a:p>
-            <a:pPr indent="0" lvl="0" marL="0" rtl="0" algn="l">
+            <a:pPr marL="0" lvl="0" indent="0" algn="l" rtl="0">
               <a:spcBef>
                 <a:spcPts val="0"/>
               </a:spcBef>
@@ -9442,11 +9558,11 @@
 </file>
 
 <file path=ppt/slides/slide14.xml><?xml version="1.0" encoding="utf-8"?>
-<p:sld xmlns:a="http://schemas.openxmlformats.org/drawingml/2006/main" xmlns:r="http://schemas.openxmlformats.org/officeDocument/2006/relationships" xmlns:mc="http://schemas.openxmlformats.org/markup-compatibility/2006" xmlns:mv="urn:schemas-microsoft-com:mac:vml" xmlns:p="http://schemas.openxmlformats.org/presentationml/2006/main" xmlns:c="http://schemas.openxmlformats.org/drawingml/2006/chart" xmlns:dgm="http://schemas.openxmlformats.org/drawingml/2006/diagram" xmlns:o="urn:schemas-microsoft-com:office:office" xmlns:v="urn:schemas-microsoft-com:vml" xmlns:pvml="urn:schemas-microsoft-com:office:powerpoint" xmlns:com="http://schemas.openxmlformats.org/drawingml/2006/compatibility" xmlns:p14="http://schemas.microsoft.com/office/powerpoint/2010/main" xmlns:p15="http://schemas.microsoft.com/office/powerpoint/2012/main" xmlns:ahyp="http://schemas.microsoft.com/office/drawing/2018/hyperlinkcolor">
+<p:sld xmlns:a="http://schemas.openxmlformats.org/drawingml/2006/main" xmlns:r="http://schemas.openxmlformats.org/officeDocument/2006/relationships" xmlns:p="http://schemas.openxmlformats.org/presentationml/2006/main">
   <p:cSld>
     <p:spTree>
       <p:nvGrpSpPr>
-        <p:cNvPr id="183" name="Shape 183"/>
+        <p:cNvPr id="1" name="Shape 183"/>
         <p:cNvGrpSpPr/>
         <p:nvPr/>
       </p:nvGrpSpPr>
@@ -9487,14 +9603,14 @@
               <a:avLst/>
             </a:prstGeom>
             <a:noFill/>
-            <a:ln cap="flat" cmpd="sng" w="9525">
+            <a:ln w="9525" cap="flat" cmpd="sng">
               <a:solidFill>
                 <a:schemeClr val="lt1"/>
               </a:solidFill>
               <a:prstDash val="dash"/>
               <a:round/>
-              <a:headEnd len="sm" w="sm" type="none"/>
-              <a:tailEnd len="sm" w="sm" type="none"/>
+              <a:headEnd type="none" w="sm" len="sm"/>
+              <a:tailEnd type="none" w="sm" len="sm"/>
             </a:ln>
           </p:spPr>
         </p:cxnSp>
@@ -9513,14 +9629,14 @@
               <a:avLst/>
             </a:prstGeom>
             <a:noFill/>
-            <a:ln cap="flat" cmpd="sng" w="9525">
+            <a:ln w="9525" cap="flat" cmpd="sng">
               <a:solidFill>
                 <a:schemeClr val="lt1"/>
               </a:solidFill>
               <a:prstDash val="dash"/>
               <a:round/>
-              <a:headEnd len="sm" w="sm" type="none"/>
-              <a:tailEnd len="sm" w="sm" type="none"/>
+              <a:headEnd type="none" w="sm" len="sm"/>
+              <a:tailEnd type="none" w="sm" len="sm"/>
             </a:ln>
           </p:spPr>
         </p:cxnSp>
@@ -9539,14 +9655,14 @@
               <a:avLst/>
             </a:prstGeom>
             <a:noFill/>
-            <a:ln cap="flat" cmpd="sng" w="9525">
+            <a:ln w="9525" cap="flat" cmpd="sng">
               <a:solidFill>
                 <a:schemeClr val="lt1"/>
               </a:solidFill>
               <a:prstDash val="dash"/>
               <a:round/>
-              <a:headEnd len="sm" w="sm" type="none"/>
-              <a:tailEnd len="sm" w="sm" type="none"/>
+              <a:headEnd type="none" w="sm" len="sm"/>
+              <a:tailEnd type="none" w="sm" len="sm"/>
             </a:ln>
           </p:spPr>
         </p:cxnSp>
@@ -9565,14 +9681,14 @@
               <a:avLst/>
             </a:prstGeom>
             <a:noFill/>
-            <a:ln cap="flat" cmpd="sng" w="9525">
+            <a:ln w="9525" cap="flat" cmpd="sng">
               <a:solidFill>
                 <a:schemeClr val="lt1"/>
               </a:solidFill>
               <a:prstDash val="dash"/>
               <a:round/>
-              <a:headEnd len="sm" w="sm" type="none"/>
-              <a:tailEnd len="sm" w="sm" type="none"/>
+              <a:headEnd type="none" w="sm" len="sm"/>
+              <a:tailEnd type="none" w="sm" len="sm"/>
             </a:ln>
           </p:spPr>
         </p:cxnSp>
@@ -9591,14 +9707,14 @@
               <a:avLst/>
             </a:prstGeom>
             <a:noFill/>
-            <a:ln cap="flat" cmpd="sng" w="9525">
+            <a:ln w="9525" cap="flat" cmpd="sng">
               <a:solidFill>
                 <a:schemeClr val="lt1"/>
               </a:solidFill>
               <a:prstDash val="dash"/>
               <a:round/>
-              <a:headEnd len="sm" w="sm" type="none"/>
-              <a:tailEnd len="sm" w="sm" type="none"/>
+              <a:headEnd type="none" w="sm" len="sm"/>
+              <a:tailEnd type="none" w="sm" len="sm"/>
             </a:ln>
           </p:spPr>
         </p:cxnSp>
@@ -9617,14 +9733,14 @@
               <a:avLst/>
             </a:prstGeom>
             <a:noFill/>
-            <a:ln cap="flat" cmpd="sng" w="9525">
+            <a:ln w="9525" cap="flat" cmpd="sng">
               <a:solidFill>
                 <a:schemeClr val="lt1"/>
               </a:solidFill>
               <a:prstDash val="dash"/>
               <a:round/>
-              <a:headEnd len="sm" w="sm" type="none"/>
-              <a:tailEnd len="sm" w="sm" type="none"/>
+              <a:headEnd type="none" w="sm" len="sm"/>
+              <a:tailEnd type="none" w="sm" len="sm"/>
             </a:ln>
           </p:spPr>
         </p:cxnSp>
@@ -9643,14 +9759,14 @@
               <a:avLst/>
             </a:prstGeom>
             <a:noFill/>
-            <a:ln cap="flat" cmpd="sng" w="9525">
+            <a:ln w="9525" cap="flat" cmpd="sng">
               <a:solidFill>
                 <a:schemeClr val="lt1"/>
               </a:solidFill>
               <a:prstDash val="dash"/>
               <a:round/>
-              <a:headEnd len="sm" w="sm" type="none"/>
-              <a:tailEnd len="sm" w="sm" type="none"/>
+              <a:headEnd type="none" w="sm" len="sm"/>
+              <a:tailEnd type="none" w="sm" len="sm"/>
             </a:ln>
           </p:spPr>
         </p:cxnSp>
@@ -9669,14 +9785,14 @@
               <a:avLst/>
             </a:prstGeom>
             <a:noFill/>
-            <a:ln cap="flat" cmpd="sng" w="9525">
+            <a:ln w="9525" cap="flat" cmpd="sng">
               <a:solidFill>
                 <a:schemeClr val="lt1"/>
               </a:solidFill>
               <a:prstDash val="dash"/>
               <a:round/>
-              <a:headEnd len="sm" w="sm" type="none"/>
-              <a:tailEnd len="sm" w="sm" type="none"/>
+              <a:headEnd type="none" w="sm" len="sm"/>
+              <a:tailEnd type="none" w="sm" len="sm"/>
             </a:ln>
           </p:spPr>
         </p:cxnSp>
@@ -9695,14 +9811,14 @@
               <a:avLst/>
             </a:prstGeom>
             <a:noFill/>
-            <a:ln cap="flat" cmpd="sng" w="9525">
+            <a:ln w="9525" cap="flat" cmpd="sng">
               <a:solidFill>
                 <a:schemeClr val="lt1"/>
               </a:solidFill>
               <a:prstDash val="dash"/>
               <a:round/>
-              <a:headEnd len="sm" w="sm" type="none"/>
-              <a:tailEnd len="sm" w="sm" type="none"/>
+              <a:headEnd type="none" w="sm" len="sm"/>
+              <a:tailEnd type="none" w="sm" len="sm"/>
             </a:ln>
           </p:spPr>
         </p:cxnSp>
@@ -9721,14 +9837,14 @@
               <a:avLst/>
             </a:prstGeom>
             <a:noFill/>
-            <a:ln cap="flat" cmpd="sng" w="9525">
+            <a:ln w="9525" cap="flat" cmpd="sng">
               <a:solidFill>
                 <a:schemeClr val="lt1"/>
               </a:solidFill>
               <a:prstDash val="dash"/>
               <a:round/>
-              <a:headEnd len="sm" w="sm" type="none"/>
-              <a:tailEnd len="sm" w="sm" type="none"/>
+              <a:headEnd type="none" w="sm" len="sm"/>
+              <a:tailEnd type="none" w="sm" len="sm"/>
             </a:ln>
           </p:spPr>
         </p:cxnSp>
@@ -9748,23 +9864,23 @@
             <a:avLst/>
           </a:prstGeom>
           <a:noFill/>
-          <a:ln cap="flat" cmpd="sng" w="19050">
+          <a:ln w="19050" cap="flat" cmpd="sng">
             <a:solidFill>
               <a:schemeClr val="accent5"/>
             </a:solidFill>
             <a:prstDash val="solid"/>
             <a:round/>
-            <a:headEnd len="sm" w="sm" type="none"/>
-            <a:tailEnd len="sm" w="sm" type="none"/>
+            <a:headEnd type="none" w="sm" len="sm"/>
+            <a:tailEnd type="none" w="sm" len="sm"/>
           </a:ln>
         </p:spPr>
         <p:txBody>
-          <a:bodyPr anchorCtr="0" anchor="ctr" bIns="91425" lIns="91425" spcFirstLastPara="1" rIns="91425" wrap="square" tIns="91425">
+          <a:bodyPr spcFirstLastPara="1" wrap="square" lIns="91425" tIns="91425" rIns="91425" bIns="91425" anchor="ctr" anchorCtr="0">
             <a:noAutofit/>
           </a:bodyPr>
           <a:lstStyle/>
           <a:p>
-            <a:pPr indent="0" lvl="0" marL="0" rtl="0" algn="l">
+            <a:pPr marL="0" lvl="0" indent="0" algn="l" rtl="0">
               <a:spcBef>
                 <a:spcPts val="0"/>
               </a:spcBef>
@@ -9773,9 +9889,6 @@
               </a:spcAft>
               <a:buNone/>
             </a:pPr>
-            <a:r>
-              <a:t/>
-            </a:r>
             <a:endParaRPr/>
           </a:p>
         </p:txBody>
@@ -9783,7 +9896,9 @@
       <p:sp>
         <p:nvSpPr>
           <p:cNvPr id="196" name="Google Shape;196;p26"/>
-          <p:cNvSpPr txBox="1"/>
+          <p:cNvSpPr txBox="1">
+            <a:spLocks noGrp="1"/>
+          </p:cNvSpPr>
           <p:nvPr>
             <p:ph type="title"/>
           </p:nvPr>
@@ -9798,12 +9913,12 @@
           </a:prstGeom>
         </p:spPr>
         <p:txBody>
-          <a:bodyPr anchorCtr="0" anchor="b" bIns="91425" lIns="91425" spcFirstLastPara="1" rIns="91425" wrap="square" tIns="91425">
+          <a:bodyPr spcFirstLastPara="1" wrap="square" lIns="91425" tIns="91425" rIns="91425" bIns="91425" anchor="b" anchorCtr="0">
             <a:noAutofit/>
           </a:bodyPr>
           <a:lstStyle/>
           <a:p>
-            <a:pPr indent="0" lvl="0" marL="0" rtl="0" algn="ctr">
+            <a:pPr marL="0" lvl="0" indent="0" algn="ctr" rtl="0">
               <a:spcBef>
                 <a:spcPts val="0"/>
               </a:spcBef>
@@ -9823,9 +9938,11 @@
       <p:sp>
         <p:nvSpPr>
           <p:cNvPr id="197" name="Google Shape;197;p26"/>
-          <p:cNvSpPr txBox="1"/>
+          <p:cNvSpPr txBox="1">
+            <a:spLocks noGrp="1"/>
+          </p:cNvSpPr>
           <p:nvPr>
-            <p:ph idx="1" type="subTitle"/>
+            <p:ph type="subTitle" idx="1"/>
           </p:nvPr>
         </p:nvSpPr>
         <p:spPr>
@@ -9838,12 +9955,12 @@
           </a:prstGeom>
         </p:spPr>
         <p:txBody>
-          <a:bodyPr anchorCtr="0" anchor="t" bIns="91425" lIns="91425" spcFirstLastPara="1" rIns="91425" wrap="square" tIns="91425">
+          <a:bodyPr spcFirstLastPara="1" wrap="square" lIns="91425" tIns="91425" rIns="91425" bIns="91425" anchor="t" anchorCtr="0">
             <a:noAutofit/>
           </a:bodyPr>
           <a:lstStyle/>
           <a:p>
-            <a:pPr indent="0" lvl="0" marL="0" rtl="0" algn="ctr">
+            <a:pPr marL="0" lvl="0" indent="0" algn="ctr" rtl="0">
               <a:spcBef>
                 <a:spcPts val="0"/>
               </a:spcBef>
@@ -9859,7 +9976,7 @@
             <a:endParaRPr/>
           </a:p>
           <a:p>
-            <a:pPr indent="0" lvl="0" marL="0" rtl="0" algn="ctr">
+            <a:pPr marL="0" lvl="0" indent="0" algn="ctr" rtl="0">
               <a:spcBef>
                 <a:spcPts val="0"/>
               </a:spcBef>
@@ -9868,13 +9985,10 @@
               </a:spcAft>
               <a:buNone/>
             </a:pPr>
-            <a:r>
-              <a:t/>
-            </a:r>
             <a:endParaRPr/>
           </a:p>
           <a:p>
-            <a:pPr indent="0" lvl="0" marL="0" rtl="0" algn="ctr">
+            <a:pPr marL="0" lvl="0" indent="0" algn="ctr" rtl="0">
               <a:spcBef>
                 <a:spcPts val="0"/>
               </a:spcBef>
@@ -9895,7 +10009,7 @@
             <a:endParaRPr/>
           </a:p>
           <a:p>
-            <a:pPr indent="0" lvl="0" marL="0" rtl="0" algn="ctr">
+            <a:pPr marL="0" lvl="0" indent="0" algn="ctr" rtl="0">
               <a:spcBef>
                 <a:spcPts val="0"/>
               </a:spcBef>
@@ -9904,9 +10018,6 @@
               </a:spcAft>
               <a:buNone/>
             </a:pPr>
-            <a:r>
-              <a:t/>
-            </a:r>
             <a:endParaRPr/>
           </a:p>
         </p:txBody>
@@ -9937,9 +10048,13 @@
               <a:ext cx="4144235" cy="1631269"/>
             </a:xfrm>
             <a:custGeom>
-              <a:rect b="b" l="l" r="r" t="t"/>
+              <a:avLst/>
+              <a:gdLst/>
+              <a:ahLst/>
+              <a:cxnLst/>
+              <a:rect l="l" t="t" r="r" b="b"/>
               <a:pathLst>
-                <a:path extrusionOk="0" h="90088" w="165422">
+                <a:path w="165422" h="90088" extrusionOk="0">
                   <a:moveTo>
                     <a:pt x="0" y="65550"/>
                   </a:moveTo>
@@ -9992,14 +10107,14 @@
               </a:pathLst>
             </a:custGeom>
             <a:noFill/>
-            <a:ln cap="flat" cmpd="sng" w="19050">
+            <a:ln w="19050" cap="flat" cmpd="sng">
               <a:solidFill>
                 <a:schemeClr val="lt1"/>
               </a:solidFill>
               <a:prstDash val="solid"/>
               <a:round/>
-              <a:headEnd len="med" w="med" type="oval"/>
-              <a:tailEnd len="med" w="med" type="oval"/>
+              <a:headEnd type="oval" w="med" len="med"/>
+              <a:tailEnd type="oval" w="med" len="med"/>
             </a:ln>
           </p:spPr>
         </p:sp>
@@ -10020,23 +10135,23 @@
             <a:solidFill>
               <a:schemeClr val="lt1"/>
             </a:solidFill>
-            <a:ln cap="flat" cmpd="sng" w="19050">
+            <a:ln w="19050" cap="flat" cmpd="sng">
               <a:solidFill>
                 <a:schemeClr val="lt1"/>
               </a:solidFill>
               <a:prstDash val="solid"/>
               <a:round/>
-              <a:headEnd len="sm" w="sm" type="none"/>
-              <a:tailEnd len="sm" w="sm" type="none"/>
+              <a:headEnd type="none" w="sm" len="sm"/>
+              <a:tailEnd type="none" w="sm" len="sm"/>
             </a:ln>
           </p:spPr>
           <p:txBody>
-            <a:bodyPr anchorCtr="0" anchor="ctr" bIns="91425" lIns="91425" spcFirstLastPara="1" rIns="91425" wrap="square" tIns="91425">
+            <a:bodyPr spcFirstLastPara="1" wrap="square" lIns="91425" tIns="91425" rIns="91425" bIns="91425" anchor="ctr" anchorCtr="0">
               <a:noAutofit/>
             </a:bodyPr>
             <a:lstStyle/>
             <a:p>
-              <a:pPr indent="0" lvl="0" marL="0" rtl="0" algn="l">
+              <a:pPr marL="0" lvl="0" indent="0" algn="l" rtl="0">
                 <a:spcBef>
                   <a:spcPts val="0"/>
                 </a:spcBef>
@@ -10045,9 +10160,6 @@
                 </a:spcAft>
                 <a:buNone/>
               </a:pPr>
-              <a:r>
-                <a:t/>
-              </a:r>
               <a:endParaRPr/>
             </a:p>
           </p:txBody>
@@ -10069,23 +10181,23 @@
             <a:solidFill>
               <a:schemeClr val="lt1"/>
             </a:solidFill>
-            <a:ln cap="flat" cmpd="sng" w="19050">
+            <a:ln w="19050" cap="flat" cmpd="sng">
               <a:solidFill>
                 <a:schemeClr val="lt1"/>
               </a:solidFill>
               <a:prstDash val="solid"/>
               <a:round/>
-              <a:headEnd len="sm" w="sm" type="none"/>
-              <a:tailEnd len="sm" w="sm" type="none"/>
+              <a:headEnd type="none" w="sm" len="sm"/>
+              <a:tailEnd type="none" w="sm" len="sm"/>
             </a:ln>
           </p:spPr>
           <p:txBody>
-            <a:bodyPr anchorCtr="0" anchor="ctr" bIns="91425" lIns="91425" spcFirstLastPara="1" rIns="91425" wrap="square" tIns="91425">
+            <a:bodyPr spcFirstLastPara="1" wrap="square" lIns="91425" tIns="91425" rIns="91425" bIns="91425" anchor="ctr" anchorCtr="0">
               <a:noAutofit/>
             </a:bodyPr>
             <a:lstStyle/>
             <a:p>
-              <a:pPr indent="0" lvl="0" marL="0" rtl="0" algn="l">
+              <a:pPr marL="0" lvl="0" indent="0" algn="l" rtl="0">
                 <a:spcBef>
                   <a:spcPts val="0"/>
                 </a:spcBef>
@@ -10094,9 +10206,6 @@
                 </a:spcAft>
                 <a:buNone/>
               </a:pPr>
-              <a:r>
-                <a:t/>
-              </a:r>
               <a:endParaRPr/>
             </a:p>
           </p:txBody>
@@ -10118,23 +10227,23 @@
             <a:solidFill>
               <a:schemeClr val="lt1"/>
             </a:solidFill>
-            <a:ln cap="flat" cmpd="sng" w="19050">
+            <a:ln w="19050" cap="flat" cmpd="sng">
               <a:solidFill>
                 <a:schemeClr val="lt1"/>
               </a:solidFill>
               <a:prstDash val="solid"/>
               <a:round/>
-              <a:headEnd len="sm" w="sm" type="none"/>
-              <a:tailEnd len="sm" w="sm" type="none"/>
+              <a:headEnd type="none" w="sm" len="sm"/>
+              <a:tailEnd type="none" w="sm" len="sm"/>
             </a:ln>
           </p:spPr>
           <p:txBody>
-            <a:bodyPr anchorCtr="0" anchor="ctr" bIns="91425" lIns="91425" spcFirstLastPara="1" rIns="91425" wrap="square" tIns="91425">
+            <a:bodyPr spcFirstLastPara="1" wrap="square" lIns="91425" tIns="91425" rIns="91425" bIns="91425" anchor="ctr" anchorCtr="0">
               <a:noAutofit/>
             </a:bodyPr>
             <a:lstStyle/>
             <a:p>
-              <a:pPr indent="0" lvl="0" marL="0" rtl="0" algn="l">
+              <a:pPr marL="0" lvl="0" indent="0" algn="l" rtl="0">
                 <a:spcBef>
                   <a:spcPts val="0"/>
                 </a:spcBef>
@@ -10143,9 +10252,6 @@
                 </a:spcAft>
                 <a:buNone/>
               </a:pPr>
-              <a:r>
-                <a:t/>
-              </a:r>
               <a:endParaRPr/>
             </a:p>
           </p:txBody>
@@ -10167,23 +10273,23 @@
             <a:solidFill>
               <a:schemeClr val="lt1"/>
             </a:solidFill>
-            <a:ln cap="flat" cmpd="sng" w="19050">
+            <a:ln w="19050" cap="flat" cmpd="sng">
               <a:solidFill>
                 <a:schemeClr val="lt1"/>
               </a:solidFill>
               <a:prstDash val="solid"/>
               <a:round/>
-              <a:headEnd len="sm" w="sm" type="none"/>
-              <a:tailEnd len="sm" w="sm" type="none"/>
+              <a:headEnd type="none" w="sm" len="sm"/>
+              <a:tailEnd type="none" w="sm" len="sm"/>
             </a:ln>
           </p:spPr>
           <p:txBody>
-            <a:bodyPr anchorCtr="0" anchor="ctr" bIns="91425" lIns="91425" spcFirstLastPara="1" rIns="91425" wrap="square" tIns="91425">
+            <a:bodyPr spcFirstLastPara="1" wrap="square" lIns="91425" tIns="91425" rIns="91425" bIns="91425" anchor="ctr" anchorCtr="0">
               <a:noAutofit/>
             </a:bodyPr>
             <a:lstStyle/>
             <a:p>
-              <a:pPr indent="0" lvl="0" marL="0" rtl="0" algn="l">
+              <a:pPr marL="0" lvl="0" indent="0" algn="l" rtl="0">
                 <a:spcBef>
                   <a:spcPts val="0"/>
                 </a:spcBef>
@@ -10192,9 +10298,6 @@
                 </a:spcAft>
                 <a:buNone/>
               </a:pPr>
-              <a:r>
-                <a:t/>
-              </a:r>
               <a:endParaRPr/>
             </a:p>
           </p:txBody>
@@ -10216,23 +10319,23 @@
             <a:solidFill>
               <a:schemeClr val="lt1"/>
             </a:solidFill>
-            <a:ln cap="flat" cmpd="sng" w="19050">
+            <a:ln w="19050" cap="flat" cmpd="sng">
               <a:solidFill>
                 <a:schemeClr val="lt1"/>
               </a:solidFill>
               <a:prstDash val="solid"/>
               <a:round/>
-              <a:headEnd len="sm" w="sm" type="none"/>
-              <a:tailEnd len="sm" w="sm" type="none"/>
+              <a:headEnd type="none" w="sm" len="sm"/>
+              <a:tailEnd type="none" w="sm" len="sm"/>
             </a:ln>
           </p:spPr>
           <p:txBody>
-            <a:bodyPr anchorCtr="0" anchor="ctr" bIns="91425" lIns="91425" spcFirstLastPara="1" rIns="91425" wrap="square" tIns="91425">
+            <a:bodyPr spcFirstLastPara="1" wrap="square" lIns="91425" tIns="91425" rIns="91425" bIns="91425" anchor="ctr" anchorCtr="0">
               <a:noAutofit/>
             </a:bodyPr>
             <a:lstStyle/>
             <a:p>
-              <a:pPr indent="0" lvl="0" marL="0" rtl="0" algn="l">
+              <a:pPr marL="0" lvl="0" indent="0" algn="l" rtl="0">
                 <a:spcBef>
                   <a:spcPts val="0"/>
                 </a:spcBef>
@@ -10241,9 +10344,6 @@
                 </a:spcAft>
                 <a:buNone/>
               </a:pPr>
-              <a:r>
-                <a:t/>
-              </a:r>
               <a:endParaRPr/>
             </a:p>
           </p:txBody>
@@ -10265,23 +10365,23 @@
             <a:solidFill>
               <a:schemeClr val="lt1"/>
             </a:solidFill>
-            <a:ln cap="flat" cmpd="sng" w="19050">
+            <a:ln w="19050" cap="flat" cmpd="sng">
               <a:solidFill>
                 <a:schemeClr val="lt1"/>
               </a:solidFill>
               <a:prstDash val="solid"/>
               <a:round/>
-              <a:headEnd len="sm" w="sm" type="none"/>
-              <a:tailEnd len="sm" w="sm" type="none"/>
+              <a:headEnd type="none" w="sm" len="sm"/>
+              <a:tailEnd type="none" w="sm" len="sm"/>
             </a:ln>
           </p:spPr>
           <p:txBody>
-            <a:bodyPr anchorCtr="0" anchor="ctr" bIns="91425" lIns="91425" spcFirstLastPara="1" rIns="91425" wrap="square" tIns="91425">
+            <a:bodyPr spcFirstLastPara="1" wrap="square" lIns="91425" tIns="91425" rIns="91425" bIns="91425" anchor="ctr" anchorCtr="0">
               <a:noAutofit/>
             </a:bodyPr>
             <a:lstStyle/>
             <a:p>
-              <a:pPr indent="0" lvl="0" marL="0" rtl="0" algn="l">
+              <a:pPr marL="0" lvl="0" indent="0" algn="l" rtl="0">
                 <a:spcBef>
                   <a:spcPts val="0"/>
                 </a:spcBef>
@@ -10290,9 +10390,6 @@
                 </a:spcAft>
                 <a:buNone/>
               </a:pPr>
-              <a:r>
-                <a:t/>
-              </a:r>
               <a:endParaRPr/>
             </a:p>
           </p:txBody>
@@ -10314,23 +10411,23 @@
             <a:solidFill>
               <a:schemeClr val="lt1"/>
             </a:solidFill>
-            <a:ln cap="flat" cmpd="sng" w="19050">
+            <a:ln w="19050" cap="flat" cmpd="sng">
               <a:solidFill>
                 <a:schemeClr val="lt1"/>
               </a:solidFill>
               <a:prstDash val="solid"/>
               <a:round/>
-              <a:headEnd len="sm" w="sm" type="none"/>
-              <a:tailEnd len="sm" w="sm" type="none"/>
+              <a:headEnd type="none" w="sm" len="sm"/>
+              <a:tailEnd type="none" w="sm" len="sm"/>
             </a:ln>
           </p:spPr>
           <p:txBody>
-            <a:bodyPr anchorCtr="0" anchor="ctr" bIns="91425" lIns="91425" spcFirstLastPara="1" rIns="91425" wrap="square" tIns="91425">
+            <a:bodyPr spcFirstLastPara="1" wrap="square" lIns="91425" tIns="91425" rIns="91425" bIns="91425" anchor="ctr" anchorCtr="0">
               <a:noAutofit/>
             </a:bodyPr>
             <a:lstStyle/>
             <a:p>
-              <a:pPr indent="0" lvl="0" marL="0" rtl="0" algn="l">
+              <a:pPr marL="0" lvl="0" indent="0" algn="l" rtl="0">
                 <a:spcBef>
                   <a:spcPts val="0"/>
                 </a:spcBef>
@@ -10339,9 +10436,6 @@
                 </a:spcAft>
                 <a:buNone/>
               </a:pPr>
-              <a:r>
-                <a:t/>
-              </a:r>
               <a:endParaRPr/>
             </a:p>
           </p:txBody>
@@ -10363,23 +10457,23 @@
             <a:solidFill>
               <a:schemeClr val="lt1"/>
             </a:solidFill>
-            <a:ln cap="flat" cmpd="sng" w="19050">
+            <a:ln w="19050" cap="flat" cmpd="sng">
               <a:solidFill>
                 <a:schemeClr val="lt1"/>
               </a:solidFill>
               <a:prstDash val="solid"/>
               <a:round/>
-              <a:headEnd len="sm" w="sm" type="none"/>
-              <a:tailEnd len="sm" w="sm" type="none"/>
+              <a:headEnd type="none" w="sm" len="sm"/>
+              <a:tailEnd type="none" w="sm" len="sm"/>
             </a:ln>
           </p:spPr>
           <p:txBody>
-            <a:bodyPr anchorCtr="0" anchor="ctr" bIns="91425" lIns="91425" spcFirstLastPara="1" rIns="91425" wrap="square" tIns="91425">
+            <a:bodyPr spcFirstLastPara="1" wrap="square" lIns="91425" tIns="91425" rIns="91425" bIns="91425" anchor="ctr" anchorCtr="0">
               <a:noAutofit/>
             </a:bodyPr>
             <a:lstStyle/>
             <a:p>
-              <a:pPr indent="0" lvl="0" marL="0" rtl="0" algn="l">
+              <a:pPr marL="0" lvl="0" indent="0" algn="l" rtl="0">
                 <a:spcBef>
                   <a:spcPts val="0"/>
                 </a:spcBef>
@@ -10388,9 +10482,6 @@
                 </a:spcAft>
                 <a:buNone/>
               </a:pPr>
-              <a:r>
-                <a:t/>
-              </a:r>
               <a:endParaRPr/>
             </a:p>
           </p:txBody>
@@ -10409,9 +10500,9 @@
           </a:xfrm>
           <a:prstGeom prst="wedgeRoundRectCallout">
             <a:avLst>
-              <a:gd fmla="val -21432" name="adj1"/>
-              <a:gd fmla="val 84969" name="adj2"/>
-              <a:gd fmla="val 0" name="adj3"/>
+              <a:gd name="adj1" fmla="val -21432"/>
+              <a:gd name="adj2" fmla="val 84969"/>
+              <a:gd name="adj3" fmla="val 0"/>
             </a:avLst>
           </a:prstGeom>
           <a:solidFill>
@@ -10422,12 +10513,12 @@
           </a:ln>
         </p:spPr>
         <p:txBody>
-          <a:bodyPr anchorCtr="0" anchor="ctr" bIns="91425" lIns="91425" spcFirstLastPara="1" rIns="91425" wrap="square" tIns="91425">
+          <a:bodyPr spcFirstLastPara="1" wrap="square" lIns="91425" tIns="91425" rIns="91425" bIns="91425" anchor="ctr" anchorCtr="0">
             <a:noAutofit/>
           </a:bodyPr>
           <a:lstStyle/>
           <a:p>
-            <a:pPr indent="0" lvl="0" marL="0" rtl="0" algn="l">
+            <a:pPr marL="0" lvl="0" indent="0" algn="l" rtl="0">
               <a:spcBef>
                 <a:spcPts val="0"/>
               </a:spcBef>
@@ -10436,9 +10527,6 @@
               </a:spcAft>
               <a:buNone/>
             </a:pPr>
-            <a:r>
-              <a:t/>
-            </a:r>
             <a:endParaRPr/>
           </a:p>
         </p:txBody>
@@ -10469,9 +10557,13 @@
               <a:ext cx="4156550" cy="1576975"/>
             </a:xfrm>
             <a:custGeom>
-              <a:rect b="b" l="l" r="r" t="t"/>
+              <a:avLst/>
+              <a:gdLst/>
+              <a:ahLst/>
+              <a:cxnLst/>
+              <a:rect l="l" t="t" r="r" b="b"/>
               <a:pathLst>
-                <a:path extrusionOk="0" h="63079" w="166262">
+                <a:path w="166262" h="63079" extrusionOk="0">
                   <a:moveTo>
                     <a:pt x="0" y="34952"/>
                   </a:moveTo>
@@ -10524,14 +10616,14 @@
               </a:pathLst>
             </a:custGeom>
             <a:noFill/>
-            <a:ln cap="flat" cmpd="sng" w="19050">
+            <a:ln w="19050" cap="flat" cmpd="sng">
               <a:solidFill>
                 <a:schemeClr val="accent4"/>
               </a:solidFill>
               <a:prstDash val="solid"/>
               <a:round/>
-              <a:headEnd len="med" w="med" type="oval"/>
-              <a:tailEnd len="med" w="med" type="oval"/>
+              <a:headEnd type="oval" w="med" len="med"/>
+              <a:tailEnd type="oval" w="med" len="med"/>
             </a:ln>
           </p:spPr>
         </p:sp>
@@ -10552,23 +10644,23 @@
             <a:solidFill>
               <a:schemeClr val="accent4"/>
             </a:solidFill>
-            <a:ln cap="flat" cmpd="sng" w="19050">
+            <a:ln w="19050" cap="flat" cmpd="sng">
               <a:solidFill>
                 <a:schemeClr val="accent4"/>
               </a:solidFill>
               <a:prstDash val="solid"/>
               <a:round/>
-              <a:headEnd len="sm" w="sm" type="none"/>
-              <a:tailEnd len="sm" w="sm" type="none"/>
+              <a:headEnd type="none" w="sm" len="sm"/>
+              <a:tailEnd type="none" w="sm" len="sm"/>
             </a:ln>
           </p:spPr>
           <p:txBody>
-            <a:bodyPr anchorCtr="0" anchor="ctr" bIns="91425" lIns="91425" spcFirstLastPara="1" rIns="91425" wrap="square" tIns="91425">
+            <a:bodyPr spcFirstLastPara="1" wrap="square" lIns="91425" tIns="91425" rIns="91425" bIns="91425" anchor="ctr" anchorCtr="0">
               <a:noAutofit/>
             </a:bodyPr>
             <a:lstStyle/>
             <a:p>
-              <a:pPr indent="0" lvl="0" marL="0" rtl="0" algn="l">
+              <a:pPr marL="0" lvl="0" indent="0" algn="l" rtl="0">
                 <a:spcBef>
                   <a:spcPts val="0"/>
                 </a:spcBef>
@@ -10577,9 +10669,6 @@
                 </a:spcAft>
                 <a:buNone/>
               </a:pPr>
-              <a:r>
-                <a:t/>
-              </a:r>
               <a:endParaRPr/>
             </a:p>
           </p:txBody>
@@ -10601,23 +10690,23 @@
             <a:solidFill>
               <a:schemeClr val="accent4"/>
             </a:solidFill>
-            <a:ln cap="flat" cmpd="sng" w="19050">
+            <a:ln w="19050" cap="flat" cmpd="sng">
               <a:solidFill>
                 <a:schemeClr val="accent4"/>
               </a:solidFill>
               <a:prstDash val="solid"/>
               <a:round/>
-              <a:headEnd len="sm" w="sm" type="none"/>
-              <a:tailEnd len="sm" w="sm" type="none"/>
+              <a:headEnd type="none" w="sm" len="sm"/>
+              <a:tailEnd type="none" w="sm" len="sm"/>
             </a:ln>
           </p:spPr>
           <p:txBody>
-            <a:bodyPr anchorCtr="0" anchor="ctr" bIns="91425" lIns="91425" spcFirstLastPara="1" rIns="91425" wrap="square" tIns="91425">
+            <a:bodyPr spcFirstLastPara="1" wrap="square" lIns="91425" tIns="91425" rIns="91425" bIns="91425" anchor="ctr" anchorCtr="0">
               <a:noAutofit/>
             </a:bodyPr>
             <a:lstStyle/>
             <a:p>
-              <a:pPr indent="0" lvl="0" marL="0" rtl="0" algn="l">
+              <a:pPr marL="0" lvl="0" indent="0" algn="l" rtl="0">
                 <a:spcBef>
                   <a:spcPts val="0"/>
                 </a:spcBef>
@@ -10626,9 +10715,6 @@
                 </a:spcAft>
                 <a:buNone/>
               </a:pPr>
-              <a:r>
-                <a:t/>
-              </a:r>
               <a:endParaRPr/>
             </a:p>
           </p:txBody>
@@ -10650,23 +10736,23 @@
             <a:solidFill>
               <a:schemeClr val="accent4"/>
             </a:solidFill>
-            <a:ln cap="flat" cmpd="sng" w="19050">
+            <a:ln w="19050" cap="flat" cmpd="sng">
               <a:solidFill>
                 <a:schemeClr val="accent4"/>
               </a:solidFill>
               <a:prstDash val="solid"/>
               <a:round/>
-              <a:headEnd len="sm" w="sm" type="none"/>
-              <a:tailEnd len="sm" w="sm" type="none"/>
+              <a:headEnd type="none" w="sm" len="sm"/>
+              <a:tailEnd type="none" w="sm" len="sm"/>
             </a:ln>
           </p:spPr>
           <p:txBody>
-            <a:bodyPr anchorCtr="0" anchor="ctr" bIns="91425" lIns="91425" spcFirstLastPara="1" rIns="91425" wrap="square" tIns="91425">
+            <a:bodyPr spcFirstLastPara="1" wrap="square" lIns="91425" tIns="91425" rIns="91425" bIns="91425" anchor="ctr" anchorCtr="0">
               <a:noAutofit/>
             </a:bodyPr>
             <a:lstStyle/>
             <a:p>
-              <a:pPr indent="0" lvl="0" marL="0" rtl="0" algn="l">
+              <a:pPr marL="0" lvl="0" indent="0" algn="l" rtl="0">
                 <a:spcBef>
                   <a:spcPts val="0"/>
                 </a:spcBef>
@@ -10675,9 +10761,6 @@
                 </a:spcAft>
                 <a:buNone/>
               </a:pPr>
-              <a:r>
-                <a:t/>
-              </a:r>
               <a:endParaRPr/>
             </a:p>
           </p:txBody>
@@ -10699,23 +10782,23 @@
             <a:solidFill>
               <a:schemeClr val="accent4"/>
             </a:solidFill>
-            <a:ln cap="flat" cmpd="sng" w="19050">
+            <a:ln w="19050" cap="flat" cmpd="sng">
               <a:solidFill>
                 <a:schemeClr val="accent4"/>
               </a:solidFill>
               <a:prstDash val="solid"/>
               <a:round/>
-              <a:headEnd len="sm" w="sm" type="none"/>
-              <a:tailEnd len="sm" w="sm" type="none"/>
+              <a:headEnd type="none" w="sm" len="sm"/>
+              <a:tailEnd type="none" w="sm" len="sm"/>
             </a:ln>
           </p:spPr>
           <p:txBody>
-            <a:bodyPr anchorCtr="0" anchor="ctr" bIns="91425" lIns="91425" spcFirstLastPara="1" rIns="91425" wrap="square" tIns="91425">
+            <a:bodyPr spcFirstLastPara="1" wrap="square" lIns="91425" tIns="91425" rIns="91425" bIns="91425" anchor="ctr" anchorCtr="0">
               <a:noAutofit/>
             </a:bodyPr>
             <a:lstStyle/>
             <a:p>
-              <a:pPr indent="0" lvl="0" marL="0" rtl="0" algn="l">
+              <a:pPr marL="0" lvl="0" indent="0" algn="l" rtl="0">
                 <a:spcBef>
                   <a:spcPts val="0"/>
                 </a:spcBef>
@@ -10724,9 +10807,6 @@
                 </a:spcAft>
                 <a:buNone/>
               </a:pPr>
-              <a:r>
-                <a:t/>
-              </a:r>
               <a:endParaRPr/>
             </a:p>
           </p:txBody>
@@ -10748,23 +10828,23 @@
             <a:solidFill>
               <a:schemeClr val="accent4"/>
             </a:solidFill>
-            <a:ln cap="flat" cmpd="sng" w="19050">
+            <a:ln w="19050" cap="flat" cmpd="sng">
               <a:solidFill>
                 <a:schemeClr val="accent4"/>
               </a:solidFill>
               <a:prstDash val="solid"/>
               <a:round/>
-              <a:headEnd len="sm" w="sm" type="none"/>
-              <a:tailEnd len="sm" w="sm" type="none"/>
+              <a:headEnd type="none" w="sm" len="sm"/>
+              <a:tailEnd type="none" w="sm" len="sm"/>
             </a:ln>
           </p:spPr>
           <p:txBody>
-            <a:bodyPr anchorCtr="0" anchor="ctr" bIns="91425" lIns="91425" spcFirstLastPara="1" rIns="91425" wrap="square" tIns="91425">
+            <a:bodyPr spcFirstLastPara="1" wrap="square" lIns="91425" tIns="91425" rIns="91425" bIns="91425" anchor="ctr" anchorCtr="0">
               <a:noAutofit/>
             </a:bodyPr>
             <a:lstStyle/>
             <a:p>
-              <a:pPr indent="0" lvl="0" marL="0" rtl="0" algn="l">
+              <a:pPr marL="0" lvl="0" indent="0" algn="l" rtl="0">
                 <a:spcBef>
                   <a:spcPts val="0"/>
                 </a:spcBef>
@@ -10773,9 +10853,6 @@
                 </a:spcAft>
                 <a:buNone/>
               </a:pPr>
-              <a:r>
-                <a:t/>
-              </a:r>
               <a:endParaRPr/>
             </a:p>
           </p:txBody>
@@ -10797,23 +10874,23 @@
             <a:solidFill>
               <a:schemeClr val="accent4"/>
             </a:solidFill>
-            <a:ln cap="flat" cmpd="sng" w="19050">
+            <a:ln w="19050" cap="flat" cmpd="sng">
               <a:solidFill>
                 <a:schemeClr val="accent4"/>
               </a:solidFill>
               <a:prstDash val="solid"/>
               <a:round/>
-              <a:headEnd len="sm" w="sm" type="none"/>
-              <a:tailEnd len="sm" w="sm" type="none"/>
+              <a:headEnd type="none" w="sm" len="sm"/>
+              <a:tailEnd type="none" w="sm" len="sm"/>
             </a:ln>
           </p:spPr>
           <p:txBody>
-            <a:bodyPr anchorCtr="0" anchor="ctr" bIns="91425" lIns="91425" spcFirstLastPara="1" rIns="91425" wrap="square" tIns="91425">
+            <a:bodyPr spcFirstLastPara="1" wrap="square" lIns="91425" tIns="91425" rIns="91425" bIns="91425" anchor="ctr" anchorCtr="0">
               <a:noAutofit/>
             </a:bodyPr>
             <a:lstStyle/>
             <a:p>
-              <a:pPr indent="0" lvl="0" marL="0" rtl="0" algn="l">
+              <a:pPr marL="0" lvl="0" indent="0" algn="l" rtl="0">
                 <a:spcBef>
                   <a:spcPts val="0"/>
                 </a:spcBef>
@@ -10822,9 +10899,6 @@
                 </a:spcAft>
                 <a:buNone/>
               </a:pPr>
-              <a:r>
-                <a:t/>
-              </a:r>
               <a:endParaRPr/>
             </a:p>
           </p:txBody>
@@ -10846,23 +10920,23 @@
             <a:solidFill>
               <a:schemeClr val="accent4"/>
             </a:solidFill>
-            <a:ln cap="flat" cmpd="sng" w="19050">
+            <a:ln w="19050" cap="flat" cmpd="sng">
               <a:solidFill>
                 <a:schemeClr val="accent4"/>
               </a:solidFill>
               <a:prstDash val="solid"/>
               <a:round/>
-              <a:headEnd len="sm" w="sm" type="none"/>
-              <a:tailEnd len="sm" w="sm" type="none"/>
+              <a:headEnd type="none" w="sm" len="sm"/>
+              <a:tailEnd type="none" w="sm" len="sm"/>
             </a:ln>
           </p:spPr>
           <p:txBody>
-            <a:bodyPr anchorCtr="0" anchor="ctr" bIns="91425" lIns="91425" spcFirstLastPara="1" rIns="91425" wrap="square" tIns="91425">
+            <a:bodyPr spcFirstLastPara="1" wrap="square" lIns="91425" tIns="91425" rIns="91425" bIns="91425" anchor="ctr" anchorCtr="0">
               <a:noAutofit/>
             </a:bodyPr>
             <a:lstStyle/>
             <a:p>
-              <a:pPr indent="0" lvl="0" marL="0" rtl="0" algn="l">
+              <a:pPr marL="0" lvl="0" indent="0" algn="l" rtl="0">
                 <a:spcBef>
                   <a:spcPts val="0"/>
                 </a:spcBef>
@@ -10871,9 +10945,6 @@
                 </a:spcAft>
                 <a:buNone/>
               </a:pPr>
-              <a:r>
-                <a:t/>
-              </a:r>
               <a:endParaRPr/>
             </a:p>
           </p:txBody>
@@ -10895,23 +10966,23 @@
             <a:solidFill>
               <a:schemeClr val="accent4"/>
             </a:solidFill>
-            <a:ln cap="flat" cmpd="sng" w="19050">
+            <a:ln w="19050" cap="flat" cmpd="sng">
               <a:solidFill>
                 <a:schemeClr val="accent4"/>
               </a:solidFill>
               <a:prstDash val="solid"/>
               <a:round/>
-              <a:headEnd len="sm" w="sm" type="none"/>
-              <a:tailEnd len="sm" w="sm" type="none"/>
+              <a:headEnd type="none" w="sm" len="sm"/>
+              <a:tailEnd type="none" w="sm" len="sm"/>
             </a:ln>
           </p:spPr>
           <p:txBody>
-            <a:bodyPr anchorCtr="0" anchor="ctr" bIns="91425" lIns="91425" spcFirstLastPara="1" rIns="91425" wrap="square" tIns="91425">
+            <a:bodyPr spcFirstLastPara="1" wrap="square" lIns="91425" tIns="91425" rIns="91425" bIns="91425" anchor="ctr" anchorCtr="0">
               <a:noAutofit/>
             </a:bodyPr>
             <a:lstStyle/>
             <a:p>
-              <a:pPr indent="0" lvl="0" marL="0" rtl="0" algn="l">
+              <a:pPr marL="0" lvl="0" indent="0" algn="l" rtl="0">
                 <a:spcBef>
                   <a:spcPts val="0"/>
                 </a:spcBef>
@@ -10920,9 +10991,6 @@
                 </a:spcAft>
                 <a:buNone/>
               </a:pPr>
-              <a:r>
-                <a:t/>
-              </a:r>
               <a:endParaRPr/>
             </a:p>
           </p:txBody>
@@ -10931,9 +10999,11 @@
       <p:sp>
         <p:nvSpPr>
           <p:cNvPr id="219" name="Google Shape;219;p26"/>
-          <p:cNvSpPr txBox="1"/>
+          <p:cNvSpPr txBox="1">
+            <a:spLocks noGrp="1"/>
+          </p:cNvSpPr>
           <p:nvPr>
-            <p:ph idx="2" type="body"/>
+            <p:ph type="body" idx="2"/>
           </p:nvPr>
         </p:nvSpPr>
         <p:spPr>
@@ -10946,12 +11016,12 @@
           </a:prstGeom>
         </p:spPr>
         <p:txBody>
-          <a:bodyPr anchorCtr="0" anchor="ctr" bIns="91425" lIns="91425" spcFirstLastPara="1" rIns="91425" wrap="square" tIns="91425">
+          <a:bodyPr spcFirstLastPara="1" wrap="square" lIns="91425" tIns="91425" rIns="91425" bIns="91425" anchor="ctr" anchorCtr="0">
             <a:noAutofit/>
           </a:bodyPr>
           <a:lstStyle/>
           <a:p>
-            <a:pPr indent="0" lvl="0" marL="0" rtl="0" algn="ctr">
+            <a:pPr marL="0" lvl="0" indent="0" algn="ctr" rtl="0">
               <a:spcBef>
                 <a:spcPts val="0"/>
               </a:spcBef>
@@ -10985,11 +11055,11 @@
 </file>
 
 <file path=ppt/slides/slide2.xml><?xml version="1.0" encoding="utf-8"?>
-<p:sld xmlns:a="http://schemas.openxmlformats.org/drawingml/2006/main" xmlns:r="http://schemas.openxmlformats.org/officeDocument/2006/relationships" xmlns:mc="http://schemas.openxmlformats.org/markup-compatibility/2006" xmlns:mv="urn:schemas-microsoft-com:mac:vml" xmlns:p="http://schemas.openxmlformats.org/presentationml/2006/main" xmlns:c="http://schemas.openxmlformats.org/drawingml/2006/chart" xmlns:dgm="http://schemas.openxmlformats.org/drawingml/2006/diagram" xmlns:o="urn:schemas-microsoft-com:office:office" xmlns:v="urn:schemas-microsoft-com:vml" xmlns:pvml="urn:schemas-microsoft-com:office:powerpoint" xmlns:com="http://schemas.openxmlformats.org/drawingml/2006/compatibility" xmlns:p14="http://schemas.microsoft.com/office/powerpoint/2010/main" xmlns:p15="http://schemas.microsoft.com/office/powerpoint/2012/main" xmlns:ahyp="http://schemas.microsoft.com/office/drawing/2018/hyperlinkcolor">
+<p:sld xmlns:a="http://schemas.openxmlformats.org/drawingml/2006/main" xmlns:r="http://schemas.openxmlformats.org/officeDocument/2006/relationships" xmlns:p="http://schemas.openxmlformats.org/presentationml/2006/main">
   <p:cSld>
     <p:spTree>
       <p:nvGrpSpPr>
-        <p:cNvPr id="90" name="Shape 90"/>
+        <p:cNvPr id="1" name="Shape 90"/>
         <p:cNvGrpSpPr/>
         <p:nvPr/>
       </p:nvGrpSpPr>
@@ -11004,7 +11074,9 @@
       <p:sp>
         <p:nvSpPr>
           <p:cNvPr id="91" name="Google Shape;91;p14"/>
-          <p:cNvSpPr txBox="1"/>
+          <p:cNvSpPr txBox="1">
+            <a:spLocks noGrp="1"/>
+          </p:cNvSpPr>
           <p:nvPr>
             <p:ph type="title"/>
           </p:nvPr>
@@ -11019,12 +11091,12 @@
           </a:prstGeom>
         </p:spPr>
         <p:txBody>
-          <a:bodyPr anchorCtr="0" anchor="t" bIns="91425" lIns="91425" spcFirstLastPara="1" rIns="91425" wrap="square" tIns="91425">
+          <a:bodyPr spcFirstLastPara="1" wrap="square" lIns="91425" tIns="91425" rIns="91425" bIns="91425" anchor="t" anchorCtr="0">
             <a:noAutofit/>
           </a:bodyPr>
           <a:lstStyle/>
           <a:p>
-            <a:pPr indent="0" lvl="0" marL="0" rtl="0" algn="l">
+            <a:pPr marL="0" lvl="0" indent="0" algn="l" rtl="0">
               <a:spcBef>
                 <a:spcPts val="0"/>
               </a:spcBef>
@@ -11077,12 +11149,12 @@
             </a:ln>
           </p:spPr>
           <p:txBody>
-            <a:bodyPr anchorCtr="0" anchor="ctr" bIns="91425" lIns="91425" spcFirstLastPara="1" rIns="91425" wrap="square" tIns="91425">
+            <a:bodyPr spcFirstLastPara="1" wrap="square" lIns="91425" tIns="91425" rIns="91425" bIns="91425" anchor="ctr" anchorCtr="0">
               <a:noAutofit/>
             </a:bodyPr>
             <a:lstStyle/>
             <a:p>
-              <a:pPr indent="0" lvl="0" marL="0" rtl="0" algn="l">
+              <a:pPr marL="0" lvl="0" indent="0" algn="l" rtl="0">
                 <a:spcBef>
                   <a:spcPts val="0"/>
                 </a:spcBef>
@@ -11091,9 +11163,6 @@
                 </a:spcAft>
                 <a:buNone/>
               </a:pPr>
-              <a:r>
-                <a:t/>
-              </a:r>
               <a:endParaRPr/>
             </a:p>
           </p:txBody>
@@ -11113,23 +11182,23 @@
               <a:avLst/>
             </a:prstGeom>
             <a:noFill/>
-            <a:ln cap="flat" cmpd="sng" w="9525">
+            <a:ln w="9525" cap="flat" cmpd="sng">
               <a:solidFill>
                 <a:schemeClr val="dk1"/>
               </a:solidFill>
               <a:prstDash val="solid"/>
               <a:round/>
-              <a:headEnd len="sm" w="sm" type="none"/>
-              <a:tailEnd len="sm" w="sm" type="none"/>
+              <a:headEnd type="none" w="sm" len="sm"/>
+              <a:tailEnd type="none" w="sm" len="sm"/>
             </a:ln>
           </p:spPr>
           <p:txBody>
-            <a:bodyPr anchorCtr="0" anchor="ctr" bIns="91425" lIns="91425" spcFirstLastPara="1" rIns="91425" wrap="square" tIns="91425">
+            <a:bodyPr spcFirstLastPara="1" wrap="square" lIns="91425" tIns="91425" rIns="91425" bIns="91425" anchor="ctr" anchorCtr="0">
               <a:noAutofit/>
             </a:bodyPr>
             <a:lstStyle/>
             <a:p>
-              <a:pPr indent="0" lvl="0" marL="0" rtl="0" algn="l">
+              <a:pPr marL="0" lvl="0" indent="0" algn="l" rtl="0">
                 <a:spcBef>
                   <a:spcPts val="0"/>
                 </a:spcBef>
@@ -11138,9 +11207,6 @@
                 </a:spcAft>
                 <a:buNone/>
               </a:pPr>
-              <a:r>
-                <a:t/>
-              </a:r>
               <a:endParaRPr/>
             </a:p>
           </p:txBody>
@@ -11149,9 +11215,11 @@
       <p:sp>
         <p:nvSpPr>
           <p:cNvPr id="95" name="Google Shape;95;p14"/>
-          <p:cNvSpPr txBox="1"/>
+          <p:cNvSpPr txBox="1">
+            <a:spLocks noGrp="1"/>
+          </p:cNvSpPr>
           <p:nvPr>
-            <p:ph idx="4294967295" type="body"/>
+            <p:ph type="body" idx="4294967295"/>
           </p:nvPr>
         </p:nvSpPr>
         <p:spPr>
@@ -11164,12 +11232,12 @@
           </a:prstGeom>
         </p:spPr>
         <p:txBody>
-          <a:bodyPr anchorCtr="0" anchor="t" bIns="91425" lIns="91425" spcFirstLastPara="1" rIns="91425" wrap="square" tIns="91425">
+          <a:bodyPr spcFirstLastPara="1" wrap="square" lIns="91425" tIns="91425" rIns="91425" bIns="91425" anchor="t" anchorCtr="0">
             <a:noAutofit/>
           </a:bodyPr>
           <a:lstStyle/>
           <a:p>
-            <a:pPr indent="0" lvl="0" marL="0" rtl="0" algn="l">
+            <a:pPr marL="0" lvl="0" indent="0" algn="l" rtl="0">
               <a:spcBef>
                 <a:spcPts val="0"/>
               </a:spcBef>
@@ -11197,9 +11265,11 @@
       <p:sp>
         <p:nvSpPr>
           <p:cNvPr id="96" name="Google Shape;96;p14"/>
-          <p:cNvSpPr txBox="1"/>
+          <p:cNvSpPr txBox="1">
+            <a:spLocks noGrp="1"/>
+          </p:cNvSpPr>
           <p:nvPr>
-            <p:ph idx="4294967295" type="body"/>
+            <p:ph type="body" idx="4294967295"/>
           </p:nvPr>
         </p:nvSpPr>
         <p:spPr>
@@ -11212,12 +11282,12 @@
           </a:prstGeom>
         </p:spPr>
         <p:txBody>
-          <a:bodyPr anchorCtr="0" anchor="t" bIns="91425" lIns="91425" spcFirstLastPara="1" rIns="91425" wrap="square" tIns="91425">
+          <a:bodyPr spcFirstLastPara="1" wrap="square" lIns="91425" tIns="91425" rIns="91425" bIns="91425" anchor="t" anchorCtr="0">
             <a:noAutofit/>
           </a:bodyPr>
           <a:lstStyle/>
           <a:p>
-            <a:pPr indent="0" lvl="0" marL="0" rtl="0" algn="l">
+            <a:pPr marL="0" lvl="0" indent="0" algn="l" rtl="0">
               <a:spcBef>
                 <a:spcPts val="0"/>
               </a:spcBef>
@@ -11227,21 +11297,21 @@
               <a:buNone/>
             </a:pPr>
             <a:r>
-              <a:rPr lang="en" sz="1600"/>
-              <a:t>The purpose of this project is to </a:t>
+              <a:rPr lang="en" sz="1600" dirty="0"/>
+              <a:t>The purpose of this project is to create interactive dashboard that helps  with stock price prediction using </a:t>
             </a:r>
             <a:r>
               <a:rPr lang="en" sz="1600"/>
-              <a:t>create</a:t>
+              <a:t>neural network machine </a:t>
             </a:r>
             <a:r>
-              <a:rPr lang="en" sz="1600"/>
-              <a:t> interactive dashboard that helps  with stock price prediction using linear regression machine learning model.</a:t>
+              <a:rPr lang="en" sz="1600" dirty="0"/>
+              <a:t>learning model.</a:t>
             </a:r>
-            <a:endParaRPr sz="1600"/>
+            <a:endParaRPr sz="1600" dirty="0"/>
           </a:p>
           <a:p>
-            <a:pPr indent="0" lvl="0" marL="0" rtl="0" algn="l">
+            <a:pPr marL="0" lvl="0" indent="0" algn="l" rtl="0">
               <a:spcBef>
                 <a:spcPts val="1600"/>
               </a:spcBef>
@@ -11250,10 +11320,7 @@
               </a:spcAft>
               <a:buNone/>
             </a:pPr>
-            <a:r>
-              <a:t/>
-            </a:r>
-            <a:endParaRPr sz="1600"/>
+            <a:endParaRPr sz="1600" dirty="0"/>
           </a:p>
         </p:txBody>
       </p:sp>
@@ -11293,12 +11360,12 @@
             </a:ln>
           </p:spPr>
           <p:txBody>
-            <a:bodyPr anchorCtr="0" anchor="ctr" bIns="91425" lIns="91425" spcFirstLastPara="1" rIns="91425" wrap="square" tIns="91425">
+            <a:bodyPr spcFirstLastPara="1" wrap="square" lIns="91425" tIns="91425" rIns="91425" bIns="91425" anchor="ctr" anchorCtr="0">
               <a:noAutofit/>
             </a:bodyPr>
             <a:lstStyle/>
             <a:p>
-              <a:pPr indent="0" lvl="0" marL="0" rtl="0" algn="l">
+              <a:pPr marL="0" lvl="0" indent="0" algn="l" rtl="0">
                 <a:spcBef>
                   <a:spcPts val="0"/>
                 </a:spcBef>
@@ -11307,9 +11374,6 @@
                 </a:spcAft>
                 <a:buNone/>
               </a:pPr>
-              <a:r>
-                <a:t/>
-              </a:r>
               <a:endParaRPr/>
             </a:p>
           </p:txBody>
@@ -11329,23 +11393,23 @@
               <a:avLst/>
             </a:prstGeom>
             <a:noFill/>
-            <a:ln cap="flat" cmpd="sng" w="9525">
+            <a:ln w="9525" cap="flat" cmpd="sng">
               <a:solidFill>
                 <a:schemeClr val="dk1"/>
               </a:solidFill>
               <a:prstDash val="solid"/>
               <a:round/>
-              <a:headEnd len="sm" w="sm" type="none"/>
-              <a:tailEnd len="sm" w="sm" type="none"/>
+              <a:headEnd type="none" w="sm" len="sm"/>
+              <a:tailEnd type="none" w="sm" len="sm"/>
             </a:ln>
           </p:spPr>
           <p:txBody>
-            <a:bodyPr anchorCtr="0" anchor="ctr" bIns="91425" lIns="91425" spcFirstLastPara="1" rIns="91425" wrap="square" tIns="91425">
+            <a:bodyPr spcFirstLastPara="1" wrap="square" lIns="91425" tIns="91425" rIns="91425" bIns="91425" anchor="ctr" anchorCtr="0">
               <a:noAutofit/>
             </a:bodyPr>
             <a:lstStyle/>
             <a:p>
-              <a:pPr indent="0" lvl="0" marL="0" rtl="0" algn="l">
+              <a:pPr marL="0" lvl="0" indent="0" algn="l" rtl="0">
                 <a:spcBef>
                   <a:spcPts val="0"/>
                 </a:spcBef>
@@ -11354,9 +11418,6 @@
                 </a:spcAft>
                 <a:buNone/>
               </a:pPr>
-              <a:r>
-                <a:t/>
-              </a:r>
               <a:endParaRPr/>
             </a:p>
           </p:txBody>
@@ -11365,9 +11426,11 @@
       <p:sp>
         <p:nvSpPr>
           <p:cNvPr id="100" name="Google Shape;100;p14"/>
-          <p:cNvSpPr txBox="1"/>
+          <p:cNvSpPr txBox="1">
+            <a:spLocks noGrp="1"/>
+          </p:cNvSpPr>
           <p:nvPr>
-            <p:ph idx="4294967295" type="body"/>
+            <p:ph type="body" idx="4294967295"/>
           </p:nvPr>
         </p:nvSpPr>
         <p:spPr>
@@ -11380,12 +11443,12 @@
           </a:prstGeom>
         </p:spPr>
         <p:txBody>
-          <a:bodyPr anchorCtr="0" anchor="t" bIns="91425" lIns="91425" spcFirstLastPara="1" rIns="91425" wrap="square" tIns="91425">
+          <a:bodyPr spcFirstLastPara="1" wrap="square" lIns="91425" tIns="91425" rIns="91425" bIns="91425" anchor="t" anchorCtr="0">
             <a:noAutofit/>
           </a:bodyPr>
           <a:lstStyle/>
           <a:p>
-            <a:pPr indent="0" lvl="0" marL="0" rtl="0" algn="l">
+            <a:pPr marL="0" lvl="0" indent="0" algn="l" rtl="0">
               <a:spcBef>
                 <a:spcPts val="0"/>
               </a:spcBef>
@@ -11413,9 +11476,11 @@
       <p:sp>
         <p:nvSpPr>
           <p:cNvPr id="101" name="Google Shape;101;p14"/>
-          <p:cNvSpPr txBox="1"/>
+          <p:cNvSpPr txBox="1">
+            <a:spLocks noGrp="1"/>
+          </p:cNvSpPr>
           <p:nvPr>
-            <p:ph idx="4294967295" type="body"/>
+            <p:ph type="body" idx="4294967295"/>
           </p:nvPr>
         </p:nvSpPr>
         <p:spPr>
@@ -11428,12 +11493,12 @@
           </a:prstGeom>
         </p:spPr>
         <p:txBody>
-          <a:bodyPr anchorCtr="0" anchor="t" bIns="91425" lIns="91425" spcFirstLastPara="1" rIns="91425" wrap="square" tIns="91425">
+          <a:bodyPr spcFirstLastPara="1" wrap="square" lIns="91425" tIns="91425" rIns="91425" bIns="91425" anchor="t" anchorCtr="0">
             <a:noAutofit/>
           </a:bodyPr>
           <a:lstStyle/>
           <a:p>
-            <a:pPr indent="0" lvl="0" marL="0" rtl="0" algn="l">
+            <a:pPr marL="0" lvl="0" indent="0" algn="l" rtl="0">
               <a:spcBef>
                 <a:spcPts val="0"/>
               </a:spcBef>
@@ -11449,7 +11514,7 @@
             <a:endParaRPr sz="1600"/>
           </a:p>
           <a:p>
-            <a:pPr indent="0" lvl="0" marL="0" rtl="0" algn="l">
+            <a:pPr marL="0" lvl="0" indent="0" algn="l" rtl="0">
               <a:spcBef>
                 <a:spcPts val="1600"/>
               </a:spcBef>
@@ -11465,7 +11530,7 @@
             <a:endParaRPr sz="1600"/>
           </a:p>
           <a:p>
-            <a:pPr indent="0" lvl="0" marL="0" rtl="0" algn="l">
+            <a:pPr marL="0" lvl="0" indent="0" algn="l" rtl="0">
               <a:spcBef>
                 <a:spcPts val="1600"/>
               </a:spcBef>
@@ -11474,9 +11539,6 @@
               </a:spcAft>
               <a:buNone/>
             </a:pPr>
-            <a:r>
-              <a:t/>
-            </a:r>
             <a:endParaRPr sz="1600"/>
           </a:p>
         </p:txBody>
@@ -11510,23 +11572,23 @@
               <a:avLst/>
             </a:prstGeom>
             <a:noFill/>
-            <a:ln cap="flat" cmpd="sng" w="9525">
+            <a:ln w="9525" cap="flat" cmpd="sng">
               <a:solidFill>
                 <a:schemeClr val="dk1"/>
               </a:solidFill>
               <a:prstDash val="solid"/>
               <a:round/>
-              <a:headEnd len="sm" w="sm" type="none"/>
-              <a:tailEnd len="sm" w="sm" type="none"/>
+              <a:headEnd type="none" w="sm" len="sm"/>
+              <a:tailEnd type="none" w="sm" len="sm"/>
             </a:ln>
           </p:spPr>
           <p:txBody>
-            <a:bodyPr anchorCtr="0" anchor="ctr" bIns="91425" lIns="91425" spcFirstLastPara="1" rIns="91425" wrap="square" tIns="91425">
+            <a:bodyPr spcFirstLastPara="1" wrap="square" lIns="91425" tIns="91425" rIns="91425" bIns="91425" anchor="ctr" anchorCtr="0">
               <a:noAutofit/>
             </a:bodyPr>
             <a:lstStyle/>
             <a:p>
-              <a:pPr indent="0" lvl="0" marL="0" rtl="0" algn="l">
+              <a:pPr marL="0" lvl="0" indent="0" algn="l" rtl="0">
                 <a:spcBef>
                   <a:spcPts val="0"/>
                 </a:spcBef>
@@ -11535,9 +11597,6 @@
                 </a:spcAft>
                 <a:buNone/>
               </a:pPr>
-              <a:r>
-                <a:t/>
-              </a:r>
               <a:endParaRPr/>
             </a:p>
           </p:txBody>
@@ -11564,12 +11623,12 @@
             </a:ln>
           </p:spPr>
           <p:txBody>
-            <a:bodyPr anchorCtr="0" anchor="ctr" bIns="91425" lIns="91425" spcFirstLastPara="1" rIns="91425" wrap="square" tIns="91425">
+            <a:bodyPr spcFirstLastPara="1" wrap="square" lIns="91425" tIns="91425" rIns="91425" bIns="91425" anchor="ctr" anchorCtr="0">
               <a:noAutofit/>
             </a:bodyPr>
             <a:lstStyle/>
             <a:p>
-              <a:pPr indent="0" lvl="0" marL="0" rtl="0" algn="l">
+              <a:pPr marL="0" lvl="0" indent="0" algn="l" rtl="0">
                 <a:spcBef>
                   <a:spcPts val="0"/>
                 </a:spcBef>
@@ -11578,9 +11637,6 @@
                 </a:spcAft>
                 <a:buNone/>
               </a:pPr>
-              <a:r>
-                <a:t/>
-              </a:r>
               <a:endParaRPr/>
             </a:p>
           </p:txBody>
@@ -11589,9 +11645,11 @@
       <p:sp>
         <p:nvSpPr>
           <p:cNvPr id="105" name="Google Shape;105;p14"/>
-          <p:cNvSpPr txBox="1"/>
+          <p:cNvSpPr txBox="1">
+            <a:spLocks noGrp="1"/>
+          </p:cNvSpPr>
           <p:nvPr>
-            <p:ph idx="4294967295" type="body"/>
+            <p:ph type="body" idx="4294967295"/>
           </p:nvPr>
         </p:nvSpPr>
         <p:spPr>
@@ -11604,12 +11662,12 @@
           </a:prstGeom>
         </p:spPr>
         <p:txBody>
-          <a:bodyPr anchorCtr="0" anchor="t" bIns="91425" lIns="91425" spcFirstLastPara="1" rIns="91425" wrap="square" tIns="91425">
+          <a:bodyPr spcFirstLastPara="1" wrap="square" lIns="91425" tIns="91425" rIns="91425" bIns="91425" anchor="t" anchorCtr="0">
             <a:noAutofit/>
           </a:bodyPr>
           <a:lstStyle/>
           <a:p>
-            <a:pPr indent="0" lvl="0" marL="0" rtl="0" algn="l">
+            <a:pPr marL="0" lvl="0" indent="0" algn="l" rtl="0">
               <a:spcBef>
                 <a:spcPts val="0"/>
               </a:spcBef>
@@ -11637,9 +11695,11 @@
       <p:sp>
         <p:nvSpPr>
           <p:cNvPr id="106" name="Google Shape;106;p14"/>
-          <p:cNvSpPr txBox="1"/>
+          <p:cNvSpPr txBox="1">
+            <a:spLocks noGrp="1"/>
+          </p:cNvSpPr>
           <p:nvPr>
-            <p:ph idx="4294967295" type="body"/>
+            <p:ph type="body" idx="4294967295"/>
           </p:nvPr>
         </p:nvSpPr>
         <p:spPr>
@@ -11652,12 +11712,12 @@
           </a:prstGeom>
         </p:spPr>
         <p:txBody>
-          <a:bodyPr anchorCtr="0" anchor="t" bIns="91425" lIns="91425" spcFirstLastPara="1" rIns="91425" wrap="square" tIns="91425">
+          <a:bodyPr spcFirstLastPara="1" wrap="square" lIns="91425" tIns="91425" rIns="91425" bIns="91425" anchor="t" anchorCtr="0">
             <a:noAutofit/>
           </a:bodyPr>
           <a:lstStyle/>
           <a:p>
-            <a:pPr indent="0" lvl="0" marL="0" rtl="0" algn="l">
+            <a:pPr marL="0" lvl="0" indent="0" algn="l" rtl="0">
               <a:spcBef>
                 <a:spcPts val="0"/>
               </a:spcBef>
@@ -11673,7 +11733,7 @@
             <a:endParaRPr sz="1600"/>
           </a:p>
           <a:p>
-            <a:pPr indent="0" lvl="0" marL="0" rtl="0" algn="l">
+            <a:pPr marL="0" lvl="0" indent="0" algn="l" rtl="0">
               <a:spcBef>
                 <a:spcPts val="1600"/>
               </a:spcBef>
@@ -11689,7 +11749,7 @@
             <a:endParaRPr sz="1600"/>
           </a:p>
           <a:p>
-            <a:pPr indent="0" lvl="0" marL="0" rtl="0" algn="l">
+            <a:pPr marL="0" lvl="0" indent="0" algn="l" rtl="0">
               <a:spcBef>
                 <a:spcPts val="1600"/>
               </a:spcBef>
@@ -11698,13 +11758,10 @@
               </a:spcAft>
               <a:buNone/>
             </a:pPr>
-            <a:r>
-              <a:t/>
-            </a:r>
             <a:endParaRPr sz="1600"/>
           </a:p>
           <a:p>
-            <a:pPr indent="0" lvl="0" marL="0" rtl="0" algn="l">
+            <a:pPr marL="0" lvl="0" indent="0" algn="l" rtl="0">
               <a:spcBef>
                 <a:spcPts val="1600"/>
               </a:spcBef>
@@ -11713,9 +11770,6 @@
               </a:spcAft>
               <a:buNone/>
             </a:pPr>
-            <a:r>
-              <a:t/>
-            </a:r>
             <a:endParaRPr sz="1600"/>
           </a:p>
         </p:txBody>
@@ -11729,11 +11783,11 @@
 </file>
 
 <file path=ppt/slides/slide3.xml><?xml version="1.0" encoding="utf-8"?>
-<p:sld xmlns:a="http://schemas.openxmlformats.org/drawingml/2006/main" xmlns:r="http://schemas.openxmlformats.org/officeDocument/2006/relationships" xmlns:mc="http://schemas.openxmlformats.org/markup-compatibility/2006" xmlns:mv="urn:schemas-microsoft-com:mac:vml" xmlns:p="http://schemas.openxmlformats.org/presentationml/2006/main" xmlns:c="http://schemas.openxmlformats.org/drawingml/2006/chart" xmlns:dgm="http://schemas.openxmlformats.org/drawingml/2006/diagram" xmlns:o="urn:schemas-microsoft-com:office:office" xmlns:v="urn:schemas-microsoft-com:vml" xmlns:pvml="urn:schemas-microsoft-com:office:powerpoint" xmlns:com="http://schemas.openxmlformats.org/drawingml/2006/compatibility" xmlns:p14="http://schemas.microsoft.com/office/powerpoint/2010/main" xmlns:p15="http://schemas.microsoft.com/office/powerpoint/2012/main" xmlns:ahyp="http://schemas.microsoft.com/office/drawing/2018/hyperlinkcolor">
+<p:sld xmlns:a="http://schemas.openxmlformats.org/drawingml/2006/main" xmlns:r="http://schemas.openxmlformats.org/officeDocument/2006/relationships" xmlns:p="http://schemas.openxmlformats.org/presentationml/2006/main">
   <p:cSld>
     <p:spTree>
       <p:nvGrpSpPr>
-        <p:cNvPr id="110" name="Shape 110"/>
+        <p:cNvPr id="1" name="Shape 110"/>
         <p:cNvGrpSpPr/>
         <p:nvPr/>
       </p:nvGrpSpPr>
@@ -11748,7 +11802,9 @@
       <p:sp>
         <p:nvSpPr>
           <p:cNvPr id="111" name="Google Shape;111;p15"/>
-          <p:cNvSpPr txBox="1"/>
+          <p:cNvSpPr txBox="1">
+            <a:spLocks noGrp="1"/>
+          </p:cNvSpPr>
           <p:nvPr>
             <p:ph type="title"/>
           </p:nvPr>
@@ -11763,12 +11819,12 @@
           </a:prstGeom>
         </p:spPr>
         <p:txBody>
-          <a:bodyPr anchorCtr="0" anchor="ctr" bIns="91425" lIns="91425" spcFirstLastPara="1" rIns="91425" wrap="square" tIns="91425">
+          <a:bodyPr spcFirstLastPara="1" wrap="square" lIns="91425" tIns="91425" rIns="91425" bIns="91425" anchor="ctr" anchorCtr="0">
             <a:noAutofit/>
           </a:bodyPr>
           <a:lstStyle/>
           <a:p>
-            <a:pPr indent="0" lvl="0" marL="0" rtl="0" algn="l">
+            <a:pPr marL="0" lvl="0" indent="0" algn="l" rtl="0">
               <a:spcBef>
                 <a:spcPts val="0"/>
               </a:spcBef>
@@ -11794,18 +11850,19 @@
 </file>
 
 <file path=ppt/slides/slide4.xml><?xml version="1.0" encoding="utf-8"?>
-<p:sld xmlns:a="http://schemas.openxmlformats.org/drawingml/2006/main" xmlns:r="http://schemas.openxmlformats.org/officeDocument/2006/relationships" xmlns:mc="http://schemas.openxmlformats.org/markup-compatibility/2006" xmlns:mv="urn:schemas-microsoft-com:mac:vml" xmlns:p="http://schemas.openxmlformats.org/presentationml/2006/main" xmlns:c="http://schemas.openxmlformats.org/drawingml/2006/chart" xmlns:dgm="http://schemas.openxmlformats.org/drawingml/2006/diagram" xmlns:o="urn:schemas-microsoft-com:office:office" xmlns:v="urn:schemas-microsoft-com:vml" xmlns:pvml="urn:schemas-microsoft-com:office:powerpoint" xmlns:com="http://schemas.openxmlformats.org/drawingml/2006/compatibility" xmlns:p14="http://schemas.microsoft.com/office/powerpoint/2010/main" xmlns:p15="http://schemas.microsoft.com/office/powerpoint/2012/main" xmlns:ahyp="http://schemas.microsoft.com/office/drawing/2018/hyperlinkcolor">
+<p:sld xmlns:a="http://schemas.openxmlformats.org/drawingml/2006/main" xmlns:r="http://schemas.openxmlformats.org/officeDocument/2006/relationships" xmlns:p="http://schemas.openxmlformats.org/presentationml/2006/main">
   <p:cSld>
     <p:bg>
       <p:bgPr>
         <a:solidFill>
           <a:schemeClr val="lt1"/>
         </a:solidFill>
+        <a:effectLst/>
       </p:bgPr>
     </p:bg>
     <p:spTree>
       <p:nvGrpSpPr>
-        <p:cNvPr id="115" name="Shape 115"/>
+        <p:cNvPr id="1" name="Shape 115"/>
         <p:cNvGrpSpPr/>
         <p:nvPr/>
       </p:nvGrpSpPr>
@@ -11820,7 +11877,9 @@
       <p:sp>
         <p:nvSpPr>
           <p:cNvPr id="116" name="Google Shape;116;p16"/>
-          <p:cNvSpPr txBox="1"/>
+          <p:cNvSpPr txBox="1">
+            <a:spLocks noGrp="1"/>
+          </p:cNvSpPr>
           <p:nvPr>
             <p:ph type="title"/>
           </p:nvPr>
@@ -11835,12 +11894,12 @@
           </a:prstGeom>
         </p:spPr>
         <p:txBody>
-          <a:bodyPr anchorCtr="0" anchor="ctr" bIns="91425" lIns="91425" spcFirstLastPara="1" rIns="91425" wrap="square" tIns="91425">
+          <a:bodyPr spcFirstLastPara="1" wrap="square" lIns="91425" tIns="91425" rIns="91425" bIns="91425" anchor="ctr" anchorCtr="0">
             <a:noAutofit/>
           </a:bodyPr>
           <a:lstStyle/>
           <a:p>
-            <a:pPr indent="0" lvl="0" marL="0" rtl="0" algn="l">
+            <a:pPr marL="0" lvl="0" indent="0" algn="l" rtl="0">
               <a:spcBef>
                 <a:spcPts val="0"/>
               </a:spcBef>
@@ -11849,9 +11908,6 @@
               </a:spcAft>
               <a:buNone/>
             </a:pPr>
-            <a:r>
-              <a:t/>
-            </a:r>
             <a:endParaRPr/>
           </a:p>
         </p:txBody>
@@ -11876,12 +11932,12 @@
           </a:ln>
         </p:spPr>
         <p:txBody>
-          <a:bodyPr anchorCtr="0" anchor="t" bIns="91425" lIns="91425" spcFirstLastPara="1" rIns="91425" wrap="square" tIns="91425">
+          <a:bodyPr spcFirstLastPara="1" wrap="square" lIns="91425" tIns="91425" rIns="91425" bIns="91425" anchor="t" anchorCtr="0">
             <a:spAutoFit/>
           </a:bodyPr>
           <a:lstStyle/>
           <a:p>
-            <a:pPr indent="0" lvl="0" marL="0" rtl="0" algn="l">
+            <a:pPr marL="0" lvl="0" indent="0" algn="l" rtl="0">
               <a:spcBef>
                 <a:spcPts val="0"/>
               </a:spcBef>
@@ -11947,18 +12003,19 @@
 </file>
 
 <file path=ppt/slides/slide5.xml><?xml version="1.0" encoding="utf-8"?>
-<p:sld xmlns:a="http://schemas.openxmlformats.org/drawingml/2006/main" xmlns:r="http://schemas.openxmlformats.org/officeDocument/2006/relationships" xmlns:mc="http://schemas.openxmlformats.org/markup-compatibility/2006" xmlns:mv="urn:schemas-microsoft-com:mac:vml" xmlns:p="http://schemas.openxmlformats.org/presentationml/2006/main" xmlns:c="http://schemas.openxmlformats.org/drawingml/2006/chart" xmlns:dgm="http://schemas.openxmlformats.org/drawingml/2006/diagram" xmlns:o="urn:schemas-microsoft-com:office:office" xmlns:v="urn:schemas-microsoft-com:vml" xmlns:pvml="urn:schemas-microsoft-com:office:powerpoint" xmlns:com="http://schemas.openxmlformats.org/drawingml/2006/compatibility" xmlns:p14="http://schemas.microsoft.com/office/powerpoint/2010/main" xmlns:p15="http://schemas.microsoft.com/office/powerpoint/2012/main" xmlns:ahyp="http://schemas.microsoft.com/office/drawing/2018/hyperlinkcolor">
+<p:sld xmlns:a="http://schemas.openxmlformats.org/drawingml/2006/main" xmlns:r="http://schemas.openxmlformats.org/officeDocument/2006/relationships" xmlns:p="http://schemas.openxmlformats.org/presentationml/2006/main">
   <p:cSld>
     <p:bg>
       <p:bgPr>
         <a:solidFill>
           <a:schemeClr val="lt1"/>
         </a:solidFill>
+        <a:effectLst/>
       </p:bgPr>
     </p:bg>
     <p:spTree>
       <p:nvGrpSpPr>
-        <p:cNvPr id="122" name="Shape 122"/>
+        <p:cNvPr id="1" name="Shape 122"/>
         <p:cNvGrpSpPr/>
         <p:nvPr/>
       </p:nvGrpSpPr>
@@ -11973,7 +12030,9 @@
       <p:sp>
         <p:nvSpPr>
           <p:cNvPr id="123" name="Google Shape;123;p17"/>
-          <p:cNvSpPr txBox="1"/>
+          <p:cNvSpPr txBox="1">
+            <a:spLocks noGrp="1"/>
+          </p:cNvSpPr>
           <p:nvPr>
             <p:ph type="title"/>
           </p:nvPr>
@@ -11988,12 +12047,12 @@
           </a:prstGeom>
         </p:spPr>
         <p:txBody>
-          <a:bodyPr anchorCtr="0" anchor="ctr" bIns="91425" lIns="91425" spcFirstLastPara="1" rIns="91425" wrap="square" tIns="91425">
+          <a:bodyPr spcFirstLastPara="1" wrap="square" lIns="91425" tIns="91425" rIns="91425" bIns="91425" anchor="ctr" anchorCtr="0">
             <a:noAutofit/>
           </a:bodyPr>
           <a:lstStyle/>
           <a:p>
-            <a:pPr indent="0" lvl="0" marL="0" rtl="0" algn="l">
+            <a:pPr marL="0" lvl="0" indent="0" algn="l" rtl="0">
               <a:spcBef>
                 <a:spcPts val="0"/>
               </a:spcBef>
@@ -12002,9 +12061,6 @@
               </a:spcAft>
               <a:buNone/>
             </a:pPr>
-            <a:r>
-              <a:t/>
-            </a:r>
             <a:endParaRPr/>
           </a:p>
         </p:txBody>
@@ -12057,12 +12113,12 @@
           </a:ln>
         </p:spPr>
         <p:txBody>
-          <a:bodyPr anchorCtr="0" anchor="t" bIns="91425" lIns="91425" spcFirstLastPara="1" rIns="91425" wrap="square" tIns="91425">
+          <a:bodyPr spcFirstLastPara="1" wrap="square" lIns="91425" tIns="91425" rIns="91425" bIns="91425" anchor="t" anchorCtr="0">
             <a:spAutoFit/>
           </a:bodyPr>
           <a:lstStyle/>
           <a:p>
-            <a:pPr indent="0" lvl="0" marL="0" rtl="0" algn="l">
+            <a:pPr marL="0" lvl="0" indent="0" algn="l" rtl="0">
               <a:spcBef>
                 <a:spcPts val="0"/>
               </a:spcBef>
@@ -12100,18 +12156,19 @@
 </file>
 
 <file path=ppt/slides/slide6.xml><?xml version="1.0" encoding="utf-8"?>
-<p:sld xmlns:a="http://schemas.openxmlformats.org/drawingml/2006/main" xmlns:r="http://schemas.openxmlformats.org/officeDocument/2006/relationships" xmlns:mc="http://schemas.openxmlformats.org/markup-compatibility/2006" xmlns:mv="urn:schemas-microsoft-com:mac:vml" xmlns:p="http://schemas.openxmlformats.org/presentationml/2006/main" xmlns:c="http://schemas.openxmlformats.org/drawingml/2006/chart" xmlns:dgm="http://schemas.openxmlformats.org/drawingml/2006/diagram" xmlns:o="urn:schemas-microsoft-com:office:office" xmlns:v="urn:schemas-microsoft-com:vml" xmlns:pvml="urn:schemas-microsoft-com:office:powerpoint" xmlns:com="http://schemas.openxmlformats.org/drawingml/2006/compatibility" xmlns:p14="http://schemas.microsoft.com/office/powerpoint/2010/main" xmlns:p15="http://schemas.microsoft.com/office/powerpoint/2012/main" xmlns:ahyp="http://schemas.microsoft.com/office/drawing/2018/hyperlinkcolor">
+<p:sld xmlns:a="http://schemas.openxmlformats.org/drawingml/2006/main" xmlns:r="http://schemas.openxmlformats.org/officeDocument/2006/relationships" xmlns:p="http://schemas.openxmlformats.org/presentationml/2006/main">
   <p:cSld>
     <p:bg>
       <p:bgPr>
         <a:solidFill>
           <a:schemeClr val="lt1"/>
         </a:solidFill>
+        <a:effectLst/>
       </p:bgPr>
     </p:bg>
     <p:spTree>
       <p:nvGrpSpPr>
-        <p:cNvPr id="129" name="Shape 129"/>
+        <p:cNvPr id="1" name="Shape 129"/>
         <p:cNvGrpSpPr/>
         <p:nvPr/>
       </p:nvGrpSpPr>
@@ -12126,7 +12183,9 @@
       <p:sp>
         <p:nvSpPr>
           <p:cNvPr id="130" name="Google Shape;130;p18"/>
-          <p:cNvSpPr txBox="1"/>
+          <p:cNvSpPr txBox="1">
+            <a:spLocks noGrp="1"/>
+          </p:cNvSpPr>
           <p:nvPr>
             <p:ph type="title"/>
           </p:nvPr>
@@ -12141,12 +12200,12 @@
           </a:prstGeom>
         </p:spPr>
         <p:txBody>
-          <a:bodyPr anchorCtr="0" anchor="ctr" bIns="91425" lIns="91425" spcFirstLastPara="1" rIns="91425" wrap="square" tIns="91425">
+          <a:bodyPr spcFirstLastPara="1" wrap="square" lIns="91425" tIns="91425" rIns="91425" bIns="91425" anchor="ctr" anchorCtr="0">
             <a:noAutofit/>
           </a:bodyPr>
           <a:lstStyle/>
           <a:p>
-            <a:pPr indent="0" lvl="0" marL="0" rtl="0" algn="l">
+            <a:pPr marL="0" lvl="0" indent="0" algn="l" rtl="0">
               <a:spcBef>
                 <a:spcPts val="0"/>
               </a:spcBef>
@@ -12155,9 +12214,6 @@
               </a:spcAft>
               <a:buNone/>
             </a:pPr>
-            <a:r>
-              <a:t/>
-            </a:r>
             <a:endParaRPr/>
           </a:p>
         </p:txBody>
@@ -12210,12 +12266,12 @@
           </a:ln>
         </p:spPr>
         <p:txBody>
-          <a:bodyPr anchorCtr="0" anchor="t" bIns="91425" lIns="91425" spcFirstLastPara="1" rIns="91425" wrap="square" tIns="91425">
+          <a:bodyPr spcFirstLastPara="1" wrap="square" lIns="91425" tIns="91425" rIns="91425" bIns="91425" anchor="t" anchorCtr="0">
             <a:spAutoFit/>
           </a:bodyPr>
           <a:lstStyle/>
           <a:p>
-            <a:pPr indent="0" lvl="0" marL="0" rtl="0" algn="l">
+            <a:pPr marL="0" lvl="0" indent="0" algn="l" rtl="0">
               <a:spcBef>
                 <a:spcPts val="0"/>
               </a:spcBef>
@@ -12262,18 +12318,19 @@
 </file>
 
 <file path=ppt/slides/slide7.xml><?xml version="1.0" encoding="utf-8"?>
-<p:sld xmlns:a="http://schemas.openxmlformats.org/drawingml/2006/main" xmlns:r="http://schemas.openxmlformats.org/officeDocument/2006/relationships" xmlns:mc="http://schemas.openxmlformats.org/markup-compatibility/2006" xmlns:mv="urn:schemas-microsoft-com:mac:vml" xmlns:p="http://schemas.openxmlformats.org/presentationml/2006/main" xmlns:c="http://schemas.openxmlformats.org/drawingml/2006/chart" xmlns:dgm="http://schemas.openxmlformats.org/drawingml/2006/diagram" xmlns:o="urn:schemas-microsoft-com:office:office" xmlns:v="urn:schemas-microsoft-com:vml" xmlns:pvml="urn:schemas-microsoft-com:office:powerpoint" xmlns:com="http://schemas.openxmlformats.org/drawingml/2006/compatibility" xmlns:p14="http://schemas.microsoft.com/office/powerpoint/2010/main" xmlns:p15="http://schemas.microsoft.com/office/powerpoint/2012/main" xmlns:ahyp="http://schemas.microsoft.com/office/drawing/2018/hyperlinkcolor">
+<p:sld xmlns:a="http://schemas.openxmlformats.org/drawingml/2006/main" xmlns:r="http://schemas.openxmlformats.org/officeDocument/2006/relationships" xmlns:p="http://schemas.openxmlformats.org/presentationml/2006/main">
   <p:cSld>
     <p:bg>
       <p:bgPr>
         <a:solidFill>
           <a:schemeClr val="lt1"/>
         </a:solidFill>
+        <a:effectLst/>
       </p:bgPr>
     </p:bg>
     <p:spTree>
       <p:nvGrpSpPr>
-        <p:cNvPr id="136" name="Shape 136"/>
+        <p:cNvPr id="1" name="Shape 136"/>
         <p:cNvGrpSpPr/>
         <p:nvPr/>
       </p:nvGrpSpPr>
@@ -12288,7 +12345,9 @@
       <p:sp>
         <p:nvSpPr>
           <p:cNvPr id="137" name="Google Shape;137;p19"/>
-          <p:cNvSpPr txBox="1"/>
+          <p:cNvSpPr txBox="1">
+            <a:spLocks noGrp="1"/>
+          </p:cNvSpPr>
           <p:nvPr>
             <p:ph type="title"/>
           </p:nvPr>
@@ -12303,12 +12362,12 @@
           </a:prstGeom>
         </p:spPr>
         <p:txBody>
-          <a:bodyPr anchorCtr="0" anchor="ctr" bIns="91425" lIns="91425" spcFirstLastPara="1" rIns="91425" wrap="square" tIns="91425">
+          <a:bodyPr spcFirstLastPara="1" wrap="square" lIns="91425" tIns="91425" rIns="91425" bIns="91425" anchor="ctr" anchorCtr="0">
             <a:noAutofit/>
           </a:bodyPr>
           <a:lstStyle/>
           <a:p>
-            <a:pPr indent="0" lvl="0" marL="0" rtl="0" algn="l">
+            <a:pPr marL="0" lvl="0" indent="0" algn="l" rtl="0">
               <a:spcBef>
                 <a:spcPts val="0"/>
               </a:spcBef>
@@ -12317,9 +12376,6 @@
               </a:spcAft>
               <a:buNone/>
             </a:pPr>
-            <a:r>
-              <a:t/>
-            </a:r>
             <a:endParaRPr/>
           </a:p>
         </p:txBody>
@@ -12372,12 +12428,12 @@
           </a:ln>
         </p:spPr>
         <p:txBody>
-          <a:bodyPr anchorCtr="0" anchor="t" bIns="91425" lIns="91425" spcFirstLastPara="1" rIns="91425" wrap="square" tIns="91425">
+          <a:bodyPr spcFirstLastPara="1" wrap="square" lIns="91425" tIns="91425" rIns="91425" bIns="91425" anchor="t" anchorCtr="0">
             <a:spAutoFit/>
           </a:bodyPr>
           <a:lstStyle/>
           <a:p>
-            <a:pPr indent="0" lvl="0" marL="0" rtl="0" algn="l">
+            <a:pPr marL="0" lvl="0" indent="0" algn="l" rtl="0">
               <a:spcBef>
                 <a:spcPts val="0"/>
               </a:spcBef>
@@ -12415,18 +12471,19 @@
 </file>
 
 <file path=ppt/slides/slide8.xml><?xml version="1.0" encoding="utf-8"?>
-<p:sld xmlns:a="http://schemas.openxmlformats.org/drawingml/2006/main" xmlns:r="http://schemas.openxmlformats.org/officeDocument/2006/relationships" xmlns:mc="http://schemas.openxmlformats.org/markup-compatibility/2006" xmlns:mv="urn:schemas-microsoft-com:mac:vml" xmlns:p="http://schemas.openxmlformats.org/presentationml/2006/main" xmlns:c="http://schemas.openxmlformats.org/drawingml/2006/chart" xmlns:dgm="http://schemas.openxmlformats.org/drawingml/2006/diagram" xmlns:o="urn:schemas-microsoft-com:office:office" xmlns:v="urn:schemas-microsoft-com:vml" xmlns:pvml="urn:schemas-microsoft-com:office:powerpoint" xmlns:com="http://schemas.openxmlformats.org/drawingml/2006/compatibility" xmlns:p14="http://schemas.microsoft.com/office/powerpoint/2010/main" xmlns:p15="http://schemas.microsoft.com/office/powerpoint/2012/main" xmlns:ahyp="http://schemas.microsoft.com/office/drawing/2018/hyperlinkcolor">
+<p:sld xmlns:a="http://schemas.openxmlformats.org/drawingml/2006/main" xmlns:r="http://schemas.openxmlformats.org/officeDocument/2006/relationships" xmlns:p="http://schemas.openxmlformats.org/presentationml/2006/main">
   <p:cSld>
     <p:bg>
       <p:bgPr>
         <a:solidFill>
           <a:schemeClr val="lt1"/>
         </a:solidFill>
+        <a:effectLst/>
       </p:bgPr>
     </p:bg>
     <p:spTree>
       <p:nvGrpSpPr>
-        <p:cNvPr id="143" name="Shape 143"/>
+        <p:cNvPr id="1" name="Shape 143"/>
         <p:cNvGrpSpPr/>
         <p:nvPr/>
       </p:nvGrpSpPr>
@@ -12441,7 +12498,9 @@
       <p:sp>
         <p:nvSpPr>
           <p:cNvPr id="144" name="Google Shape;144;p20"/>
-          <p:cNvSpPr txBox="1"/>
+          <p:cNvSpPr txBox="1">
+            <a:spLocks noGrp="1"/>
+          </p:cNvSpPr>
           <p:nvPr>
             <p:ph type="title"/>
           </p:nvPr>
@@ -12456,12 +12515,12 @@
           </a:prstGeom>
         </p:spPr>
         <p:txBody>
-          <a:bodyPr anchorCtr="0" anchor="ctr" bIns="91425" lIns="91425" spcFirstLastPara="1" rIns="91425" wrap="square" tIns="91425">
+          <a:bodyPr spcFirstLastPara="1" wrap="square" lIns="91425" tIns="91425" rIns="91425" bIns="91425" anchor="ctr" anchorCtr="0">
             <a:noAutofit/>
           </a:bodyPr>
           <a:lstStyle/>
           <a:p>
-            <a:pPr indent="0" lvl="0" marL="0" rtl="0" algn="l">
+            <a:pPr marL="0" lvl="0" indent="0" algn="l" rtl="0">
               <a:spcBef>
                 <a:spcPts val="0"/>
               </a:spcBef>
@@ -12470,9 +12529,6 @@
               </a:spcAft>
               <a:buNone/>
             </a:pPr>
-            <a:r>
-              <a:t/>
-            </a:r>
             <a:endParaRPr/>
           </a:p>
         </p:txBody>
@@ -12525,12 +12581,12 @@
           </a:ln>
         </p:spPr>
         <p:txBody>
-          <a:bodyPr anchorCtr="0" anchor="t" bIns="91425" lIns="91425" spcFirstLastPara="1" rIns="91425" wrap="square" tIns="91425">
+          <a:bodyPr spcFirstLastPara="1" wrap="square" lIns="91425" tIns="91425" rIns="91425" bIns="91425" anchor="t" anchorCtr="0">
             <a:spAutoFit/>
           </a:bodyPr>
           <a:lstStyle/>
           <a:p>
-            <a:pPr indent="0" lvl="0" marL="190500" marR="190500" rtl="0" algn="l">
+            <a:pPr marL="190500" marR="190500" lvl="0" indent="0" algn="l" rtl="0">
               <a:lnSpc>
                 <a:spcPct val="146668"/>
               </a:lnSpc>
@@ -12573,18 +12629,19 @@
 </file>
 
 <file path=ppt/slides/slide9.xml><?xml version="1.0" encoding="utf-8"?>
-<p:sld xmlns:a="http://schemas.openxmlformats.org/drawingml/2006/main" xmlns:r="http://schemas.openxmlformats.org/officeDocument/2006/relationships" xmlns:mc="http://schemas.openxmlformats.org/markup-compatibility/2006" xmlns:mv="urn:schemas-microsoft-com:mac:vml" xmlns:p="http://schemas.openxmlformats.org/presentationml/2006/main" xmlns:c="http://schemas.openxmlformats.org/drawingml/2006/chart" xmlns:dgm="http://schemas.openxmlformats.org/drawingml/2006/diagram" xmlns:o="urn:schemas-microsoft-com:office:office" xmlns:v="urn:schemas-microsoft-com:vml" xmlns:pvml="urn:schemas-microsoft-com:office:powerpoint" xmlns:com="http://schemas.openxmlformats.org/drawingml/2006/compatibility" xmlns:p14="http://schemas.microsoft.com/office/powerpoint/2010/main" xmlns:p15="http://schemas.microsoft.com/office/powerpoint/2012/main" xmlns:ahyp="http://schemas.microsoft.com/office/drawing/2018/hyperlinkcolor">
+<p:sld xmlns:a="http://schemas.openxmlformats.org/drawingml/2006/main" xmlns:r="http://schemas.openxmlformats.org/officeDocument/2006/relationships" xmlns:p="http://schemas.openxmlformats.org/presentationml/2006/main">
   <p:cSld>
     <p:bg>
       <p:bgPr>
         <a:solidFill>
           <a:schemeClr val="lt1"/>
         </a:solidFill>
+        <a:effectLst/>
       </p:bgPr>
     </p:bg>
     <p:spTree>
       <p:nvGrpSpPr>
-        <p:cNvPr id="150" name="Shape 150"/>
+        <p:cNvPr id="1" name="Shape 150"/>
         <p:cNvGrpSpPr/>
         <p:nvPr/>
       </p:nvGrpSpPr>
@@ -12599,7 +12656,9 @@
       <p:sp>
         <p:nvSpPr>
           <p:cNvPr id="151" name="Google Shape;151;p21"/>
-          <p:cNvSpPr txBox="1"/>
+          <p:cNvSpPr txBox="1">
+            <a:spLocks noGrp="1"/>
+          </p:cNvSpPr>
           <p:nvPr>
             <p:ph type="title"/>
           </p:nvPr>
@@ -12614,12 +12673,12 @@
           </a:prstGeom>
         </p:spPr>
         <p:txBody>
-          <a:bodyPr anchorCtr="0" anchor="ctr" bIns="91425" lIns="91425" spcFirstLastPara="1" rIns="91425" wrap="square" tIns="91425">
+          <a:bodyPr spcFirstLastPara="1" wrap="square" lIns="91425" tIns="91425" rIns="91425" bIns="91425" anchor="ctr" anchorCtr="0">
             <a:noAutofit/>
           </a:bodyPr>
           <a:lstStyle/>
           <a:p>
-            <a:pPr indent="0" lvl="0" marL="0" rtl="0" algn="l">
+            <a:pPr marL="0" lvl="0" indent="0" algn="l" rtl="0">
               <a:spcBef>
                 <a:spcPts val="0"/>
               </a:spcBef>
@@ -12628,9 +12687,6 @@
               </a:spcAft>
               <a:buNone/>
             </a:pPr>
-            <a:r>
-              <a:t/>
-            </a:r>
             <a:endParaRPr/>
           </a:p>
         </p:txBody>
@@ -12683,12 +12739,12 @@
           </a:ln>
         </p:spPr>
         <p:txBody>
-          <a:bodyPr anchorCtr="0" anchor="t" bIns="91425" lIns="91425" spcFirstLastPara="1" rIns="91425" wrap="square" tIns="91425">
+          <a:bodyPr spcFirstLastPara="1" wrap="square" lIns="91425" tIns="91425" rIns="91425" bIns="91425" anchor="t" anchorCtr="0">
             <a:spAutoFit/>
           </a:bodyPr>
           <a:lstStyle/>
           <a:p>
-            <a:pPr indent="0" lvl="0" marL="190500" marR="190500" rtl="0" algn="l">
+            <a:pPr marL="190500" marR="190500" lvl="0" indent="0" algn="l" rtl="0">
               <a:lnSpc>
                 <a:spcPct val="146668"/>
               </a:lnSpc>
@@ -12721,7 +12777,7 @@
             </a:endParaRPr>
           </a:p>
           <a:p>
-            <a:pPr indent="0" lvl="0" marL="0" rtl="0" algn="l">
+            <a:pPr marL="0" lvl="0" indent="0" algn="l" rtl="0">
               <a:spcBef>
                 <a:spcPts val="0"/>
               </a:spcBef>
@@ -12730,9 +12786,6 @@
               </a:spcAft>
               <a:buNone/>
             </a:pPr>
-            <a:r>
-              <a:t/>
-            </a:r>
             <a:endParaRPr>
               <a:latin typeface="Roboto"/>
               <a:ea typeface="Roboto"/>
@@ -12751,7 +12804,288 @@
 </file>
 
 <file path=ppt/theme/theme1.xml><?xml version="1.0" encoding="utf-8"?>
-<a:theme xmlns:a="http://schemas.openxmlformats.org/drawingml/2006/main" xmlns:r="http://schemas.openxmlformats.org/officeDocument/2006/relationships">
+<a:theme xmlns:a="http://schemas.openxmlformats.org/drawingml/2006/main" name="Geometric">
+  <a:themeElements>
+    <a:clrScheme name="Geometric">
+      <a:dk1>
+        <a:srgbClr val="2A3990"/>
+      </a:dk1>
+      <a:lt1>
+        <a:srgbClr val="FFFFFF"/>
+      </a:lt1>
+      <a:dk2>
+        <a:srgbClr val="434343"/>
+      </a:dk2>
+      <a:lt2>
+        <a:srgbClr val="999999"/>
+      </a:lt2>
+      <a:accent1>
+        <a:srgbClr val="212D74"/>
+      </a:accent1>
+      <a:accent2>
+        <a:srgbClr val="3949AB"/>
+      </a:accent2>
+      <a:accent3>
+        <a:srgbClr val="9C254D"/>
+      </a:accent3>
+      <a:accent4>
+        <a:srgbClr val="D23369"/>
+      </a:accent4>
+      <a:accent5>
+        <a:srgbClr val="F06292"/>
+      </a:accent5>
+      <a:accent6>
+        <a:srgbClr val="7890CD"/>
+      </a:accent6>
+      <a:hlink>
+        <a:srgbClr val="F06292"/>
+      </a:hlink>
+      <a:folHlink>
+        <a:srgbClr val="F06292"/>
+      </a:folHlink>
+    </a:clrScheme>
+    <a:fontScheme name="Office">
+      <a:majorFont>
+        <a:latin typeface="Arial"/>
+        <a:ea typeface=""/>
+        <a:cs typeface=""/>
+        <a:font script="Jpan" typeface="ＭＳ Ｐゴシック"/>
+        <a:font script="Hang" typeface="맑은 고딕"/>
+        <a:font script="Hans" typeface="宋体"/>
+        <a:font script="Hant" typeface="新細明體"/>
+        <a:font script="Arab" typeface="Times New Roman"/>
+        <a:font script="Hebr" typeface="Times New Roman"/>
+        <a:font script="Thai" typeface="Angsana New"/>
+        <a:font script="Ethi" typeface="Nyala"/>
+        <a:font script="Beng" typeface="Vrinda"/>
+        <a:font script="Gujr" typeface="Shruti"/>
+        <a:font script="Khmr" typeface="MoolBoran"/>
+        <a:font script="Knda" typeface="Tunga"/>
+        <a:font script="Guru" typeface="Raavi"/>
+        <a:font script="Cans" typeface="Euphemia"/>
+        <a:font script="Cher" typeface="Plantagenet Cherokee"/>
+        <a:font script="Yiii" typeface="Microsoft Yi Baiti"/>
+        <a:font script="Tibt" typeface="Microsoft Himalaya"/>
+        <a:font script="Thaa" typeface="MV Boli"/>
+        <a:font script="Deva" typeface="Mangal"/>
+        <a:font script="Telu" typeface="Gautami"/>
+        <a:font script="Taml" typeface="Latha"/>
+        <a:font script="Syrc" typeface="Estrangelo Edessa"/>
+        <a:font script="Orya" typeface="Kalinga"/>
+        <a:font script="Mlym" typeface="Kartika"/>
+        <a:font script="Laoo" typeface="DokChampa"/>
+        <a:font script="Sinh" typeface="Iskoola Pota"/>
+        <a:font script="Mong" typeface="Mongolian Baiti"/>
+        <a:font script="Viet" typeface="Times New Roman"/>
+        <a:font script="Uigh" typeface="Microsoft Uighur"/>
+        <a:font script="Geor" typeface="Sylfaen"/>
+      </a:majorFont>
+      <a:minorFont>
+        <a:latin typeface="Arial"/>
+        <a:ea typeface=""/>
+        <a:cs typeface=""/>
+        <a:font script="Jpan" typeface="ＭＳ Ｐゴシック"/>
+        <a:font script="Hang" typeface="맑은 고딕"/>
+        <a:font script="Hans" typeface="宋体"/>
+        <a:font script="Hant" typeface="新細明體"/>
+        <a:font script="Arab" typeface="Arial"/>
+        <a:font script="Hebr" typeface="Arial"/>
+        <a:font script="Thai" typeface="Cordia New"/>
+        <a:font script="Ethi" typeface="Nyala"/>
+        <a:font script="Beng" typeface="Vrinda"/>
+        <a:font script="Gujr" typeface="Shruti"/>
+        <a:font script="Khmr" typeface="DaunPenh"/>
+        <a:font script="Knda" typeface="Tunga"/>
+        <a:font script="Guru" typeface="Raavi"/>
+        <a:font script="Cans" typeface="Euphemia"/>
+        <a:font script="Cher" typeface="Plantagenet Cherokee"/>
+        <a:font script="Yiii" typeface="Microsoft Yi Baiti"/>
+        <a:font script="Tibt" typeface="Microsoft Himalaya"/>
+        <a:font script="Thaa" typeface="MV Boli"/>
+        <a:font script="Deva" typeface="Mangal"/>
+        <a:font script="Telu" typeface="Gautami"/>
+        <a:font script="Taml" typeface="Latha"/>
+        <a:font script="Syrc" typeface="Estrangelo Edessa"/>
+        <a:font script="Orya" typeface="Kalinga"/>
+        <a:font script="Mlym" typeface="Kartika"/>
+        <a:font script="Laoo" typeface="DokChampa"/>
+        <a:font script="Sinh" typeface="Iskoola Pota"/>
+        <a:font script="Mong" typeface="Mongolian Baiti"/>
+        <a:font script="Viet" typeface="Arial"/>
+        <a:font script="Uigh" typeface="Microsoft Uighur"/>
+        <a:font script="Geor" typeface="Sylfaen"/>
+      </a:minorFont>
+    </a:fontScheme>
+    <a:fmtScheme name="Office">
+      <a:fillStyleLst>
+        <a:solidFill>
+          <a:schemeClr val="phClr"/>
+        </a:solidFill>
+        <a:gradFill rotWithShape="1">
+          <a:gsLst>
+            <a:gs pos="0">
+              <a:schemeClr val="phClr">
+                <a:tint val="50000"/>
+                <a:satMod val="300000"/>
+              </a:schemeClr>
+            </a:gs>
+            <a:gs pos="35000">
+              <a:schemeClr val="phClr">
+                <a:tint val="37000"/>
+                <a:satMod val="300000"/>
+              </a:schemeClr>
+            </a:gs>
+            <a:gs pos="100000">
+              <a:schemeClr val="phClr">
+                <a:tint val="15000"/>
+                <a:satMod val="350000"/>
+              </a:schemeClr>
+            </a:gs>
+          </a:gsLst>
+          <a:lin ang="16200000" scaled="1"/>
+        </a:gradFill>
+        <a:gradFill rotWithShape="1">
+          <a:gsLst>
+            <a:gs pos="0">
+              <a:schemeClr val="phClr">
+                <a:tint val="100000"/>
+                <a:shade val="100000"/>
+                <a:satMod val="130000"/>
+              </a:schemeClr>
+            </a:gs>
+            <a:gs pos="100000">
+              <a:schemeClr val="phClr">
+                <a:tint val="50000"/>
+                <a:shade val="100000"/>
+                <a:satMod val="350000"/>
+              </a:schemeClr>
+            </a:gs>
+          </a:gsLst>
+          <a:lin ang="16200000" scaled="0"/>
+        </a:gradFill>
+      </a:fillStyleLst>
+      <a:lnStyleLst>
+        <a:ln w="9525" cap="flat" cmpd="sng" algn="ctr">
+          <a:solidFill>
+            <a:schemeClr val="phClr">
+              <a:shade val="95000"/>
+              <a:satMod val="105000"/>
+            </a:schemeClr>
+          </a:solidFill>
+          <a:prstDash val="solid"/>
+        </a:ln>
+        <a:ln w="25400" cap="flat" cmpd="sng" algn="ctr">
+          <a:solidFill>
+            <a:schemeClr val="phClr"/>
+          </a:solidFill>
+          <a:prstDash val="solid"/>
+        </a:ln>
+        <a:ln w="38100" cap="flat" cmpd="sng" algn="ctr">
+          <a:solidFill>
+            <a:schemeClr val="phClr"/>
+          </a:solidFill>
+          <a:prstDash val="solid"/>
+        </a:ln>
+      </a:lnStyleLst>
+      <a:effectStyleLst>
+        <a:effectStyle>
+          <a:effectLst>
+            <a:outerShdw blurRad="40000" dist="20000" dir="5400000" rotWithShape="0">
+              <a:srgbClr val="000000">
+                <a:alpha val="38000"/>
+              </a:srgbClr>
+            </a:outerShdw>
+          </a:effectLst>
+        </a:effectStyle>
+        <a:effectStyle>
+          <a:effectLst>
+            <a:outerShdw blurRad="40000" dist="23000" dir="5400000" rotWithShape="0">
+              <a:srgbClr val="000000">
+                <a:alpha val="35000"/>
+              </a:srgbClr>
+            </a:outerShdw>
+          </a:effectLst>
+        </a:effectStyle>
+        <a:effectStyle>
+          <a:effectLst>
+            <a:outerShdw blurRad="40000" dist="23000" dir="5400000" rotWithShape="0">
+              <a:srgbClr val="000000">
+                <a:alpha val="35000"/>
+              </a:srgbClr>
+            </a:outerShdw>
+          </a:effectLst>
+          <a:scene3d>
+            <a:camera prst="orthographicFront">
+              <a:rot lat="0" lon="0" rev="0"/>
+            </a:camera>
+            <a:lightRig rig="threePt" dir="t">
+              <a:rot lat="0" lon="0" rev="1200000"/>
+            </a:lightRig>
+          </a:scene3d>
+          <a:sp3d>
+            <a:bevelT w="63500" h="25400"/>
+          </a:sp3d>
+        </a:effectStyle>
+      </a:effectStyleLst>
+      <a:bgFillStyleLst>
+        <a:solidFill>
+          <a:schemeClr val="phClr"/>
+        </a:solidFill>
+        <a:gradFill rotWithShape="1">
+          <a:gsLst>
+            <a:gs pos="0">
+              <a:schemeClr val="phClr">
+                <a:tint val="40000"/>
+                <a:satMod val="350000"/>
+              </a:schemeClr>
+            </a:gs>
+            <a:gs pos="40000">
+              <a:schemeClr val="phClr">
+                <a:tint val="45000"/>
+                <a:shade val="99000"/>
+                <a:satMod val="350000"/>
+              </a:schemeClr>
+            </a:gs>
+            <a:gs pos="100000">
+              <a:schemeClr val="phClr">
+                <a:shade val="20000"/>
+                <a:satMod val="255000"/>
+              </a:schemeClr>
+            </a:gs>
+          </a:gsLst>
+          <a:path path="circle">
+            <a:fillToRect l="50000" t="-80000" r="50000" b="180000"/>
+          </a:path>
+        </a:gradFill>
+        <a:gradFill rotWithShape="1">
+          <a:gsLst>
+            <a:gs pos="0">
+              <a:schemeClr val="phClr">
+                <a:tint val="80000"/>
+                <a:satMod val="300000"/>
+              </a:schemeClr>
+            </a:gs>
+            <a:gs pos="100000">
+              <a:schemeClr val="phClr">
+                <a:shade val="30000"/>
+                <a:satMod val="200000"/>
+              </a:schemeClr>
+            </a:gs>
+          </a:gsLst>
+          <a:path path="circle">
+            <a:fillToRect l="50000" t="50000" r="50000" b="50000"/>
+          </a:path>
+        </a:gradFill>
+      </a:bgFillStyleLst>
+    </a:fmtScheme>
+  </a:themeElements>
+  <a:objectDefaults/>
+  <a:extraClrSchemeLst/>
+</a:theme>
+</file>
+
+<file path=ppt/theme/theme2.xml><?xml version="1.0" encoding="utf-8"?>
+<a:theme xmlns:a="http://schemas.openxmlformats.org/drawingml/2006/main">
   <a:themeElements>
     <a:clrScheme name="Default">
       <a:dk1>
@@ -13026,284 +13360,7 @@
       </a:bgFillStyleLst>
     </a:fmtScheme>
   </a:themeElements>
-</a:theme>
-</file>
-
-<file path=ppt/theme/theme2.xml><?xml version="1.0" encoding="utf-8"?>
-<a:theme xmlns:a="http://schemas.openxmlformats.org/drawingml/2006/main" xmlns:r="http://schemas.openxmlformats.org/officeDocument/2006/relationships" name="Geometric">
-  <a:themeElements>
-    <a:clrScheme name="Geometric">
-      <a:dk1>
-        <a:srgbClr val="2A3990"/>
-      </a:dk1>
-      <a:lt1>
-        <a:srgbClr val="FFFFFF"/>
-      </a:lt1>
-      <a:dk2>
-        <a:srgbClr val="434343"/>
-      </a:dk2>
-      <a:lt2>
-        <a:srgbClr val="999999"/>
-      </a:lt2>
-      <a:accent1>
-        <a:srgbClr val="212D74"/>
-      </a:accent1>
-      <a:accent2>
-        <a:srgbClr val="3949AB"/>
-      </a:accent2>
-      <a:accent3>
-        <a:srgbClr val="9C254D"/>
-      </a:accent3>
-      <a:accent4>
-        <a:srgbClr val="D23369"/>
-      </a:accent4>
-      <a:accent5>
-        <a:srgbClr val="F06292"/>
-      </a:accent5>
-      <a:accent6>
-        <a:srgbClr val="7890CD"/>
-      </a:accent6>
-      <a:hlink>
-        <a:srgbClr val="F06292"/>
-      </a:hlink>
-      <a:folHlink>
-        <a:srgbClr val="F06292"/>
-      </a:folHlink>
-    </a:clrScheme>
-    <a:fontScheme name="Office">
-      <a:majorFont>
-        <a:latin typeface="Arial"/>
-        <a:ea typeface=""/>
-        <a:cs typeface=""/>
-        <a:font script="Jpan" typeface="ＭＳ Ｐゴシック"/>
-        <a:font script="Hang" typeface="맑은 고딕"/>
-        <a:font script="Hans" typeface="宋体"/>
-        <a:font script="Hant" typeface="新細明體"/>
-        <a:font script="Arab" typeface="Times New Roman"/>
-        <a:font script="Hebr" typeface="Times New Roman"/>
-        <a:font script="Thai" typeface="Angsana New"/>
-        <a:font script="Ethi" typeface="Nyala"/>
-        <a:font script="Beng" typeface="Vrinda"/>
-        <a:font script="Gujr" typeface="Shruti"/>
-        <a:font script="Khmr" typeface="MoolBoran"/>
-        <a:font script="Knda" typeface="Tunga"/>
-        <a:font script="Guru" typeface="Raavi"/>
-        <a:font script="Cans" typeface="Euphemia"/>
-        <a:font script="Cher" typeface="Plantagenet Cherokee"/>
-        <a:font script="Yiii" typeface="Microsoft Yi Baiti"/>
-        <a:font script="Tibt" typeface="Microsoft Himalaya"/>
-        <a:font script="Thaa" typeface="MV Boli"/>
-        <a:font script="Deva" typeface="Mangal"/>
-        <a:font script="Telu" typeface="Gautami"/>
-        <a:font script="Taml" typeface="Latha"/>
-        <a:font script="Syrc" typeface="Estrangelo Edessa"/>
-        <a:font script="Orya" typeface="Kalinga"/>
-        <a:font script="Mlym" typeface="Kartika"/>
-        <a:font script="Laoo" typeface="DokChampa"/>
-        <a:font script="Sinh" typeface="Iskoola Pota"/>
-        <a:font script="Mong" typeface="Mongolian Baiti"/>
-        <a:font script="Viet" typeface="Times New Roman"/>
-        <a:font script="Uigh" typeface="Microsoft Uighur"/>
-        <a:font script="Geor" typeface="Sylfaen"/>
-      </a:majorFont>
-      <a:minorFont>
-        <a:latin typeface="Arial"/>
-        <a:ea typeface=""/>
-        <a:cs typeface=""/>
-        <a:font script="Jpan" typeface="ＭＳ Ｐゴシック"/>
-        <a:font script="Hang" typeface="맑은 고딕"/>
-        <a:font script="Hans" typeface="宋体"/>
-        <a:font script="Hant" typeface="新細明體"/>
-        <a:font script="Arab" typeface="Arial"/>
-        <a:font script="Hebr" typeface="Arial"/>
-        <a:font script="Thai" typeface="Cordia New"/>
-        <a:font script="Ethi" typeface="Nyala"/>
-        <a:font script="Beng" typeface="Vrinda"/>
-        <a:font script="Gujr" typeface="Shruti"/>
-        <a:font script="Khmr" typeface="DaunPenh"/>
-        <a:font script="Knda" typeface="Tunga"/>
-        <a:font script="Guru" typeface="Raavi"/>
-        <a:font script="Cans" typeface="Euphemia"/>
-        <a:font script="Cher" typeface="Plantagenet Cherokee"/>
-        <a:font script="Yiii" typeface="Microsoft Yi Baiti"/>
-        <a:font script="Tibt" typeface="Microsoft Himalaya"/>
-        <a:font script="Thaa" typeface="MV Boli"/>
-        <a:font script="Deva" typeface="Mangal"/>
-        <a:font script="Telu" typeface="Gautami"/>
-        <a:font script="Taml" typeface="Latha"/>
-        <a:font script="Syrc" typeface="Estrangelo Edessa"/>
-        <a:font script="Orya" typeface="Kalinga"/>
-        <a:font script="Mlym" typeface="Kartika"/>
-        <a:font script="Laoo" typeface="DokChampa"/>
-        <a:font script="Sinh" typeface="Iskoola Pota"/>
-        <a:font script="Mong" typeface="Mongolian Baiti"/>
-        <a:font script="Viet" typeface="Arial"/>
-        <a:font script="Uigh" typeface="Microsoft Uighur"/>
-        <a:font script="Geor" typeface="Sylfaen"/>
-      </a:minorFont>
-    </a:fontScheme>
-    <a:fmtScheme name="Office">
-      <a:fillStyleLst>
-        <a:solidFill>
-          <a:schemeClr val="phClr"/>
-        </a:solidFill>
-        <a:gradFill rotWithShape="1">
-          <a:gsLst>
-            <a:gs pos="0">
-              <a:schemeClr val="phClr">
-                <a:tint val="50000"/>
-                <a:satMod val="300000"/>
-              </a:schemeClr>
-            </a:gs>
-            <a:gs pos="35000">
-              <a:schemeClr val="phClr">
-                <a:tint val="37000"/>
-                <a:satMod val="300000"/>
-              </a:schemeClr>
-            </a:gs>
-            <a:gs pos="100000">
-              <a:schemeClr val="phClr">
-                <a:tint val="15000"/>
-                <a:satMod val="350000"/>
-              </a:schemeClr>
-            </a:gs>
-          </a:gsLst>
-          <a:lin ang="16200000" scaled="1"/>
-        </a:gradFill>
-        <a:gradFill rotWithShape="1">
-          <a:gsLst>
-            <a:gs pos="0">
-              <a:schemeClr val="phClr">
-                <a:tint val="100000"/>
-                <a:shade val="100000"/>
-                <a:satMod val="130000"/>
-              </a:schemeClr>
-            </a:gs>
-            <a:gs pos="100000">
-              <a:schemeClr val="phClr">
-                <a:tint val="50000"/>
-                <a:shade val="100000"/>
-                <a:satMod val="350000"/>
-              </a:schemeClr>
-            </a:gs>
-          </a:gsLst>
-          <a:lin ang="16200000" scaled="0"/>
-        </a:gradFill>
-      </a:fillStyleLst>
-      <a:lnStyleLst>
-        <a:ln w="9525" cap="flat" cmpd="sng" algn="ctr">
-          <a:solidFill>
-            <a:schemeClr val="phClr">
-              <a:shade val="95000"/>
-              <a:satMod val="105000"/>
-            </a:schemeClr>
-          </a:solidFill>
-          <a:prstDash val="solid"/>
-        </a:ln>
-        <a:ln w="25400" cap="flat" cmpd="sng" algn="ctr">
-          <a:solidFill>
-            <a:schemeClr val="phClr"/>
-          </a:solidFill>
-          <a:prstDash val="solid"/>
-        </a:ln>
-        <a:ln w="38100" cap="flat" cmpd="sng" algn="ctr">
-          <a:solidFill>
-            <a:schemeClr val="phClr"/>
-          </a:solidFill>
-          <a:prstDash val="solid"/>
-        </a:ln>
-      </a:lnStyleLst>
-      <a:effectStyleLst>
-        <a:effectStyle>
-          <a:effectLst>
-            <a:outerShdw blurRad="40000" dist="20000" dir="5400000" rotWithShape="0">
-              <a:srgbClr val="000000">
-                <a:alpha val="38000"/>
-              </a:srgbClr>
-            </a:outerShdw>
-          </a:effectLst>
-        </a:effectStyle>
-        <a:effectStyle>
-          <a:effectLst>
-            <a:outerShdw blurRad="40000" dist="23000" dir="5400000" rotWithShape="0">
-              <a:srgbClr val="000000">
-                <a:alpha val="35000"/>
-              </a:srgbClr>
-            </a:outerShdw>
-          </a:effectLst>
-        </a:effectStyle>
-        <a:effectStyle>
-          <a:effectLst>
-            <a:outerShdw blurRad="40000" dist="23000" dir="5400000" rotWithShape="0">
-              <a:srgbClr val="000000">
-                <a:alpha val="35000"/>
-              </a:srgbClr>
-            </a:outerShdw>
-          </a:effectLst>
-          <a:scene3d>
-            <a:camera prst="orthographicFront">
-              <a:rot lat="0" lon="0" rev="0"/>
-            </a:camera>
-            <a:lightRig rig="threePt" dir="t">
-              <a:rot lat="0" lon="0" rev="1200000"/>
-            </a:lightRig>
-          </a:scene3d>
-          <a:sp3d>
-            <a:bevelT w="63500" h="25400"/>
-          </a:sp3d>
-        </a:effectStyle>
-      </a:effectStyleLst>
-      <a:bgFillStyleLst>
-        <a:solidFill>
-          <a:schemeClr val="phClr"/>
-        </a:solidFill>
-        <a:gradFill rotWithShape="1">
-          <a:gsLst>
-            <a:gs pos="0">
-              <a:schemeClr val="phClr">
-                <a:tint val="40000"/>
-                <a:satMod val="350000"/>
-              </a:schemeClr>
-            </a:gs>
-            <a:gs pos="40000">
-              <a:schemeClr val="phClr">
-                <a:tint val="45000"/>
-                <a:shade val="99000"/>
-                <a:satMod val="350000"/>
-              </a:schemeClr>
-            </a:gs>
-            <a:gs pos="100000">
-              <a:schemeClr val="phClr">
-                <a:shade val="20000"/>
-                <a:satMod val="255000"/>
-              </a:schemeClr>
-            </a:gs>
-          </a:gsLst>
-          <a:path path="circle">
-            <a:fillToRect l="50000" t="-80000" r="50000" b="180000"/>
-          </a:path>
-        </a:gradFill>
-        <a:gradFill rotWithShape="1">
-          <a:gsLst>
-            <a:gs pos="0">
-              <a:schemeClr val="phClr">
-                <a:tint val="80000"/>
-                <a:satMod val="300000"/>
-              </a:schemeClr>
-            </a:gs>
-            <a:gs pos="100000">
-              <a:schemeClr val="phClr">
-                <a:shade val="30000"/>
-                <a:satMod val="200000"/>
-              </a:schemeClr>
-            </a:gs>
-          </a:gsLst>
-          <a:path path="circle">
-            <a:fillToRect l="50000" t="50000" r="50000" b="50000"/>
-          </a:path>
-        </a:gradFill>
-      </a:bgFillStyleLst>
-    </a:fmtScheme>
-  </a:themeElements>
+  <a:objectDefaults/>
+  <a:extraClrSchemeLst/>
 </a:theme>
 </file>